--- a/SQL Project.pptx
+++ b/SQL Project.pptx
@@ -9,10 +9,10 @@
   </p:notesMasterIdLst>
   <p:sldIdLst>
     <p:sldId id="256" r:id="rId2"/>
-    <p:sldId id="257" r:id="rId3"/>
-    <p:sldId id="258" r:id="rId4"/>
+    <p:sldId id="258" r:id="rId3"/>
+    <p:sldId id="260" r:id="rId4"/>
     <p:sldId id="259" r:id="rId5"/>
-    <p:sldId id="260" r:id="rId6"/>
+    <p:sldId id="261" r:id="rId6"/>
   </p:sldIdLst>
   <p:sldSz cx="9144000" cy="5143500" type="screen16x9"/>
   <p:notesSz cx="6858000" cy="9144000"/>
@@ -218,7 +218,4904 @@
       </a:defRPr>
     </a:lvl9pPr>
   </p:defaultTextStyle>
+  <p:extLst>
+    <p:ext uri="{EFAFB233-063F-42B5-8137-9DF3F51BA10A}">
+      <p15:sldGuideLst xmlns:p15="http://schemas.microsoft.com/office/powerpoint/2012/main"/>
+    </p:ext>
+  </p:extLst>
 </p:presentation>
+</file>
+
+<file path=ppt/charts/chart1.xml><?xml version="1.0" encoding="utf-8"?>
+<c:chartSpace xmlns:c="http://schemas.openxmlformats.org/drawingml/2006/chart" xmlns:a="http://schemas.openxmlformats.org/drawingml/2006/main" xmlns:r="http://schemas.openxmlformats.org/officeDocument/2006/relationships">
+  <c:date1904 val="0"/>
+  <c:lang val="en-US"/>
+  <c:roundedCorners val="0"/>
+  <mc:AlternateContent xmlns:mc="http://schemas.openxmlformats.org/markup-compatibility/2006">
+    <mc:Choice xmlns:c14="http://schemas.microsoft.com/office/drawing/2007/8/2/chart" Requires="c14">
+      <c14:style val="102"/>
+    </mc:Choice>
+    <mc:Fallback>
+      <c:style val="2"/>
+    </mc:Fallback>
+  </mc:AlternateContent>
+  <c:chart>
+    <c:title>
+      <c:tx>
+        <c:rich>
+          <a:bodyPr rot="0" spcFirstLastPara="1" vertOverflow="ellipsis" vert="horz" wrap="square" anchor="ctr" anchorCtr="1"/>
+          <a:lstStyle/>
+          <a:p>
+            <a:pPr>
+              <a:defRPr sz="1862" b="0" i="0" u="none" strike="noStrike" kern="1200" spc="0" baseline="0">
+                <a:solidFill>
+                  <a:schemeClr val="tx1">
+                    <a:lumMod val="65000"/>
+                    <a:lumOff val="35000"/>
+                  </a:schemeClr>
+                </a:solidFill>
+                <a:latin typeface="+mn-lt"/>
+                <a:ea typeface="+mn-ea"/>
+                <a:cs typeface="+mn-cs"/>
+              </a:defRPr>
+            </a:pPr>
+            <a:r>
+              <a:rPr lang="en-US"/>
+              <a:t>Total order volume from each country</a:t>
+            </a:r>
+          </a:p>
+        </c:rich>
+      </c:tx>
+      <c:layout/>
+      <c:overlay val="0"/>
+      <c:spPr>
+        <a:noFill/>
+        <a:ln>
+          <a:noFill/>
+        </a:ln>
+        <a:effectLst/>
+      </c:spPr>
+      <c:txPr>
+        <a:bodyPr rot="0" spcFirstLastPara="1" vertOverflow="ellipsis" vert="horz" wrap="square" anchor="ctr" anchorCtr="1"/>
+        <a:lstStyle/>
+        <a:p>
+          <a:pPr>
+            <a:defRPr sz="1862" b="0" i="0" u="none" strike="noStrike" kern="1200" spc="0" baseline="0">
+              <a:solidFill>
+                <a:schemeClr val="tx1">
+                  <a:lumMod val="65000"/>
+                  <a:lumOff val="35000"/>
+                </a:schemeClr>
+              </a:solidFill>
+              <a:latin typeface="+mn-lt"/>
+              <a:ea typeface="+mn-ea"/>
+              <a:cs typeface="+mn-cs"/>
+            </a:defRPr>
+          </a:pPr>
+          <a:endParaRPr lang="en-US"/>
+        </a:p>
+      </c:txPr>
+    </c:title>
+    <c:autoTitleDeleted val="0"/>
+    <c:plotArea>
+      <c:layout/>
+      <c:barChart>
+        <c:barDir val="bar"/>
+        <c:grouping val="clustered"/>
+        <c:varyColors val="0"/>
+        <c:ser>
+          <c:idx val="0"/>
+          <c:order val="0"/>
+          <c:tx>
+            <c:strRef>
+              <c:f>'Total Order Volume from each co'!$C$1</c:f>
+              <c:strCache>
+                <c:ptCount val="1"/>
+                <c:pt idx="0">
+                  <c:v>TotalSales</c:v>
+                </c:pt>
+              </c:strCache>
+            </c:strRef>
+          </c:tx>
+          <c:spPr>
+            <a:solidFill>
+              <a:schemeClr val="accent1"/>
+            </a:solidFill>
+            <a:ln>
+              <a:noFill/>
+            </a:ln>
+            <a:effectLst/>
+          </c:spPr>
+          <c:invertIfNegative val="0"/>
+          <c:cat>
+            <c:multiLvlStrRef>
+              <c:f>'Total Order Volume from each co'!$A$2:$B$6</c:f>
+              <c:multiLvlStrCache>
+                <c:ptCount val="5"/>
+                <c:lvl>
+                  <c:pt idx="0">
+                    <c:v>USA</c:v>
+                  </c:pt>
+                  <c:pt idx="1">
+                    <c:v>Canada</c:v>
+                  </c:pt>
+                  <c:pt idx="2">
+                    <c:v>France</c:v>
+                  </c:pt>
+                  <c:pt idx="3">
+                    <c:v>Brazil</c:v>
+                  </c:pt>
+                  <c:pt idx="4">
+                    <c:v>Germany</c:v>
+                  </c:pt>
+                </c:lvl>
+                <c:lvl>
+                  <c:pt idx="0">
+                    <c:v>91</c:v>
+                  </c:pt>
+                  <c:pt idx="1">
+                    <c:v>56</c:v>
+                  </c:pt>
+                  <c:pt idx="2">
+                    <c:v>35</c:v>
+                  </c:pt>
+                  <c:pt idx="3">
+                    <c:v>35</c:v>
+                  </c:pt>
+                  <c:pt idx="4">
+                    <c:v>28</c:v>
+                  </c:pt>
+                </c:lvl>
+              </c:multiLvlStrCache>
+            </c:multiLvlStrRef>
+          </c:cat>
+          <c:val>
+            <c:numRef>
+              <c:f>'Total Order Volume from each co'!$C$2:$C$6</c:f>
+              <c:numCache>
+                <c:formatCode>General</c:formatCode>
+                <c:ptCount val="5"/>
+                <c:pt idx="0">
+                  <c:v>523.05999999999995</c:v>
+                </c:pt>
+                <c:pt idx="1">
+                  <c:v>303.95999999999998</c:v>
+                </c:pt>
+                <c:pt idx="2">
+                  <c:v>195.1</c:v>
+                </c:pt>
+                <c:pt idx="3">
+                  <c:v>190.1</c:v>
+                </c:pt>
+                <c:pt idx="4">
+                  <c:v>156.47999999999999</c:v>
+                </c:pt>
+              </c:numCache>
+            </c:numRef>
+          </c:val>
+        </c:ser>
+        <c:dLbls>
+          <c:showLegendKey val="0"/>
+          <c:showVal val="0"/>
+          <c:showCatName val="0"/>
+          <c:showSerName val="0"/>
+          <c:showPercent val="0"/>
+          <c:showBubbleSize val="0"/>
+        </c:dLbls>
+        <c:gapWidth val="182"/>
+        <c:axId val="-446294368"/>
+        <c:axId val="-446293280"/>
+      </c:barChart>
+      <c:catAx>
+        <c:axId val="-446294368"/>
+        <c:scaling>
+          <c:orientation val="minMax"/>
+        </c:scaling>
+        <c:delete val="0"/>
+        <c:axPos val="l"/>
+        <c:numFmt formatCode="General" sourceLinked="1"/>
+        <c:majorTickMark val="none"/>
+        <c:minorTickMark val="none"/>
+        <c:tickLblPos val="nextTo"/>
+        <c:spPr>
+          <a:noFill/>
+          <a:ln w="9525" cap="flat" cmpd="sng" algn="ctr">
+            <a:solidFill>
+              <a:schemeClr val="tx1">
+                <a:lumMod val="15000"/>
+                <a:lumOff val="85000"/>
+              </a:schemeClr>
+            </a:solidFill>
+            <a:round/>
+          </a:ln>
+          <a:effectLst/>
+        </c:spPr>
+        <c:txPr>
+          <a:bodyPr rot="-60000000" spcFirstLastPara="1" vertOverflow="ellipsis" vert="horz" wrap="square" anchor="ctr" anchorCtr="1"/>
+          <a:lstStyle/>
+          <a:p>
+            <a:pPr>
+              <a:defRPr sz="1197" b="0" i="0" u="none" strike="noStrike" kern="1200" baseline="0">
+                <a:solidFill>
+                  <a:schemeClr val="tx1">
+                    <a:lumMod val="65000"/>
+                    <a:lumOff val="35000"/>
+                  </a:schemeClr>
+                </a:solidFill>
+                <a:latin typeface="+mn-lt"/>
+                <a:ea typeface="+mn-ea"/>
+                <a:cs typeface="+mn-cs"/>
+              </a:defRPr>
+            </a:pPr>
+            <a:endParaRPr lang="en-US"/>
+          </a:p>
+        </c:txPr>
+        <c:crossAx val="-446293280"/>
+        <c:crosses val="autoZero"/>
+        <c:auto val="1"/>
+        <c:lblAlgn val="ctr"/>
+        <c:lblOffset val="100"/>
+        <c:noMultiLvlLbl val="0"/>
+      </c:catAx>
+      <c:valAx>
+        <c:axId val="-446293280"/>
+        <c:scaling>
+          <c:orientation val="minMax"/>
+        </c:scaling>
+        <c:delete val="0"/>
+        <c:axPos val="b"/>
+        <c:majorGridlines>
+          <c:spPr>
+            <a:ln w="9525" cap="flat" cmpd="sng" algn="ctr">
+              <a:solidFill>
+                <a:schemeClr val="tx1">
+                  <a:lumMod val="15000"/>
+                  <a:lumOff val="85000"/>
+                </a:schemeClr>
+              </a:solidFill>
+              <a:round/>
+            </a:ln>
+            <a:effectLst/>
+          </c:spPr>
+        </c:majorGridlines>
+        <c:numFmt formatCode="General" sourceLinked="1"/>
+        <c:majorTickMark val="none"/>
+        <c:minorTickMark val="none"/>
+        <c:tickLblPos val="nextTo"/>
+        <c:spPr>
+          <a:noFill/>
+          <a:ln>
+            <a:noFill/>
+          </a:ln>
+          <a:effectLst/>
+        </c:spPr>
+        <c:txPr>
+          <a:bodyPr rot="-60000000" spcFirstLastPara="1" vertOverflow="ellipsis" vert="horz" wrap="square" anchor="ctr" anchorCtr="1"/>
+          <a:lstStyle/>
+          <a:p>
+            <a:pPr>
+              <a:defRPr sz="1197" b="0" i="0" u="none" strike="noStrike" kern="1200" baseline="0">
+                <a:solidFill>
+                  <a:schemeClr val="tx1">
+                    <a:lumMod val="65000"/>
+                    <a:lumOff val="35000"/>
+                  </a:schemeClr>
+                </a:solidFill>
+                <a:latin typeface="+mn-lt"/>
+                <a:ea typeface="+mn-ea"/>
+                <a:cs typeface="+mn-cs"/>
+              </a:defRPr>
+            </a:pPr>
+            <a:endParaRPr lang="en-US"/>
+          </a:p>
+        </c:txPr>
+        <c:crossAx val="-446294368"/>
+        <c:crosses val="autoZero"/>
+        <c:crossBetween val="between"/>
+      </c:valAx>
+      <c:spPr>
+        <a:noFill/>
+        <a:ln>
+          <a:noFill/>
+        </a:ln>
+        <a:effectLst/>
+      </c:spPr>
+    </c:plotArea>
+    <c:plotVisOnly val="1"/>
+    <c:dispBlanksAs val="gap"/>
+    <c:showDLblsOverMax val="0"/>
+  </c:chart>
+  <c:spPr>
+    <a:noFill/>
+    <a:ln>
+      <a:noFill/>
+    </a:ln>
+    <a:effectLst/>
+  </c:spPr>
+  <c:txPr>
+    <a:bodyPr/>
+    <a:lstStyle/>
+    <a:p>
+      <a:pPr>
+        <a:defRPr/>
+      </a:pPr>
+      <a:endParaRPr lang="en-US"/>
+    </a:p>
+  </c:txPr>
+  <c:externalData r:id="rId3">
+    <c:autoUpdate val="0"/>
+  </c:externalData>
+</c:chartSpace>
+</file>
+
+<file path=ppt/charts/chart2.xml><?xml version="1.0" encoding="utf-8"?>
+<c:chartSpace xmlns:c="http://schemas.openxmlformats.org/drawingml/2006/chart" xmlns:a="http://schemas.openxmlformats.org/drawingml/2006/main" xmlns:r="http://schemas.openxmlformats.org/officeDocument/2006/relationships">
+  <c:date1904 val="0"/>
+  <c:lang val="en-US"/>
+  <c:roundedCorners val="0"/>
+  <mc:AlternateContent xmlns:mc="http://schemas.openxmlformats.org/markup-compatibility/2006">
+    <mc:Choice xmlns:c14="http://schemas.microsoft.com/office/drawing/2007/8/2/chart" Requires="c14">
+      <c14:style val="102"/>
+    </mc:Choice>
+    <mc:Fallback>
+      <c:style val="2"/>
+    </mc:Fallback>
+  </mc:AlternateContent>
+  <c:chart>
+    <c:title>
+      <c:tx>
+        <c:rich>
+          <a:bodyPr rot="0" spcFirstLastPara="1" vertOverflow="ellipsis" vert="horz" wrap="square" anchor="ctr" anchorCtr="1"/>
+          <a:lstStyle/>
+          <a:p>
+            <a:pPr>
+              <a:defRPr sz="1862" b="0" i="0" u="none" strike="noStrike" kern="1200" spc="0" baseline="0">
+                <a:solidFill>
+                  <a:schemeClr val="tx1">
+                    <a:lumMod val="65000"/>
+                    <a:lumOff val="35000"/>
+                  </a:schemeClr>
+                </a:solidFill>
+                <a:latin typeface="+mn-lt"/>
+                <a:ea typeface="+mn-ea"/>
+                <a:cs typeface="+mn-cs"/>
+              </a:defRPr>
+            </a:pPr>
+            <a:r>
+              <a:rPr lang="en-US" sz="1600" b="0" i="0" u="none" strike="noStrike" baseline="0" dirty="0" smtClean="0">
+                <a:effectLst/>
+              </a:rPr>
+              <a:t>Comparison of Order Volume by Genre</a:t>
+            </a:r>
+            <a:endParaRPr lang="en-US" sz="1600" baseline="0" dirty="0"/>
+          </a:p>
+        </c:rich>
+      </c:tx>
+      <c:layout/>
+      <c:overlay val="0"/>
+      <c:spPr>
+        <a:noFill/>
+        <a:ln>
+          <a:noFill/>
+        </a:ln>
+        <a:effectLst/>
+      </c:spPr>
+      <c:txPr>
+        <a:bodyPr rot="0" spcFirstLastPara="1" vertOverflow="ellipsis" vert="horz" wrap="square" anchor="ctr" anchorCtr="1"/>
+        <a:lstStyle/>
+        <a:p>
+          <a:pPr>
+            <a:defRPr sz="1862" b="0" i="0" u="none" strike="noStrike" kern="1200" spc="0" baseline="0">
+              <a:solidFill>
+                <a:schemeClr val="tx1">
+                  <a:lumMod val="65000"/>
+                  <a:lumOff val="35000"/>
+                </a:schemeClr>
+              </a:solidFill>
+              <a:latin typeface="+mn-lt"/>
+              <a:ea typeface="+mn-ea"/>
+              <a:cs typeface="+mn-cs"/>
+            </a:defRPr>
+          </a:pPr>
+          <a:endParaRPr lang="en-US"/>
+        </a:p>
+      </c:txPr>
+    </c:title>
+    <c:autoTitleDeleted val="0"/>
+    <c:view3D>
+      <c:rotX val="15"/>
+      <c:rotY val="20"/>
+      <c:depthPercent val="100"/>
+      <c:rAngAx val="1"/>
+    </c:view3D>
+    <c:floor>
+      <c:thickness val="0"/>
+      <c:spPr>
+        <a:noFill/>
+        <a:ln>
+          <a:noFill/>
+        </a:ln>
+        <a:effectLst/>
+        <a:sp3d/>
+      </c:spPr>
+    </c:floor>
+    <c:sideWall>
+      <c:thickness val="0"/>
+      <c:spPr>
+        <a:noFill/>
+        <a:ln>
+          <a:noFill/>
+        </a:ln>
+        <a:effectLst/>
+        <a:sp3d/>
+      </c:spPr>
+    </c:sideWall>
+    <c:backWall>
+      <c:thickness val="0"/>
+      <c:spPr>
+        <a:noFill/>
+        <a:ln>
+          <a:noFill/>
+        </a:ln>
+        <a:effectLst/>
+        <a:sp3d/>
+      </c:spPr>
+    </c:backWall>
+    <c:plotArea>
+      <c:layout>
+        <c:manualLayout>
+          <c:layoutTarget val="inner"/>
+          <c:xMode val="edge"/>
+          <c:yMode val="edge"/>
+          <c:x val="0.13509284285934031"/>
+          <c:y val="0.14505858230814292"/>
+          <c:w val="0.84537170105698023"/>
+          <c:h val="0.39635129857449719"/>
+        </c:manualLayout>
+      </c:layout>
+      <c:bar3DChart>
+        <c:barDir val="col"/>
+        <c:grouping val="percentStacked"/>
+        <c:varyColors val="0"/>
+        <c:ser>
+          <c:idx val="0"/>
+          <c:order val="0"/>
+          <c:tx>
+            <c:strRef>
+              <c:f>'super advanced'!$B$1</c:f>
+              <c:strCache>
+                <c:ptCount val="1"/>
+                <c:pt idx="0">
+                  <c:v>USA</c:v>
+                </c:pt>
+              </c:strCache>
+            </c:strRef>
+          </c:tx>
+          <c:spPr>
+            <a:solidFill>
+              <a:schemeClr val="accent1"/>
+            </a:solidFill>
+            <a:ln>
+              <a:noFill/>
+            </a:ln>
+            <a:effectLst/>
+            <a:sp3d/>
+          </c:spPr>
+          <c:invertIfNegative val="0"/>
+          <c:cat>
+            <c:strRef>
+              <c:f>'super advanced'!$A$2:$A$25</c:f>
+              <c:strCache>
+                <c:ptCount val="24"/>
+                <c:pt idx="0">
+                  <c:v>Alternative</c:v>
+                </c:pt>
+                <c:pt idx="1">
+                  <c:v>Alternative &amp; Punk</c:v>
+                </c:pt>
+                <c:pt idx="2">
+                  <c:v>Blues</c:v>
+                </c:pt>
+                <c:pt idx="3">
+                  <c:v>Bossa Nova</c:v>
+                </c:pt>
+                <c:pt idx="4">
+                  <c:v>Classical</c:v>
+                </c:pt>
+                <c:pt idx="5">
+                  <c:v>Comedy</c:v>
+                </c:pt>
+                <c:pt idx="6">
+                  <c:v>Drama</c:v>
+                </c:pt>
+                <c:pt idx="7">
+                  <c:v>Easy Listening</c:v>
+                </c:pt>
+                <c:pt idx="8">
+                  <c:v>Electronica/Dance</c:v>
+                </c:pt>
+                <c:pt idx="9">
+                  <c:v>Heavy Metal</c:v>
+                </c:pt>
+                <c:pt idx="10">
+                  <c:v>Hip Hop/Rap</c:v>
+                </c:pt>
+                <c:pt idx="11">
+                  <c:v>Jazz</c:v>
+                </c:pt>
+                <c:pt idx="12">
+                  <c:v>Latin</c:v>
+                </c:pt>
+                <c:pt idx="13">
+                  <c:v>Metal</c:v>
+                </c:pt>
+                <c:pt idx="14">
+                  <c:v>Pop</c:v>
+                </c:pt>
+                <c:pt idx="15">
+                  <c:v>R&amp;B/Soul</c:v>
+                </c:pt>
+                <c:pt idx="16">
+                  <c:v>Reggae</c:v>
+                </c:pt>
+                <c:pt idx="17">
+                  <c:v>Rock</c:v>
+                </c:pt>
+                <c:pt idx="18">
+                  <c:v>Rock And Roll</c:v>
+                </c:pt>
+                <c:pt idx="19">
+                  <c:v>Sci Fi &amp; Fantasy</c:v>
+                </c:pt>
+                <c:pt idx="20">
+                  <c:v>Science Fiction</c:v>
+                </c:pt>
+                <c:pt idx="21">
+                  <c:v>Soundtrack</c:v>
+                </c:pt>
+                <c:pt idx="22">
+                  <c:v>TV Shows</c:v>
+                </c:pt>
+                <c:pt idx="23">
+                  <c:v>World</c:v>
+                </c:pt>
+              </c:strCache>
+            </c:strRef>
+          </c:cat>
+          <c:val>
+            <c:numRef>
+              <c:f>'super advanced'!$B$2:$B$25</c:f>
+              <c:numCache>
+                <c:formatCode>General</c:formatCode>
+                <c:ptCount val="24"/>
+                <c:pt idx="0">
+                  <c:v>5</c:v>
+                </c:pt>
+                <c:pt idx="1">
+                  <c:v>50</c:v>
+                </c:pt>
+                <c:pt idx="2">
+                  <c:v>15</c:v>
+                </c:pt>
+                <c:pt idx="3">
+                  <c:v>7</c:v>
+                </c:pt>
+                <c:pt idx="4">
+                  <c:v>8</c:v>
+                </c:pt>
+                <c:pt idx="5">
+                  <c:v>8</c:v>
+                </c:pt>
+                <c:pt idx="6">
+                  <c:v>6</c:v>
+                </c:pt>
+                <c:pt idx="7">
+                  <c:v>3</c:v>
+                </c:pt>
+                <c:pt idx="8">
+                  <c:v>0</c:v>
+                </c:pt>
+                <c:pt idx="9">
+                  <c:v>4</c:v>
+                </c:pt>
+                <c:pt idx="10">
+                  <c:v>4</c:v>
+                </c:pt>
+                <c:pt idx="11">
+                  <c:v>22</c:v>
+                </c:pt>
+                <c:pt idx="12">
+                  <c:v>91</c:v>
+                </c:pt>
+                <c:pt idx="13">
+                  <c:v>64</c:v>
+                </c:pt>
+                <c:pt idx="14">
+                  <c:v>5</c:v>
+                </c:pt>
+                <c:pt idx="15">
+                  <c:v>12</c:v>
+                </c:pt>
+                <c:pt idx="16">
+                  <c:v>6</c:v>
+                </c:pt>
+                <c:pt idx="17">
+                  <c:v>157</c:v>
+                </c:pt>
+                <c:pt idx="18">
+                  <c:v>3</c:v>
+                </c:pt>
+                <c:pt idx="19">
+                  <c:v>5</c:v>
+                </c:pt>
+                <c:pt idx="20">
+                  <c:v>1</c:v>
+                </c:pt>
+                <c:pt idx="21">
+                  <c:v>4</c:v>
+                </c:pt>
+                <c:pt idx="22">
+                  <c:v>14</c:v>
+                </c:pt>
+                <c:pt idx="23">
+                  <c:v>0</c:v>
+                </c:pt>
+              </c:numCache>
+            </c:numRef>
+          </c:val>
+        </c:ser>
+        <c:ser>
+          <c:idx val="1"/>
+          <c:order val="1"/>
+          <c:tx>
+            <c:strRef>
+              <c:f>'super advanced'!$C$1</c:f>
+              <c:strCache>
+                <c:ptCount val="1"/>
+                <c:pt idx="0">
+                  <c:v>Canada</c:v>
+                </c:pt>
+              </c:strCache>
+            </c:strRef>
+          </c:tx>
+          <c:spPr>
+            <a:solidFill>
+              <a:schemeClr val="accent2"/>
+            </a:solidFill>
+            <a:ln>
+              <a:noFill/>
+            </a:ln>
+            <a:effectLst/>
+            <a:sp3d/>
+          </c:spPr>
+          <c:invertIfNegative val="0"/>
+          <c:cat>
+            <c:strRef>
+              <c:f>'super advanced'!$A$2:$A$25</c:f>
+              <c:strCache>
+                <c:ptCount val="24"/>
+                <c:pt idx="0">
+                  <c:v>Alternative</c:v>
+                </c:pt>
+                <c:pt idx="1">
+                  <c:v>Alternative &amp; Punk</c:v>
+                </c:pt>
+                <c:pt idx="2">
+                  <c:v>Blues</c:v>
+                </c:pt>
+                <c:pt idx="3">
+                  <c:v>Bossa Nova</c:v>
+                </c:pt>
+                <c:pt idx="4">
+                  <c:v>Classical</c:v>
+                </c:pt>
+                <c:pt idx="5">
+                  <c:v>Comedy</c:v>
+                </c:pt>
+                <c:pt idx="6">
+                  <c:v>Drama</c:v>
+                </c:pt>
+                <c:pt idx="7">
+                  <c:v>Easy Listening</c:v>
+                </c:pt>
+                <c:pt idx="8">
+                  <c:v>Electronica/Dance</c:v>
+                </c:pt>
+                <c:pt idx="9">
+                  <c:v>Heavy Metal</c:v>
+                </c:pt>
+                <c:pt idx="10">
+                  <c:v>Hip Hop/Rap</c:v>
+                </c:pt>
+                <c:pt idx="11">
+                  <c:v>Jazz</c:v>
+                </c:pt>
+                <c:pt idx="12">
+                  <c:v>Latin</c:v>
+                </c:pt>
+                <c:pt idx="13">
+                  <c:v>Metal</c:v>
+                </c:pt>
+                <c:pt idx="14">
+                  <c:v>Pop</c:v>
+                </c:pt>
+                <c:pt idx="15">
+                  <c:v>R&amp;B/Soul</c:v>
+                </c:pt>
+                <c:pt idx="16">
+                  <c:v>Reggae</c:v>
+                </c:pt>
+                <c:pt idx="17">
+                  <c:v>Rock</c:v>
+                </c:pt>
+                <c:pt idx="18">
+                  <c:v>Rock And Roll</c:v>
+                </c:pt>
+                <c:pt idx="19">
+                  <c:v>Sci Fi &amp; Fantasy</c:v>
+                </c:pt>
+                <c:pt idx="20">
+                  <c:v>Science Fiction</c:v>
+                </c:pt>
+                <c:pt idx="21">
+                  <c:v>Soundtrack</c:v>
+                </c:pt>
+                <c:pt idx="22">
+                  <c:v>TV Shows</c:v>
+                </c:pt>
+                <c:pt idx="23">
+                  <c:v>World</c:v>
+                </c:pt>
+              </c:strCache>
+            </c:strRef>
+          </c:cat>
+          <c:val>
+            <c:numRef>
+              <c:f>'super advanced'!$C$2:$C$25</c:f>
+              <c:numCache>
+                <c:formatCode>General</c:formatCode>
+                <c:ptCount val="24"/>
+                <c:pt idx="0">
+                  <c:v>0</c:v>
+                </c:pt>
+                <c:pt idx="1">
+                  <c:v>36</c:v>
+                </c:pt>
+                <c:pt idx="2">
+                  <c:v>4</c:v>
+                </c:pt>
+                <c:pt idx="3">
+                  <c:v>7</c:v>
+                </c:pt>
+                <c:pt idx="4">
+                  <c:v>5</c:v>
+                </c:pt>
+                <c:pt idx="5">
+                  <c:v>0</c:v>
+                </c:pt>
+                <c:pt idx="6">
+                  <c:v>2</c:v>
+                </c:pt>
+                <c:pt idx="7">
+                  <c:v>0</c:v>
+                </c:pt>
+                <c:pt idx="8">
+                  <c:v>4</c:v>
+                </c:pt>
+                <c:pt idx="9">
+                  <c:v>0</c:v>
+                </c:pt>
+                <c:pt idx="10">
+                  <c:v>5</c:v>
+                </c:pt>
+                <c:pt idx="11">
+                  <c:v>13</c:v>
+                </c:pt>
+                <c:pt idx="12">
+                  <c:v>60</c:v>
+                </c:pt>
+                <c:pt idx="13">
+                  <c:v>40</c:v>
+                </c:pt>
+                <c:pt idx="14">
+                  <c:v>0</c:v>
+                </c:pt>
+                <c:pt idx="15">
+                  <c:v>5</c:v>
+                </c:pt>
+                <c:pt idx="16">
+                  <c:v>7</c:v>
+                </c:pt>
+                <c:pt idx="17">
+                  <c:v>107</c:v>
+                </c:pt>
+                <c:pt idx="18">
+                  <c:v>2</c:v>
+                </c:pt>
+                <c:pt idx="19">
+                  <c:v>0</c:v>
+                </c:pt>
+                <c:pt idx="20">
+                  <c:v>0</c:v>
+                </c:pt>
+                <c:pt idx="21">
+                  <c:v>0</c:v>
+                </c:pt>
+                <c:pt idx="22">
+                  <c:v>1</c:v>
+                </c:pt>
+                <c:pt idx="23">
+                  <c:v>6</c:v>
+                </c:pt>
+              </c:numCache>
+            </c:numRef>
+          </c:val>
+        </c:ser>
+        <c:ser>
+          <c:idx val="2"/>
+          <c:order val="2"/>
+          <c:tx>
+            <c:strRef>
+              <c:f>'super advanced'!$D$1</c:f>
+              <c:strCache>
+                <c:ptCount val="1"/>
+                <c:pt idx="0">
+                  <c:v>France</c:v>
+                </c:pt>
+              </c:strCache>
+            </c:strRef>
+          </c:tx>
+          <c:spPr>
+            <a:solidFill>
+              <a:schemeClr val="accent3"/>
+            </a:solidFill>
+            <a:ln>
+              <a:noFill/>
+            </a:ln>
+            <a:effectLst/>
+            <a:sp3d/>
+          </c:spPr>
+          <c:invertIfNegative val="0"/>
+          <c:cat>
+            <c:strRef>
+              <c:f>'super advanced'!$A$2:$A$25</c:f>
+              <c:strCache>
+                <c:ptCount val="24"/>
+                <c:pt idx="0">
+                  <c:v>Alternative</c:v>
+                </c:pt>
+                <c:pt idx="1">
+                  <c:v>Alternative &amp; Punk</c:v>
+                </c:pt>
+                <c:pt idx="2">
+                  <c:v>Blues</c:v>
+                </c:pt>
+                <c:pt idx="3">
+                  <c:v>Bossa Nova</c:v>
+                </c:pt>
+                <c:pt idx="4">
+                  <c:v>Classical</c:v>
+                </c:pt>
+                <c:pt idx="5">
+                  <c:v>Comedy</c:v>
+                </c:pt>
+                <c:pt idx="6">
+                  <c:v>Drama</c:v>
+                </c:pt>
+                <c:pt idx="7">
+                  <c:v>Easy Listening</c:v>
+                </c:pt>
+                <c:pt idx="8">
+                  <c:v>Electronica/Dance</c:v>
+                </c:pt>
+                <c:pt idx="9">
+                  <c:v>Heavy Metal</c:v>
+                </c:pt>
+                <c:pt idx="10">
+                  <c:v>Hip Hop/Rap</c:v>
+                </c:pt>
+                <c:pt idx="11">
+                  <c:v>Jazz</c:v>
+                </c:pt>
+                <c:pt idx="12">
+                  <c:v>Latin</c:v>
+                </c:pt>
+                <c:pt idx="13">
+                  <c:v>Metal</c:v>
+                </c:pt>
+                <c:pt idx="14">
+                  <c:v>Pop</c:v>
+                </c:pt>
+                <c:pt idx="15">
+                  <c:v>R&amp;B/Soul</c:v>
+                </c:pt>
+                <c:pt idx="16">
+                  <c:v>Reggae</c:v>
+                </c:pt>
+                <c:pt idx="17">
+                  <c:v>Rock</c:v>
+                </c:pt>
+                <c:pt idx="18">
+                  <c:v>Rock And Roll</c:v>
+                </c:pt>
+                <c:pt idx="19">
+                  <c:v>Sci Fi &amp; Fantasy</c:v>
+                </c:pt>
+                <c:pt idx="20">
+                  <c:v>Science Fiction</c:v>
+                </c:pt>
+                <c:pt idx="21">
+                  <c:v>Soundtrack</c:v>
+                </c:pt>
+                <c:pt idx="22">
+                  <c:v>TV Shows</c:v>
+                </c:pt>
+                <c:pt idx="23">
+                  <c:v>World</c:v>
+                </c:pt>
+              </c:strCache>
+            </c:strRef>
+          </c:cat>
+          <c:val>
+            <c:numRef>
+              <c:f>'super advanced'!$D$2:$D$25</c:f>
+              <c:numCache>
+                <c:formatCode>General</c:formatCode>
+                <c:ptCount val="24"/>
+                <c:pt idx="0">
+                  <c:v>4</c:v>
+                </c:pt>
+                <c:pt idx="1">
+                  <c:v>31</c:v>
+                </c:pt>
+                <c:pt idx="2">
+                  <c:v>2</c:v>
+                </c:pt>
+                <c:pt idx="3">
+                  <c:v>1</c:v>
+                </c:pt>
+                <c:pt idx="4">
+                  <c:v>10</c:v>
+                </c:pt>
+                <c:pt idx="5">
+                  <c:v>0</c:v>
+                </c:pt>
+                <c:pt idx="6">
+                  <c:v>4</c:v>
+                </c:pt>
+                <c:pt idx="7">
+                  <c:v>0</c:v>
+                </c:pt>
+                <c:pt idx="8">
+                  <c:v>2</c:v>
+                </c:pt>
+                <c:pt idx="9">
+                  <c:v>0</c:v>
+                </c:pt>
+                <c:pt idx="10">
+                  <c:v>2</c:v>
+                </c:pt>
+                <c:pt idx="11">
+                  <c:v>11</c:v>
+                </c:pt>
+                <c:pt idx="12">
+                  <c:v>26</c:v>
+                </c:pt>
+                <c:pt idx="13">
+                  <c:v>20</c:v>
+                </c:pt>
+                <c:pt idx="14">
+                  <c:v>2</c:v>
+                </c:pt>
+                <c:pt idx="15">
+                  <c:v>0</c:v>
+                </c:pt>
+                <c:pt idx="16">
+                  <c:v>1</c:v>
+                </c:pt>
+                <c:pt idx="17">
+                  <c:v>65</c:v>
+                </c:pt>
+                <c:pt idx="18">
+                  <c:v>1</c:v>
+                </c:pt>
+                <c:pt idx="19">
+                  <c:v>2</c:v>
+                </c:pt>
+                <c:pt idx="20">
+                  <c:v>0</c:v>
+                </c:pt>
+                <c:pt idx="21">
+                  <c:v>5</c:v>
+                </c:pt>
+                <c:pt idx="22">
+                  <c:v>1</c:v>
+                </c:pt>
+                <c:pt idx="23">
+                  <c:v>0</c:v>
+                </c:pt>
+              </c:numCache>
+            </c:numRef>
+          </c:val>
+        </c:ser>
+        <c:ser>
+          <c:idx val="3"/>
+          <c:order val="3"/>
+          <c:tx>
+            <c:strRef>
+              <c:f>'super advanced'!$E$1</c:f>
+              <c:strCache>
+                <c:ptCount val="1"/>
+                <c:pt idx="0">
+                  <c:v>Brazil</c:v>
+                </c:pt>
+              </c:strCache>
+            </c:strRef>
+          </c:tx>
+          <c:spPr>
+            <a:solidFill>
+              <a:schemeClr val="accent4"/>
+            </a:solidFill>
+            <a:ln>
+              <a:noFill/>
+            </a:ln>
+            <a:effectLst/>
+            <a:sp3d/>
+          </c:spPr>
+          <c:invertIfNegative val="0"/>
+          <c:cat>
+            <c:strRef>
+              <c:f>'super advanced'!$A$2:$A$25</c:f>
+              <c:strCache>
+                <c:ptCount val="24"/>
+                <c:pt idx="0">
+                  <c:v>Alternative</c:v>
+                </c:pt>
+                <c:pt idx="1">
+                  <c:v>Alternative &amp; Punk</c:v>
+                </c:pt>
+                <c:pt idx="2">
+                  <c:v>Blues</c:v>
+                </c:pt>
+                <c:pt idx="3">
+                  <c:v>Bossa Nova</c:v>
+                </c:pt>
+                <c:pt idx="4">
+                  <c:v>Classical</c:v>
+                </c:pt>
+                <c:pt idx="5">
+                  <c:v>Comedy</c:v>
+                </c:pt>
+                <c:pt idx="6">
+                  <c:v>Drama</c:v>
+                </c:pt>
+                <c:pt idx="7">
+                  <c:v>Easy Listening</c:v>
+                </c:pt>
+                <c:pt idx="8">
+                  <c:v>Electronica/Dance</c:v>
+                </c:pt>
+                <c:pt idx="9">
+                  <c:v>Heavy Metal</c:v>
+                </c:pt>
+                <c:pt idx="10">
+                  <c:v>Hip Hop/Rap</c:v>
+                </c:pt>
+                <c:pt idx="11">
+                  <c:v>Jazz</c:v>
+                </c:pt>
+                <c:pt idx="12">
+                  <c:v>Latin</c:v>
+                </c:pt>
+                <c:pt idx="13">
+                  <c:v>Metal</c:v>
+                </c:pt>
+                <c:pt idx="14">
+                  <c:v>Pop</c:v>
+                </c:pt>
+                <c:pt idx="15">
+                  <c:v>R&amp;B/Soul</c:v>
+                </c:pt>
+                <c:pt idx="16">
+                  <c:v>Reggae</c:v>
+                </c:pt>
+                <c:pt idx="17">
+                  <c:v>Rock</c:v>
+                </c:pt>
+                <c:pt idx="18">
+                  <c:v>Rock And Roll</c:v>
+                </c:pt>
+                <c:pt idx="19">
+                  <c:v>Sci Fi &amp; Fantasy</c:v>
+                </c:pt>
+                <c:pt idx="20">
+                  <c:v>Science Fiction</c:v>
+                </c:pt>
+                <c:pt idx="21">
+                  <c:v>Soundtrack</c:v>
+                </c:pt>
+                <c:pt idx="22">
+                  <c:v>TV Shows</c:v>
+                </c:pt>
+                <c:pt idx="23">
+                  <c:v>World</c:v>
+                </c:pt>
+              </c:strCache>
+            </c:strRef>
+          </c:cat>
+          <c:val>
+            <c:numRef>
+              <c:f>'super advanced'!$E$2:$E$25</c:f>
+              <c:numCache>
+                <c:formatCode>General</c:formatCode>
+                <c:ptCount val="24"/>
+                <c:pt idx="0">
+                  <c:v>0</c:v>
+                </c:pt>
+                <c:pt idx="1">
+                  <c:v>7</c:v>
+                </c:pt>
+                <c:pt idx="2">
+                  <c:v>6</c:v>
+                </c:pt>
+                <c:pt idx="3">
+                  <c:v>0</c:v>
+                </c:pt>
+                <c:pt idx="4">
+                  <c:v>6</c:v>
+                </c:pt>
+                <c:pt idx="5">
+                  <c:v>0</c:v>
+                </c:pt>
+                <c:pt idx="6">
+                  <c:v>0</c:v>
+                </c:pt>
+                <c:pt idx="7">
+                  <c:v>0</c:v>
+                </c:pt>
+                <c:pt idx="8">
+                  <c:v>0</c:v>
+                </c:pt>
+                <c:pt idx="9">
+                  <c:v>0</c:v>
+                </c:pt>
+                <c:pt idx="10">
+                  <c:v>2</c:v>
+                </c:pt>
+                <c:pt idx="11">
+                  <c:v>0</c:v>
+                </c:pt>
+                <c:pt idx="12">
+                  <c:v>53</c:v>
+                </c:pt>
+                <c:pt idx="13">
+                  <c:v>15</c:v>
+                </c:pt>
+                <c:pt idx="14">
+                  <c:v>3</c:v>
+                </c:pt>
+                <c:pt idx="15">
+                  <c:v>3</c:v>
+                </c:pt>
+                <c:pt idx="16">
+                  <c:v>6</c:v>
+                </c:pt>
+                <c:pt idx="17">
+                  <c:v>81</c:v>
+                </c:pt>
+                <c:pt idx="18">
+                  <c:v>0</c:v>
+                </c:pt>
+                <c:pt idx="19">
+                  <c:v>2</c:v>
+                </c:pt>
+                <c:pt idx="20">
+                  <c:v>0</c:v>
+                </c:pt>
+                <c:pt idx="21">
+                  <c:v>4</c:v>
+                </c:pt>
+                <c:pt idx="22">
+                  <c:v>0</c:v>
+                </c:pt>
+                <c:pt idx="23">
+                  <c:v>2</c:v>
+                </c:pt>
+              </c:numCache>
+            </c:numRef>
+          </c:val>
+        </c:ser>
+        <c:ser>
+          <c:idx val="4"/>
+          <c:order val="4"/>
+          <c:tx>
+            <c:strRef>
+              <c:f>'super advanced'!$F$1</c:f>
+              <c:strCache>
+                <c:ptCount val="1"/>
+                <c:pt idx="0">
+                  <c:v>Germany</c:v>
+                </c:pt>
+              </c:strCache>
+            </c:strRef>
+          </c:tx>
+          <c:spPr>
+            <a:solidFill>
+              <a:schemeClr val="accent5"/>
+            </a:solidFill>
+            <a:ln>
+              <a:noFill/>
+            </a:ln>
+            <a:effectLst/>
+            <a:sp3d/>
+          </c:spPr>
+          <c:invertIfNegative val="0"/>
+          <c:cat>
+            <c:strRef>
+              <c:f>'super advanced'!$A$2:$A$25</c:f>
+              <c:strCache>
+                <c:ptCount val="24"/>
+                <c:pt idx="0">
+                  <c:v>Alternative</c:v>
+                </c:pt>
+                <c:pt idx="1">
+                  <c:v>Alternative &amp; Punk</c:v>
+                </c:pt>
+                <c:pt idx="2">
+                  <c:v>Blues</c:v>
+                </c:pt>
+                <c:pt idx="3">
+                  <c:v>Bossa Nova</c:v>
+                </c:pt>
+                <c:pt idx="4">
+                  <c:v>Classical</c:v>
+                </c:pt>
+                <c:pt idx="5">
+                  <c:v>Comedy</c:v>
+                </c:pt>
+                <c:pt idx="6">
+                  <c:v>Drama</c:v>
+                </c:pt>
+                <c:pt idx="7">
+                  <c:v>Easy Listening</c:v>
+                </c:pt>
+                <c:pt idx="8">
+                  <c:v>Electronica/Dance</c:v>
+                </c:pt>
+                <c:pt idx="9">
+                  <c:v>Heavy Metal</c:v>
+                </c:pt>
+                <c:pt idx="10">
+                  <c:v>Hip Hop/Rap</c:v>
+                </c:pt>
+                <c:pt idx="11">
+                  <c:v>Jazz</c:v>
+                </c:pt>
+                <c:pt idx="12">
+                  <c:v>Latin</c:v>
+                </c:pt>
+                <c:pt idx="13">
+                  <c:v>Metal</c:v>
+                </c:pt>
+                <c:pt idx="14">
+                  <c:v>Pop</c:v>
+                </c:pt>
+                <c:pt idx="15">
+                  <c:v>R&amp;B/Soul</c:v>
+                </c:pt>
+                <c:pt idx="16">
+                  <c:v>Reggae</c:v>
+                </c:pt>
+                <c:pt idx="17">
+                  <c:v>Rock</c:v>
+                </c:pt>
+                <c:pt idx="18">
+                  <c:v>Rock And Roll</c:v>
+                </c:pt>
+                <c:pt idx="19">
+                  <c:v>Sci Fi &amp; Fantasy</c:v>
+                </c:pt>
+                <c:pt idx="20">
+                  <c:v>Science Fiction</c:v>
+                </c:pt>
+                <c:pt idx="21">
+                  <c:v>Soundtrack</c:v>
+                </c:pt>
+                <c:pt idx="22">
+                  <c:v>TV Shows</c:v>
+                </c:pt>
+                <c:pt idx="23">
+                  <c:v>World</c:v>
+                </c:pt>
+              </c:strCache>
+            </c:strRef>
+          </c:cat>
+          <c:val>
+            <c:numRef>
+              <c:f>'super advanced'!$F$2:$F$25</c:f>
+              <c:numCache>
+                <c:formatCode>General</c:formatCode>
+                <c:ptCount val="24"/>
+                <c:pt idx="0">
+                  <c:v>1</c:v>
+                </c:pt>
+                <c:pt idx="1">
+                  <c:v>13</c:v>
+                </c:pt>
+                <c:pt idx="2">
+                  <c:v>14</c:v>
+                </c:pt>
+                <c:pt idx="3">
+                  <c:v>0</c:v>
+                </c:pt>
+                <c:pt idx="4">
+                  <c:v>0</c:v>
+                </c:pt>
+                <c:pt idx="5">
+                  <c:v>0</c:v>
+                </c:pt>
+                <c:pt idx="6">
+                  <c:v>1</c:v>
+                </c:pt>
+                <c:pt idx="7">
+                  <c:v>2</c:v>
+                </c:pt>
+                <c:pt idx="8">
+                  <c:v>0</c:v>
+                </c:pt>
+                <c:pt idx="9">
+                  <c:v>3</c:v>
+                </c:pt>
+                <c:pt idx="10">
+                  <c:v>0</c:v>
+                </c:pt>
+                <c:pt idx="11">
+                  <c:v>2</c:v>
+                </c:pt>
+                <c:pt idx="12">
+                  <c:v>18</c:v>
+                </c:pt>
+                <c:pt idx="13">
+                  <c:v>25</c:v>
+                </c:pt>
+                <c:pt idx="14">
+                  <c:v>1</c:v>
+                </c:pt>
+                <c:pt idx="15">
+                  <c:v>0</c:v>
+                </c:pt>
+                <c:pt idx="16">
+                  <c:v>0</c:v>
+                </c:pt>
+                <c:pt idx="17">
+                  <c:v>62</c:v>
+                </c:pt>
+                <c:pt idx="18">
+                  <c:v>0</c:v>
+                </c:pt>
+                <c:pt idx="19">
+                  <c:v>0</c:v>
+                </c:pt>
+                <c:pt idx="20">
+                  <c:v>2</c:v>
+                </c:pt>
+                <c:pt idx="21">
+                  <c:v>5</c:v>
+                </c:pt>
+                <c:pt idx="22">
+                  <c:v>3</c:v>
+                </c:pt>
+                <c:pt idx="23">
+                  <c:v>0</c:v>
+                </c:pt>
+              </c:numCache>
+            </c:numRef>
+          </c:val>
+        </c:ser>
+        <c:dLbls>
+          <c:showLegendKey val="0"/>
+          <c:showVal val="0"/>
+          <c:showCatName val="0"/>
+          <c:showSerName val="0"/>
+          <c:showPercent val="0"/>
+          <c:showBubbleSize val="0"/>
+        </c:dLbls>
+        <c:gapWidth val="150"/>
+        <c:shape val="box"/>
+        <c:axId val="-446290560"/>
+        <c:axId val="-446290016"/>
+        <c:axId val="0"/>
+      </c:bar3DChart>
+      <c:catAx>
+        <c:axId val="-446290560"/>
+        <c:scaling>
+          <c:orientation val="minMax"/>
+        </c:scaling>
+        <c:delete val="0"/>
+        <c:axPos val="b"/>
+        <c:numFmt formatCode="General" sourceLinked="1"/>
+        <c:majorTickMark val="none"/>
+        <c:minorTickMark val="none"/>
+        <c:tickLblPos val="nextTo"/>
+        <c:spPr>
+          <a:noFill/>
+          <a:ln>
+            <a:noFill/>
+          </a:ln>
+          <a:effectLst/>
+        </c:spPr>
+        <c:txPr>
+          <a:bodyPr rot="-60000000" spcFirstLastPara="1" vertOverflow="ellipsis" vert="horz" wrap="square" anchor="ctr" anchorCtr="1"/>
+          <a:lstStyle/>
+          <a:p>
+            <a:pPr>
+              <a:defRPr sz="897" b="0" i="0" u="none" strike="noStrike" kern="1200" baseline="0">
+                <a:solidFill>
+                  <a:schemeClr val="tx1">
+                    <a:lumMod val="65000"/>
+                    <a:lumOff val="35000"/>
+                  </a:schemeClr>
+                </a:solidFill>
+                <a:latin typeface="+mn-lt"/>
+                <a:ea typeface="+mn-ea"/>
+                <a:cs typeface="+mn-cs"/>
+              </a:defRPr>
+            </a:pPr>
+            <a:endParaRPr lang="en-US"/>
+          </a:p>
+        </c:txPr>
+        <c:crossAx val="-446290016"/>
+        <c:crosses val="autoZero"/>
+        <c:auto val="1"/>
+        <c:lblAlgn val="ctr"/>
+        <c:lblOffset val="100"/>
+        <c:noMultiLvlLbl val="0"/>
+      </c:catAx>
+      <c:valAx>
+        <c:axId val="-446290016"/>
+        <c:scaling>
+          <c:orientation val="minMax"/>
+        </c:scaling>
+        <c:delete val="0"/>
+        <c:axPos val="l"/>
+        <c:majorGridlines>
+          <c:spPr>
+            <a:ln w="9525" cap="flat" cmpd="sng" algn="ctr">
+              <a:solidFill>
+                <a:schemeClr val="tx1">
+                  <a:lumMod val="15000"/>
+                  <a:lumOff val="85000"/>
+                </a:schemeClr>
+              </a:solidFill>
+              <a:round/>
+            </a:ln>
+            <a:effectLst/>
+          </c:spPr>
+        </c:majorGridlines>
+        <c:numFmt formatCode="0%" sourceLinked="1"/>
+        <c:majorTickMark val="none"/>
+        <c:minorTickMark val="none"/>
+        <c:tickLblPos val="nextTo"/>
+        <c:spPr>
+          <a:noFill/>
+          <a:ln>
+            <a:noFill/>
+          </a:ln>
+          <a:effectLst/>
+        </c:spPr>
+        <c:txPr>
+          <a:bodyPr rot="-60000000" spcFirstLastPara="1" vertOverflow="ellipsis" vert="horz" wrap="square" anchor="ctr" anchorCtr="1"/>
+          <a:lstStyle/>
+          <a:p>
+            <a:pPr>
+              <a:defRPr sz="1197" b="0" i="0" u="none" strike="noStrike" kern="1200" baseline="0">
+                <a:solidFill>
+                  <a:schemeClr val="tx1">
+                    <a:lumMod val="65000"/>
+                    <a:lumOff val="35000"/>
+                  </a:schemeClr>
+                </a:solidFill>
+                <a:latin typeface="+mn-lt"/>
+                <a:ea typeface="+mn-ea"/>
+                <a:cs typeface="+mn-cs"/>
+              </a:defRPr>
+            </a:pPr>
+            <a:endParaRPr lang="en-US"/>
+          </a:p>
+        </c:txPr>
+        <c:crossAx val="-446290560"/>
+        <c:crosses val="autoZero"/>
+        <c:crossBetween val="between"/>
+      </c:valAx>
+      <c:spPr>
+        <a:noFill/>
+        <a:ln>
+          <a:noFill/>
+        </a:ln>
+        <a:effectLst/>
+      </c:spPr>
+    </c:plotArea>
+    <c:legend>
+      <c:legendPos val="b"/>
+      <c:layout/>
+      <c:overlay val="0"/>
+      <c:spPr>
+        <a:noFill/>
+        <a:ln>
+          <a:noFill/>
+        </a:ln>
+        <a:effectLst/>
+      </c:spPr>
+      <c:txPr>
+        <a:bodyPr rot="0" spcFirstLastPara="1" vertOverflow="ellipsis" vert="horz" wrap="square" anchor="ctr" anchorCtr="1"/>
+        <a:lstStyle/>
+        <a:p>
+          <a:pPr>
+            <a:defRPr sz="1197" b="0" i="0" u="none" strike="noStrike" kern="1200" baseline="0">
+              <a:solidFill>
+                <a:schemeClr val="tx1">
+                  <a:lumMod val="65000"/>
+                  <a:lumOff val="35000"/>
+                </a:schemeClr>
+              </a:solidFill>
+              <a:latin typeface="+mn-lt"/>
+              <a:ea typeface="+mn-ea"/>
+              <a:cs typeface="+mn-cs"/>
+            </a:defRPr>
+          </a:pPr>
+          <a:endParaRPr lang="en-US"/>
+        </a:p>
+      </c:txPr>
+    </c:legend>
+    <c:plotVisOnly val="1"/>
+    <c:dispBlanksAs val="gap"/>
+    <c:showDLblsOverMax val="0"/>
+  </c:chart>
+  <c:spPr>
+    <a:noFill/>
+    <a:ln>
+      <a:noFill/>
+    </a:ln>
+    <a:effectLst/>
+  </c:spPr>
+  <c:txPr>
+    <a:bodyPr/>
+    <a:lstStyle/>
+    <a:p>
+      <a:pPr>
+        <a:defRPr/>
+      </a:pPr>
+      <a:endParaRPr lang="en-US"/>
+    </a:p>
+  </c:txPr>
+  <c:externalData r:id="rId3">
+    <c:autoUpdate val="0"/>
+  </c:externalData>
+</c:chartSpace>
+</file>
+
+<file path=ppt/charts/chart3.xml><?xml version="1.0" encoding="utf-8"?>
+<c:chartSpace xmlns:c="http://schemas.openxmlformats.org/drawingml/2006/chart" xmlns:a="http://schemas.openxmlformats.org/drawingml/2006/main" xmlns:r="http://schemas.openxmlformats.org/officeDocument/2006/relationships">
+  <c:date1904 val="0"/>
+  <c:lang val="en-US"/>
+  <c:roundedCorners val="0"/>
+  <mc:AlternateContent xmlns:mc="http://schemas.openxmlformats.org/markup-compatibility/2006">
+    <mc:Choice xmlns:c14="http://schemas.microsoft.com/office/drawing/2007/8/2/chart" Requires="c14">
+      <c14:style val="102"/>
+    </mc:Choice>
+    <mc:Fallback>
+      <c:style val="2"/>
+    </mc:Fallback>
+  </mc:AlternateContent>
+  <c:chart>
+    <c:title>
+      <c:tx>
+        <c:rich>
+          <a:bodyPr rot="0" spcFirstLastPara="1" vertOverflow="ellipsis" vert="horz" wrap="square" anchor="ctr" anchorCtr="1"/>
+          <a:lstStyle/>
+          <a:p>
+            <a:pPr>
+              <a:defRPr sz="1400" b="0" i="0" u="none" strike="noStrike" kern="1200" spc="0" baseline="0">
+                <a:solidFill>
+                  <a:schemeClr val="tx1">
+                    <a:lumMod val="65000"/>
+                    <a:lumOff val="35000"/>
+                  </a:schemeClr>
+                </a:solidFill>
+                <a:latin typeface="+mn-lt"/>
+                <a:ea typeface="+mn-ea"/>
+                <a:cs typeface="+mn-cs"/>
+              </a:defRPr>
+            </a:pPr>
+            <a:r>
+              <a:rPr lang="en-US" sz="1400" b="0" i="0" u="none" strike="noStrike" baseline="0" dirty="0" smtClean="0">
+                <a:effectLst/>
+              </a:rPr>
+              <a:t>Highest and Average Spent From A Country</a:t>
+            </a:r>
+            <a:endParaRPr lang="en-US" dirty="0"/>
+          </a:p>
+        </c:rich>
+      </c:tx>
+      <c:layout/>
+      <c:overlay val="0"/>
+      <c:spPr>
+        <a:noFill/>
+        <a:ln>
+          <a:noFill/>
+        </a:ln>
+        <a:effectLst/>
+      </c:spPr>
+      <c:txPr>
+        <a:bodyPr rot="0" spcFirstLastPara="1" vertOverflow="ellipsis" vert="horz" wrap="square" anchor="ctr" anchorCtr="1"/>
+        <a:lstStyle/>
+        <a:p>
+          <a:pPr>
+            <a:defRPr sz="1400" b="0" i="0" u="none" strike="noStrike" kern="1200" spc="0" baseline="0">
+              <a:solidFill>
+                <a:schemeClr val="tx1">
+                  <a:lumMod val="65000"/>
+                  <a:lumOff val="35000"/>
+                </a:schemeClr>
+              </a:solidFill>
+              <a:latin typeface="+mn-lt"/>
+              <a:ea typeface="+mn-ea"/>
+              <a:cs typeface="+mn-cs"/>
+            </a:defRPr>
+          </a:pPr>
+          <a:endParaRPr lang="en-US"/>
+        </a:p>
+      </c:txPr>
+    </c:title>
+    <c:autoTitleDeleted val="0"/>
+    <c:plotArea>
+      <c:layout/>
+      <c:barChart>
+        <c:barDir val="col"/>
+        <c:grouping val="clustered"/>
+        <c:varyColors val="0"/>
+        <c:ser>
+          <c:idx val="0"/>
+          <c:order val="0"/>
+          <c:tx>
+            <c:strRef>
+              <c:f>'Highest and Averange Spent From'!$B$1</c:f>
+              <c:strCache>
+                <c:ptCount val="1"/>
+                <c:pt idx="0">
+                  <c:v>Average</c:v>
+                </c:pt>
+              </c:strCache>
+            </c:strRef>
+          </c:tx>
+          <c:spPr>
+            <a:solidFill>
+              <a:schemeClr val="accent1"/>
+            </a:solidFill>
+            <a:ln>
+              <a:noFill/>
+            </a:ln>
+            <a:effectLst/>
+          </c:spPr>
+          <c:invertIfNegative val="0"/>
+          <c:cat>
+            <c:strRef>
+              <c:f>'Highest and Averange Spent From'!$A$2:$A$11</c:f>
+              <c:strCache>
+                <c:ptCount val="10"/>
+                <c:pt idx="0">
+                  <c:v>Chile</c:v>
+                </c:pt>
+                <c:pt idx="1">
+                  <c:v>Hungary</c:v>
+                </c:pt>
+                <c:pt idx="2">
+                  <c:v>Ireland</c:v>
+                </c:pt>
+                <c:pt idx="3">
+                  <c:v>Czech Republic</c:v>
+                </c:pt>
+                <c:pt idx="4">
+                  <c:v>Austria</c:v>
+                </c:pt>
+                <c:pt idx="5">
+                  <c:v>Finland</c:v>
+                </c:pt>
+                <c:pt idx="6">
+                  <c:v>Netherlands</c:v>
+                </c:pt>
+                <c:pt idx="7">
+                  <c:v>India</c:v>
+                </c:pt>
+                <c:pt idx="8">
+                  <c:v>USA</c:v>
+                </c:pt>
+                <c:pt idx="9">
+                  <c:v>Norway</c:v>
+                </c:pt>
+              </c:strCache>
+            </c:strRef>
+          </c:cat>
+          <c:val>
+            <c:numRef>
+              <c:f>'Highest and Averange Spent From'!$B$2:$B$11</c:f>
+              <c:numCache>
+                <c:formatCode>General</c:formatCode>
+                <c:ptCount val="10"/>
+                <c:pt idx="0">
+                  <c:v>6.66</c:v>
+                </c:pt>
+                <c:pt idx="1">
+                  <c:v>6.5171428571428596</c:v>
+                </c:pt>
+                <c:pt idx="2">
+                  <c:v>6.5171428571428596</c:v>
+                </c:pt>
+                <c:pt idx="3">
+                  <c:v>6.4457142857142902</c:v>
+                </c:pt>
+                <c:pt idx="4">
+                  <c:v>6.0885714285714299</c:v>
+                </c:pt>
+                <c:pt idx="5">
+                  <c:v>5.9457142857142902</c:v>
+                </c:pt>
+                <c:pt idx="6">
+                  <c:v>5.8028571428571398</c:v>
+                </c:pt>
+                <c:pt idx="7">
+                  <c:v>5.7892307692307696</c:v>
+                </c:pt>
+                <c:pt idx="8">
+                  <c:v>5.7479120879120904</c:v>
+                </c:pt>
+                <c:pt idx="9">
+                  <c:v>5.66</c:v>
+                </c:pt>
+              </c:numCache>
+            </c:numRef>
+          </c:val>
+        </c:ser>
+        <c:ser>
+          <c:idx val="1"/>
+          <c:order val="1"/>
+          <c:tx>
+            <c:strRef>
+              <c:f>'Highest and Averange Spent From'!$C$1</c:f>
+              <c:strCache>
+                <c:ptCount val="1"/>
+                <c:pt idx="0">
+                  <c:v>Highest</c:v>
+                </c:pt>
+              </c:strCache>
+            </c:strRef>
+          </c:tx>
+          <c:spPr>
+            <a:solidFill>
+              <a:schemeClr val="accent2"/>
+            </a:solidFill>
+            <a:ln>
+              <a:noFill/>
+            </a:ln>
+            <a:effectLst/>
+          </c:spPr>
+          <c:invertIfNegative val="0"/>
+          <c:cat>
+            <c:strRef>
+              <c:f>'Highest and Averange Spent From'!$A$2:$A$11</c:f>
+              <c:strCache>
+                <c:ptCount val="10"/>
+                <c:pt idx="0">
+                  <c:v>Chile</c:v>
+                </c:pt>
+                <c:pt idx="1">
+                  <c:v>Hungary</c:v>
+                </c:pt>
+                <c:pt idx="2">
+                  <c:v>Ireland</c:v>
+                </c:pt>
+                <c:pt idx="3">
+                  <c:v>Czech Republic</c:v>
+                </c:pt>
+                <c:pt idx="4">
+                  <c:v>Austria</c:v>
+                </c:pt>
+                <c:pt idx="5">
+                  <c:v>Finland</c:v>
+                </c:pt>
+                <c:pt idx="6">
+                  <c:v>Netherlands</c:v>
+                </c:pt>
+                <c:pt idx="7">
+                  <c:v>India</c:v>
+                </c:pt>
+                <c:pt idx="8">
+                  <c:v>USA</c:v>
+                </c:pt>
+                <c:pt idx="9">
+                  <c:v>Norway</c:v>
+                </c:pt>
+              </c:strCache>
+            </c:strRef>
+          </c:cat>
+          <c:val>
+            <c:numRef>
+              <c:f>'Highest and Averange Spent From'!$C$2:$C$11</c:f>
+              <c:numCache>
+                <c:formatCode>General</c:formatCode>
+                <c:ptCount val="10"/>
+                <c:pt idx="0">
+                  <c:v>17.91</c:v>
+                </c:pt>
+                <c:pt idx="1">
+                  <c:v>21.86</c:v>
+                </c:pt>
+                <c:pt idx="2">
+                  <c:v>21.86</c:v>
+                </c:pt>
+                <c:pt idx="3">
+                  <c:v>25.86</c:v>
+                </c:pt>
+                <c:pt idx="4">
+                  <c:v>18.86</c:v>
+                </c:pt>
+                <c:pt idx="5">
+                  <c:v>13.86</c:v>
+                </c:pt>
+                <c:pt idx="6">
+                  <c:v>13.86</c:v>
+                </c:pt>
+                <c:pt idx="7">
+                  <c:v>13.86</c:v>
+                </c:pt>
+                <c:pt idx="8">
+                  <c:v>23.86</c:v>
+                </c:pt>
+                <c:pt idx="9">
+                  <c:v>15.86</c:v>
+                </c:pt>
+              </c:numCache>
+            </c:numRef>
+          </c:val>
+        </c:ser>
+        <c:dLbls>
+          <c:showLegendKey val="0"/>
+          <c:showVal val="0"/>
+          <c:showCatName val="0"/>
+          <c:showSerName val="0"/>
+          <c:showPercent val="0"/>
+          <c:showBubbleSize val="0"/>
+        </c:dLbls>
+        <c:gapWidth val="219"/>
+        <c:overlap val="-27"/>
+        <c:axId val="-446099088"/>
+        <c:axId val="-446094736"/>
+      </c:barChart>
+      <c:catAx>
+        <c:axId val="-446099088"/>
+        <c:scaling>
+          <c:orientation val="minMax"/>
+        </c:scaling>
+        <c:delete val="0"/>
+        <c:axPos val="b"/>
+        <c:numFmt formatCode="General" sourceLinked="1"/>
+        <c:majorTickMark val="none"/>
+        <c:minorTickMark val="none"/>
+        <c:tickLblPos val="nextTo"/>
+        <c:spPr>
+          <a:noFill/>
+          <a:ln w="9525" cap="flat" cmpd="sng" algn="ctr">
+            <a:solidFill>
+              <a:schemeClr val="tx1">
+                <a:lumMod val="15000"/>
+                <a:lumOff val="85000"/>
+              </a:schemeClr>
+            </a:solidFill>
+            <a:round/>
+          </a:ln>
+          <a:effectLst/>
+        </c:spPr>
+        <c:txPr>
+          <a:bodyPr rot="-60000000" spcFirstLastPara="1" vertOverflow="ellipsis" vert="horz" wrap="square" anchor="ctr" anchorCtr="1"/>
+          <a:lstStyle/>
+          <a:p>
+            <a:pPr>
+              <a:defRPr sz="900" b="0" i="0" u="none" strike="noStrike" kern="1200" baseline="0">
+                <a:solidFill>
+                  <a:schemeClr val="tx1">
+                    <a:lumMod val="65000"/>
+                    <a:lumOff val="35000"/>
+                  </a:schemeClr>
+                </a:solidFill>
+                <a:latin typeface="+mn-lt"/>
+                <a:ea typeface="+mn-ea"/>
+                <a:cs typeface="+mn-cs"/>
+              </a:defRPr>
+            </a:pPr>
+            <a:endParaRPr lang="en-US"/>
+          </a:p>
+        </c:txPr>
+        <c:crossAx val="-446094736"/>
+        <c:crosses val="autoZero"/>
+        <c:auto val="1"/>
+        <c:lblAlgn val="ctr"/>
+        <c:lblOffset val="100"/>
+        <c:noMultiLvlLbl val="0"/>
+      </c:catAx>
+      <c:valAx>
+        <c:axId val="-446094736"/>
+        <c:scaling>
+          <c:orientation val="minMax"/>
+        </c:scaling>
+        <c:delete val="0"/>
+        <c:axPos val="l"/>
+        <c:majorGridlines>
+          <c:spPr>
+            <a:ln w="9525" cap="flat" cmpd="sng" algn="ctr">
+              <a:solidFill>
+                <a:schemeClr val="tx1">
+                  <a:lumMod val="15000"/>
+                  <a:lumOff val="85000"/>
+                </a:schemeClr>
+              </a:solidFill>
+              <a:round/>
+            </a:ln>
+            <a:effectLst/>
+          </c:spPr>
+        </c:majorGridlines>
+        <c:numFmt formatCode="General" sourceLinked="1"/>
+        <c:majorTickMark val="none"/>
+        <c:minorTickMark val="none"/>
+        <c:tickLblPos val="nextTo"/>
+        <c:spPr>
+          <a:noFill/>
+          <a:ln>
+            <a:noFill/>
+          </a:ln>
+          <a:effectLst/>
+        </c:spPr>
+        <c:txPr>
+          <a:bodyPr rot="-60000000" spcFirstLastPara="1" vertOverflow="ellipsis" vert="horz" wrap="square" anchor="ctr" anchorCtr="1"/>
+          <a:lstStyle/>
+          <a:p>
+            <a:pPr>
+              <a:defRPr sz="900" b="0" i="0" u="none" strike="noStrike" kern="1200" baseline="0">
+                <a:solidFill>
+                  <a:schemeClr val="tx1">
+                    <a:lumMod val="65000"/>
+                    <a:lumOff val="35000"/>
+                  </a:schemeClr>
+                </a:solidFill>
+                <a:latin typeface="+mn-lt"/>
+                <a:ea typeface="+mn-ea"/>
+                <a:cs typeface="+mn-cs"/>
+              </a:defRPr>
+            </a:pPr>
+            <a:endParaRPr lang="en-US"/>
+          </a:p>
+        </c:txPr>
+        <c:crossAx val="-446099088"/>
+        <c:crosses val="autoZero"/>
+        <c:crossBetween val="between"/>
+      </c:valAx>
+      <c:spPr>
+        <a:noFill/>
+        <a:ln>
+          <a:noFill/>
+        </a:ln>
+        <a:effectLst/>
+      </c:spPr>
+    </c:plotArea>
+    <c:legend>
+      <c:legendPos val="b"/>
+      <c:layout/>
+      <c:overlay val="0"/>
+      <c:spPr>
+        <a:noFill/>
+        <a:ln>
+          <a:noFill/>
+        </a:ln>
+        <a:effectLst/>
+      </c:spPr>
+      <c:txPr>
+        <a:bodyPr rot="0" spcFirstLastPara="1" vertOverflow="ellipsis" vert="horz" wrap="square" anchor="ctr" anchorCtr="1"/>
+        <a:lstStyle/>
+        <a:p>
+          <a:pPr>
+            <a:defRPr sz="900" b="0" i="0" u="none" strike="noStrike" kern="1200" baseline="0">
+              <a:solidFill>
+                <a:schemeClr val="tx1">
+                  <a:lumMod val="65000"/>
+                  <a:lumOff val="35000"/>
+                </a:schemeClr>
+              </a:solidFill>
+              <a:latin typeface="+mn-lt"/>
+              <a:ea typeface="+mn-ea"/>
+              <a:cs typeface="+mn-cs"/>
+            </a:defRPr>
+          </a:pPr>
+          <a:endParaRPr lang="en-US"/>
+        </a:p>
+      </c:txPr>
+    </c:legend>
+    <c:plotVisOnly val="1"/>
+    <c:dispBlanksAs val="gap"/>
+    <c:showDLblsOverMax val="0"/>
+  </c:chart>
+  <c:spPr>
+    <a:noFill/>
+    <a:ln>
+      <a:noFill/>
+    </a:ln>
+    <a:effectLst/>
+  </c:spPr>
+  <c:txPr>
+    <a:bodyPr/>
+    <a:lstStyle/>
+    <a:p>
+      <a:pPr>
+        <a:defRPr/>
+      </a:pPr>
+      <a:endParaRPr lang="en-US"/>
+    </a:p>
+  </c:txPr>
+  <c:externalData r:id="rId3">
+    <c:autoUpdate val="0"/>
+  </c:externalData>
+</c:chartSpace>
+</file>
+
+<file path=ppt/charts/chart4.xml><?xml version="1.0" encoding="utf-8"?>
+<c:chartSpace xmlns:c="http://schemas.openxmlformats.org/drawingml/2006/chart" xmlns:a="http://schemas.openxmlformats.org/drawingml/2006/main" xmlns:r="http://schemas.openxmlformats.org/officeDocument/2006/relationships">
+  <c:date1904 val="0"/>
+  <c:lang val="en-US"/>
+  <c:roundedCorners val="0"/>
+  <mc:AlternateContent xmlns:mc="http://schemas.openxmlformats.org/markup-compatibility/2006">
+    <mc:Choice xmlns:c14="http://schemas.microsoft.com/office/drawing/2007/8/2/chart" Requires="c14">
+      <c14:style val="102"/>
+    </mc:Choice>
+    <mc:Fallback>
+      <c:style val="2"/>
+    </mc:Fallback>
+  </mc:AlternateContent>
+  <c:chart>
+    <c:title>
+      <c:tx>
+        <c:rich>
+          <a:bodyPr rot="0" spcFirstLastPara="1" vertOverflow="ellipsis" vert="horz" wrap="square" anchor="ctr" anchorCtr="1"/>
+          <a:lstStyle/>
+          <a:p>
+            <a:pPr>
+              <a:defRPr sz="1400" b="0" i="0" u="none" strike="noStrike" kern="1200" spc="0" baseline="0">
+                <a:solidFill>
+                  <a:schemeClr val="tx1">
+                    <a:lumMod val="65000"/>
+                    <a:lumOff val="35000"/>
+                  </a:schemeClr>
+                </a:solidFill>
+                <a:latin typeface="+mn-lt"/>
+                <a:ea typeface="+mn-ea"/>
+                <a:cs typeface="+mn-cs"/>
+              </a:defRPr>
+            </a:pPr>
+            <a:r>
+              <a:rPr lang="en-US" sz="1400" b="0" i="0" u="none" strike="noStrike" baseline="0" dirty="0" smtClean="0">
+                <a:effectLst/>
+              </a:rPr>
+              <a:t>Comparison of Order Volume by Media Types</a:t>
+            </a:r>
+            <a:endParaRPr lang="en-US" dirty="0"/>
+          </a:p>
+        </c:rich>
+      </c:tx>
+      <c:layout/>
+      <c:overlay val="0"/>
+      <c:spPr>
+        <a:noFill/>
+        <a:ln>
+          <a:noFill/>
+        </a:ln>
+        <a:effectLst/>
+      </c:spPr>
+      <c:txPr>
+        <a:bodyPr rot="0" spcFirstLastPara="1" vertOverflow="ellipsis" vert="horz" wrap="square" anchor="ctr" anchorCtr="1"/>
+        <a:lstStyle/>
+        <a:p>
+          <a:pPr>
+            <a:defRPr sz="1400" b="0" i="0" u="none" strike="noStrike" kern="1200" spc="0" baseline="0">
+              <a:solidFill>
+                <a:schemeClr val="tx1">
+                  <a:lumMod val="65000"/>
+                  <a:lumOff val="35000"/>
+                </a:schemeClr>
+              </a:solidFill>
+              <a:latin typeface="+mn-lt"/>
+              <a:ea typeface="+mn-ea"/>
+              <a:cs typeface="+mn-cs"/>
+            </a:defRPr>
+          </a:pPr>
+          <a:endParaRPr lang="en-US"/>
+        </a:p>
+      </c:txPr>
+    </c:title>
+    <c:autoTitleDeleted val="0"/>
+    <c:view3D>
+      <c:rotX val="15"/>
+      <c:rotY val="20"/>
+      <c:depthPercent val="100"/>
+      <c:rAngAx val="1"/>
+    </c:view3D>
+    <c:floor>
+      <c:thickness val="0"/>
+      <c:spPr>
+        <a:noFill/>
+        <a:ln>
+          <a:noFill/>
+        </a:ln>
+        <a:effectLst/>
+        <a:sp3d/>
+      </c:spPr>
+    </c:floor>
+    <c:sideWall>
+      <c:thickness val="0"/>
+      <c:spPr>
+        <a:noFill/>
+        <a:ln>
+          <a:noFill/>
+        </a:ln>
+        <a:effectLst/>
+        <a:sp3d/>
+      </c:spPr>
+    </c:sideWall>
+    <c:backWall>
+      <c:thickness val="0"/>
+      <c:spPr>
+        <a:noFill/>
+        <a:ln>
+          <a:noFill/>
+        </a:ln>
+        <a:effectLst/>
+        <a:sp3d/>
+      </c:spPr>
+    </c:backWall>
+    <c:plotArea>
+      <c:layout/>
+      <c:bar3DChart>
+        <c:barDir val="col"/>
+        <c:grouping val="percentStacked"/>
+        <c:varyColors val="0"/>
+        <c:ser>
+          <c:idx val="0"/>
+          <c:order val="0"/>
+          <c:tx>
+            <c:strRef>
+              <c:f>'Best selling media types'!$A$2</c:f>
+              <c:strCache>
+                <c:ptCount val="1"/>
+                <c:pt idx="0">
+                  <c:v>USA</c:v>
+                </c:pt>
+              </c:strCache>
+            </c:strRef>
+          </c:tx>
+          <c:spPr>
+            <a:solidFill>
+              <a:schemeClr val="accent6"/>
+            </a:solidFill>
+            <a:ln>
+              <a:noFill/>
+            </a:ln>
+            <a:effectLst/>
+            <a:sp3d/>
+          </c:spPr>
+          <c:invertIfNegative val="0"/>
+          <c:cat>
+            <c:strRef>
+              <c:f>'Best selling media types'!$B$1:$G$1</c:f>
+              <c:strCache>
+                <c:ptCount val="6"/>
+                <c:pt idx="0">
+                  <c:v>MPEG audio file</c:v>
+                </c:pt>
+                <c:pt idx="1">
+                  <c:v>Protected AAC audio file</c:v>
+                </c:pt>
+                <c:pt idx="2">
+                  <c:v>Protected MPEG-4 video file</c:v>
+                </c:pt>
+                <c:pt idx="3">
+                  <c:v>Purchased AAC audio file</c:v>
+                </c:pt>
+                <c:pt idx="4">
+                  <c:v>AAC audio file</c:v>
+                </c:pt>
+                <c:pt idx="5">
+                  <c:v>Total</c:v>
+                </c:pt>
+              </c:strCache>
+            </c:strRef>
+          </c:cat>
+          <c:val>
+            <c:numRef>
+              <c:f>'Best selling media types'!$B$2:$G$2</c:f>
+              <c:numCache>
+                <c:formatCode>General</c:formatCode>
+                <c:ptCount val="6"/>
+                <c:pt idx="0">
+                  <c:v>422</c:v>
+                </c:pt>
+                <c:pt idx="1">
+                  <c:v>37</c:v>
+                </c:pt>
+                <c:pt idx="2">
+                  <c:v>34</c:v>
+                </c:pt>
+                <c:pt idx="3">
+                  <c:v>0</c:v>
+                </c:pt>
+                <c:pt idx="4">
+                  <c:v>1</c:v>
+                </c:pt>
+                <c:pt idx="5">
+                  <c:v>494</c:v>
+                </c:pt>
+              </c:numCache>
+            </c:numRef>
+          </c:val>
+        </c:ser>
+        <c:ser>
+          <c:idx val="1"/>
+          <c:order val="1"/>
+          <c:tx>
+            <c:strRef>
+              <c:f>'Best selling media types'!$A$3</c:f>
+              <c:strCache>
+                <c:ptCount val="1"/>
+                <c:pt idx="0">
+                  <c:v>Canada</c:v>
+                </c:pt>
+              </c:strCache>
+            </c:strRef>
+          </c:tx>
+          <c:spPr>
+            <a:solidFill>
+              <a:schemeClr val="accent5"/>
+            </a:solidFill>
+            <a:ln>
+              <a:noFill/>
+            </a:ln>
+            <a:effectLst/>
+            <a:sp3d/>
+          </c:spPr>
+          <c:invertIfNegative val="0"/>
+          <c:cat>
+            <c:strRef>
+              <c:f>'Best selling media types'!$B$1:$G$1</c:f>
+              <c:strCache>
+                <c:ptCount val="6"/>
+                <c:pt idx="0">
+                  <c:v>MPEG audio file</c:v>
+                </c:pt>
+                <c:pt idx="1">
+                  <c:v>Protected AAC audio file</c:v>
+                </c:pt>
+                <c:pt idx="2">
+                  <c:v>Protected MPEG-4 video file</c:v>
+                </c:pt>
+                <c:pt idx="3">
+                  <c:v>Purchased AAC audio file</c:v>
+                </c:pt>
+                <c:pt idx="4">
+                  <c:v>AAC audio file</c:v>
+                </c:pt>
+                <c:pt idx="5">
+                  <c:v>Total</c:v>
+                </c:pt>
+              </c:strCache>
+            </c:strRef>
+          </c:cat>
+          <c:val>
+            <c:numRef>
+              <c:f>'Best selling media types'!$B$3:$G$3</c:f>
+              <c:numCache>
+                <c:formatCode>General</c:formatCode>
+                <c:ptCount val="6"/>
+                <c:pt idx="0">
+                  <c:v>289</c:v>
+                </c:pt>
+                <c:pt idx="1">
+                  <c:v>12</c:v>
+                </c:pt>
+                <c:pt idx="2">
+                  <c:v>3</c:v>
+                </c:pt>
+                <c:pt idx="3">
+                  <c:v>0</c:v>
+                </c:pt>
+                <c:pt idx="4">
+                  <c:v>0</c:v>
+                </c:pt>
+                <c:pt idx="5">
+                  <c:v>304</c:v>
+                </c:pt>
+              </c:numCache>
+            </c:numRef>
+          </c:val>
+        </c:ser>
+        <c:ser>
+          <c:idx val="2"/>
+          <c:order val="2"/>
+          <c:tx>
+            <c:strRef>
+              <c:f>'Best selling media types'!$A$4</c:f>
+              <c:strCache>
+                <c:ptCount val="1"/>
+                <c:pt idx="0">
+                  <c:v>Brazil</c:v>
+                </c:pt>
+              </c:strCache>
+            </c:strRef>
+          </c:tx>
+          <c:spPr>
+            <a:solidFill>
+              <a:schemeClr val="accent4"/>
+            </a:solidFill>
+            <a:ln>
+              <a:noFill/>
+            </a:ln>
+            <a:effectLst/>
+            <a:sp3d/>
+          </c:spPr>
+          <c:invertIfNegative val="0"/>
+          <c:cat>
+            <c:strRef>
+              <c:f>'Best selling media types'!$B$1:$G$1</c:f>
+              <c:strCache>
+                <c:ptCount val="6"/>
+                <c:pt idx="0">
+                  <c:v>MPEG audio file</c:v>
+                </c:pt>
+                <c:pt idx="1">
+                  <c:v>Protected AAC audio file</c:v>
+                </c:pt>
+                <c:pt idx="2">
+                  <c:v>Protected MPEG-4 video file</c:v>
+                </c:pt>
+                <c:pt idx="3">
+                  <c:v>Purchased AAC audio file</c:v>
+                </c:pt>
+                <c:pt idx="4">
+                  <c:v>AAC audio file</c:v>
+                </c:pt>
+                <c:pt idx="5">
+                  <c:v>Total</c:v>
+                </c:pt>
+              </c:strCache>
+            </c:strRef>
+          </c:cat>
+          <c:val>
+            <c:numRef>
+              <c:f>'Best selling media types'!$B$4:$G$4</c:f>
+              <c:numCache>
+                <c:formatCode>General</c:formatCode>
+                <c:ptCount val="6"/>
+                <c:pt idx="0">
+                  <c:v>170</c:v>
+                </c:pt>
+                <c:pt idx="1">
+                  <c:v>18</c:v>
+                </c:pt>
+                <c:pt idx="2">
+                  <c:v>2</c:v>
+                </c:pt>
+                <c:pt idx="3">
+                  <c:v>0</c:v>
+                </c:pt>
+                <c:pt idx="4">
+                  <c:v>0</c:v>
+                </c:pt>
+                <c:pt idx="5">
+                  <c:v>190</c:v>
+                </c:pt>
+              </c:numCache>
+            </c:numRef>
+          </c:val>
+        </c:ser>
+        <c:ser>
+          <c:idx val="3"/>
+          <c:order val="3"/>
+          <c:tx>
+            <c:strRef>
+              <c:f>'Best selling media types'!$A$5</c:f>
+              <c:strCache>
+                <c:ptCount val="1"/>
+                <c:pt idx="0">
+                  <c:v>France</c:v>
+                </c:pt>
+              </c:strCache>
+            </c:strRef>
+          </c:tx>
+          <c:spPr>
+            <a:solidFill>
+              <a:schemeClr val="accent6">
+                <a:lumMod val="60000"/>
+              </a:schemeClr>
+            </a:solidFill>
+            <a:ln>
+              <a:noFill/>
+            </a:ln>
+            <a:effectLst/>
+            <a:sp3d/>
+          </c:spPr>
+          <c:invertIfNegative val="0"/>
+          <c:cat>
+            <c:strRef>
+              <c:f>'Best selling media types'!$B$1:$G$1</c:f>
+              <c:strCache>
+                <c:ptCount val="6"/>
+                <c:pt idx="0">
+                  <c:v>MPEG audio file</c:v>
+                </c:pt>
+                <c:pt idx="1">
+                  <c:v>Protected AAC audio file</c:v>
+                </c:pt>
+                <c:pt idx="2">
+                  <c:v>Protected MPEG-4 video file</c:v>
+                </c:pt>
+                <c:pt idx="3">
+                  <c:v>Purchased AAC audio file</c:v>
+                </c:pt>
+                <c:pt idx="4">
+                  <c:v>AAC audio file</c:v>
+                </c:pt>
+                <c:pt idx="5">
+                  <c:v>Total</c:v>
+                </c:pt>
+              </c:strCache>
+            </c:strRef>
+          </c:cat>
+          <c:val>
+            <c:numRef>
+              <c:f>'Best selling media types'!$B$5:$G$5</c:f>
+              <c:numCache>
+                <c:formatCode>General</c:formatCode>
+                <c:ptCount val="6"/>
+                <c:pt idx="0">
+                  <c:v>165</c:v>
+                </c:pt>
+                <c:pt idx="1">
+                  <c:v>15</c:v>
+                </c:pt>
+                <c:pt idx="2">
+                  <c:v>7</c:v>
+                </c:pt>
+                <c:pt idx="3">
+                  <c:v>2</c:v>
+                </c:pt>
+                <c:pt idx="4">
+                  <c:v>1</c:v>
+                </c:pt>
+                <c:pt idx="5">
+                  <c:v>190</c:v>
+                </c:pt>
+              </c:numCache>
+            </c:numRef>
+          </c:val>
+        </c:ser>
+        <c:ser>
+          <c:idx val="4"/>
+          <c:order val="4"/>
+          <c:tx>
+            <c:strRef>
+              <c:f>'Best selling media types'!$A$6</c:f>
+              <c:strCache>
+                <c:ptCount val="1"/>
+                <c:pt idx="0">
+                  <c:v>Germany</c:v>
+                </c:pt>
+              </c:strCache>
+            </c:strRef>
+          </c:tx>
+          <c:spPr>
+            <a:solidFill>
+              <a:schemeClr val="accent5">
+                <a:lumMod val="60000"/>
+              </a:schemeClr>
+            </a:solidFill>
+            <a:ln>
+              <a:noFill/>
+            </a:ln>
+            <a:effectLst/>
+            <a:sp3d/>
+          </c:spPr>
+          <c:invertIfNegative val="0"/>
+          <c:cat>
+            <c:strRef>
+              <c:f>'Best selling media types'!$B$1:$G$1</c:f>
+              <c:strCache>
+                <c:ptCount val="6"/>
+                <c:pt idx="0">
+                  <c:v>MPEG audio file</c:v>
+                </c:pt>
+                <c:pt idx="1">
+                  <c:v>Protected AAC audio file</c:v>
+                </c:pt>
+                <c:pt idx="2">
+                  <c:v>Protected MPEG-4 video file</c:v>
+                </c:pt>
+                <c:pt idx="3">
+                  <c:v>Purchased AAC audio file</c:v>
+                </c:pt>
+                <c:pt idx="4">
+                  <c:v>AAC audio file</c:v>
+                </c:pt>
+                <c:pt idx="5">
+                  <c:v>Total</c:v>
+                </c:pt>
+              </c:strCache>
+            </c:strRef>
+          </c:cat>
+          <c:val>
+            <c:numRef>
+              <c:f>'Best selling media types'!$B$6:$G$6</c:f>
+              <c:numCache>
+                <c:formatCode>General</c:formatCode>
+                <c:ptCount val="6"/>
+                <c:pt idx="0">
+                  <c:v>143</c:v>
+                </c:pt>
+                <c:pt idx="1">
+                  <c:v>3</c:v>
+                </c:pt>
+                <c:pt idx="2">
+                  <c:v>6</c:v>
+                </c:pt>
+                <c:pt idx="3">
+                  <c:v>0</c:v>
+                </c:pt>
+                <c:pt idx="4">
+                  <c:v>0</c:v>
+                </c:pt>
+                <c:pt idx="5">
+                  <c:v>152</c:v>
+                </c:pt>
+              </c:numCache>
+            </c:numRef>
+          </c:val>
+        </c:ser>
+        <c:dLbls>
+          <c:showLegendKey val="0"/>
+          <c:showVal val="0"/>
+          <c:showCatName val="0"/>
+          <c:showSerName val="0"/>
+          <c:showPercent val="0"/>
+          <c:showBubbleSize val="0"/>
+        </c:dLbls>
+        <c:gapWidth val="150"/>
+        <c:shape val="box"/>
+        <c:axId val="-446090384"/>
+        <c:axId val="-446087664"/>
+        <c:axId val="0"/>
+      </c:bar3DChart>
+      <c:catAx>
+        <c:axId val="-446090384"/>
+        <c:scaling>
+          <c:orientation val="minMax"/>
+        </c:scaling>
+        <c:delete val="0"/>
+        <c:axPos val="b"/>
+        <c:numFmt formatCode="General" sourceLinked="1"/>
+        <c:majorTickMark val="none"/>
+        <c:minorTickMark val="none"/>
+        <c:tickLblPos val="nextTo"/>
+        <c:spPr>
+          <a:noFill/>
+          <a:ln>
+            <a:noFill/>
+          </a:ln>
+          <a:effectLst/>
+        </c:spPr>
+        <c:txPr>
+          <a:bodyPr rot="-60000000" spcFirstLastPara="1" vertOverflow="ellipsis" vert="horz" wrap="square" anchor="ctr" anchorCtr="1"/>
+          <a:lstStyle/>
+          <a:p>
+            <a:pPr>
+              <a:defRPr sz="900" b="0" i="0" u="none" strike="noStrike" kern="1200" baseline="0">
+                <a:solidFill>
+                  <a:schemeClr val="tx1">
+                    <a:lumMod val="65000"/>
+                    <a:lumOff val="35000"/>
+                  </a:schemeClr>
+                </a:solidFill>
+                <a:latin typeface="+mn-lt"/>
+                <a:ea typeface="+mn-ea"/>
+                <a:cs typeface="+mn-cs"/>
+              </a:defRPr>
+            </a:pPr>
+            <a:endParaRPr lang="en-US"/>
+          </a:p>
+        </c:txPr>
+        <c:crossAx val="-446087664"/>
+        <c:crosses val="autoZero"/>
+        <c:auto val="1"/>
+        <c:lblAlgn val="ctr"/>
+        <c:lblOffset val="100"/>
+        <c:noMultiLvlLbl val="0"/>
+      </c:catAx>
+      <c:valAx>
+        <c:axId val="-446087664"/>
+        <c:scaling>
+          <c:orientation val="minMax"/>
+        </c:scaling>
+        <c:delete val="0"/>
+        <c:axPos val="l"/>
+        <c:majorGridlines>
+          <c:spPr>
+            <a:ln w="9525" cap="flat" cmpd="sng" algn="ctr">
+              <a:solidFill>
+                <a:schemeClr val="tx1">
+                  <a:lumMod val="15000"/>
+                  <a:lumOff val="85000"/>
+                </a:schemeClr>
+              </a:solidFill>
+              <a:round/>
+            </a:ln>
+            <a:effectLst/>
+          </c:spPr>
+        </c:majorGridlines>
+        <c:numFmt formatCode="0%" sourceLinked="1"/>
+        <c:majorTickMark val="none"/>
+        <c:minorTickMark val="none"/>
+        <c:tickLblPos val="nextTo"/>
+        <c:spPr>
+          <a:noFill/>
+          <a:ln>
+            <a:noFill/>
+          </a:ln>
+          <a:effectLst/>
+        </c:spPr>
+        <c:txPr>
+          <a:bodyPr rot="-60000000" spcFirstLastPara="1" vertOverflow="ellipsis" vert="horz" wrap="square" anchor="ctr" anchorCtr="1"/>
+          <a:lstStyle/>
+          <a:p>
+            <a:pPr>
+              <a:defRPr sz="900" b="0" i="0" u="none" strike="noStrike" kern="1200" baseline="0">
+                <a:solidFill>
+                  <a:schemeClr val="tx1">
+                    <a:lumMod val="65000"/>
+                    <a:lumOff val="35000"/>
+                  </a:schemeClr>
+                </a:solidFill>
+                <a:latin typeface="+mn-lt"/>
+                <a:ea typeface="+mn-ea"/>
+                <a:cs typeface="+mn-cs"/>
+              </a:defRPr>
+            </a:pPr>
+            <a:endParaRPr lang="en-US"/>
+          </a:p>
+        </c:txPr>
+        <c:crossAx val="-446090384"/>
+        <c:crosses val="autoZero"/>
+        <c:crossBetween val="between"/>
+      </c:valAx>
+      <c:spPr>
+        <a:noFill/>
+        <a:ln>
+          <a:noFill/>
+        </a:ln>
+        <a:effectLst/>
+      </c:spPr>
+    </c:plotArea>
+    <c:legend>
+      <c:legendPos val="b"/>
+      <c:layout/>
+      <c:overlay val="0"/>
+      <c:spPr>
+        <a:noFill/>
+        <a:ln>
+          <a:noFill/>
+        </a:ln>
+        <a:effectLst/>
+      </c:spPr>
+      <c:txPr>
+        <a:bodyPr rot="0" spcFirstLastPara="1" vertOverflow="ellipsis" vert="horz" wrap="square" anchor="ctr" anchorCtr="1"/>
+        <a:lstStyle/>
+        <a:p>
+          <a:pPr>
+            <a:defRPr sz="900" b="0" i="0" u="none" strike="noStrike" kern="1200" baseline="0">
+              <a:solidFill>
+                <a:schemeClr val="tx1">
+                  <a:lumMod val="65000"/>
+                  <a:lumOff val="35000"/>
+                </a:schemeClr>
+              </a:solidFill>
+              <a:latin typeface="+mn-lt"/>
+              <a:ea typeface="+mn-ea"/>
+              <a:cs typeface="+mn-cs"/>
+            </a:defRPr>
+          </a:pPr>
+          <a:endParaRPr lang="en-US"/>
+        </a:p>
+      </c:txPr>
+    </c:legend>
+    <c:plotVisOnly val="1"/>
+    <c:dispBlanksAs val="gap"/>
+    <c:showDLblsOverMax val="0"/>
+  </c:chart>
+  <c:spPr>
+    <a:noFill/>
+    <a:ln>
+      <a:noFill/>
+    </a:ln>
+    <a:effectLst/>
+  </c:spPr>
+  <c:txPr>
+    <a:bodyPr/>
+    <a:lstStyle/>
+    <a:p>
+      <a:pPr>
+        <a:defRPr/>
+      </a:pPr>
+      <a:endParaRPr lang="en-US"/>
+    </a:p>
+  </c:txPr>
+  <c:externalData r:id="rId3">
+    <c:autoUpdate val="0"/>
+  </c:externalData>
+</c:chartSpace>
+</file>
+
+<file path=ppt/charts/colors1.xml><?xml version="1.0" encoding="utf-8"?>
+<cs:colorStyle xmlns:cs="http://schemas.microsoft.com/office/drawing/2012/chartStyle" xmlns:a="http://schemas.openxmlformats.org/drawingml/2006/main" meth="cycle" id="10">
+  <a:schemeClr val="accent1"/>
+  <a:schemeClr val="accent2"/>
+  <a:schemeClr val="accent3"/>
+  <a:schemeClr val="accent4"/>
+  <a:schemeClr val="accent5"/>
+  <a:schemeClr val="accent6"/>
+  <cs:variation/>
+  <cs:variation>
+    <a:lumMod val="60000"/>
+  </cs:variation>
+  <cs:variation>
+    <a:lumMod val="80000"/>
+    <a:lumOff val="20000"/>
+  </cs:variation>
+  <cs:variation>
+    <a:lumMod val="80000"/>
+  </cs:variation>
+  <cs:variation>
+    <a:lumMod val="60000"/>
+    <a:lumOff val="40000"/>
+  </cs:variation>
+  <cs:variation>
+    <a:lumMod val="50000"/>
+  </cs:variation>
+  <cs:variation>
+    <a:lumMod val="70000"/>
+    <a:lumOff val="30000"/>
+  </cs:variation>
+  <cs:variation>
+    <a:lumMod val="70000"/>
+  </cs:variation>
+  <cs:variation>
+    <a:lumMod val="50000"/>
+    <a:lumOff val="50000"/>
+  </cs:variation>
+</cs:colorStyle>
+</file>
+
+<file path=ppt/charts/colors2.xml><?xml version="1.0" encoding="utf-8"?>
+<cs:colorStyle xmlns:cs="http://schemas.microsoft.com/office/drawing/2012/chartStyle" xmlns:a="http://schemas.openxmlformats.org/drawingml/2006/main" meth="cycle" id="10">
+  <a:schemeClr val="accent1"/>
+  <a:schemeClr val="accent2"/>
+  <a:schemeClr val="accent3"/>
+  <a:schemeClr val="accent4"/>
+  <a:schemeClr val="accent5"/>
+  <a:schemeClr val="accent6"/>
+  <cs:variation/>
+  <cs:variation>
+    <a:lumMod val="60000"/>
+  </cs:variation>
+  <cs:variation>
+    <a:lumMod val="80000"/>
+    <a:lumOff val="20000"/>
+  </cs:variation>
+  <cs:variation>
+    <a:lumMod val="80000"/>
+  </cs:variation>
+  <cs:variation>
+    <a:lumMod val="60000"/>
+    <a:lumOff val="40000"/>
+  </cs:variation>
+  <cs:variation>
+    <a:lumMod val="50000"/>
+  </cs:variation>
+  <cs:variation>
+    <a:lumMod val="70000"/>
+    <a:lumOff val="30000"/>
+  </cs:variation>
+  <cs:variation>
+    <a:lumMod val="70000"/>
+  </cs:variation>
+  <cs:variation>
+    <a:lumMod val="50000"/>
+    <a:lumOff val="50000"/>
+  </cs:variation>
+</cs:colorStyle>
+</file>
+
+<file path=ppt/charts/colors3.xml><?xml version="1.0" encoding="utf-8"?>
+<cs:colorStyle xmlns:cs="http://schemas.microsoft.com/office/drawing/2012/chartStyle" xmlns:a="http://schemas.openxmlformats.org/drawingml/2006/main" meth="cycle" id="10">
+  <a:schemeClr val="accent1"/>
+  <a:schemeClr val="accent2"/>
+  <a:schemeClr val="accent3"/>
+  <a:schemeClr val="accent4"/>
+  <a:schemeClr val="accent5"/>
+  <a:schemeClr val="accent6"/>
+  <cs:variation/>
+  <cs:variation>
+    <a:lumMod val="60000"/>
+  </cs:variation>
+  <cs:variation>
+    <a:lumMod val="80000"/>
+    <a:lumOff val="20000"/>
+  </cs:variation>
+  <cs:variation>
+    <a:lumMod val="80000"/>
+  </cs:variation>
+  <cs:variation>
+    <a:lumMod val="60000"/>
+    <a:lumOff val="40000"/>
+  </cs:variation>
+  <cs:variation>
+    <a:lumMod val="50000"/>
+  </cs:variation>
+  <cs:variation>
+    <a:lumMod val="70000"/>
+    <a:lumOff val="30000"/>
+  </cs:variation>
+  <cs:variation>
+    <a:lumMod val="70000"/>
+  </cs:variation>
+  <cs:variation>
+    <a:lumMod val="50000"/>
+    <a:lumOff val="50000"/>
+  </cs:variation>
+</cs:colorStyle>
+</file>
+
+<file path=ppt/charts/colors4.xml><?xml version="1.0" encoding="utf-8"?>
+<cs:colorStyle xmlns:cs="http://schemas.microsoft.com/office/drawing/2012/chartStyle" xmlns:a="http://schemas.openxmlformats.org/drawingml/2006/main" meth="cycle" id="13">
+  <a:schemeClr val="accent6"/>
+  <a:schemeClr val="accent5"/>
+  <a:schemeClr val="accent4"/>
+  <cs:variation/>
+  <cs:variation>
+    <a:lumMod val="60000"/>
+  </cs:variation>
+  <cs:variation>
+    <a:lumMod val="80000"/>
+    <a:lumOff val="20000"/>
+  </cs:variation>
+  <cs:variation>
+    <a:lumMod val="80000"/>
+  </cs:variation>
+  <cs:variation>
+    <a:lumMod val="60000"/>
+    <a:lumOff val="40000"/>
+  </cs:variation>
+  <cs:variation>
+    <a:lumMod val="50000"/>
+  </cs:variation>
+  <cs:variation>
+    <a:lumMod val="70000"/>
+    <a:lumOff val="30000"/>
+  </cs:variation>
+  <cs:variation>
+    <a:lumMod val="70000"/>
+  </cs:variation>
+  <cs:variation>
+    <a:lumMod val="50000"/>
+    <a:lumOff val="50000"/>
+  </cs:variation>
+</cs:colorStyle>
+</file>
+
+<file path=ppt/charts/style1.xml><?xml version="1.0" encoding="utf-8"?>
+<cs:chartStyle xmlns:cs="http://schemas.microsoft.com/office/drawing/2012/chartStyle" xmlns:a="http://schemas.openxmlformats.org/drawingml/2006/main" id="216">
+  <cs:axisTitle>
+    <cs:lnRef idx="0"/>
+    <cs:fillRef idx="0"/>
+    <cs:effectRef idx="0"/>
+    <cs:fontRef idx="minor">
+      <a:schemeClr val="tx1">
+        <a:lumMod val="65000"/>
+        <a:lumOff val="35000"/>
+      </a:schemeClr>
+    </cs:fontRef>
+    <cs:defRPr sz="1330" kern="1200"/>
+  </cs:axisTitle>
+  <cs:categoryAxis>
+    <cs:lnRef idx="0"/>
+    <cs:fillRef idx="0"/>
+    <cs:effectRef idx="0"/>
+    <cs:fontRef idx="minor">
+      <a:schemeClr val="tx1">
+        <a:lumMod val="65000"/>
+        <a:lumOff val="35000"/>
+      </a:schemeClr>
+    </cs:fontRef>
+    <cs:spPr>
+      <a:ln w="9525" cap="flat" cmpd="sng" algn="ctr">
+        <a:solidFill>
+          <a:schemeClr val="tx1">
+            <a:lumMod val="15000"/>
+            <a:lumOff val="85000"/>
+          </a:schemeClr>
+        </a:solidFill>
+        <a:round/>
+      </a:ln>
+    </cs:spPr>
+    <cs:defRPr sz="1197" kern="1200"/>
+  </cs:categoryAxis>
+  <cs:chartArea mods="allowNoFillOverride allowNoLineOverride">
+    <cs:lnRef idx="0"/>
+    <cs:fillRef idx="0"/>
+    <cs:effectRef idx="0"/>
+    <cs:fontRef idx="minor">
+      <a:schemeClr val="tx1"/>
+    </cs:fontRef>
+    <cs:spPr>
+      <a:solidFill>
+        <a:schemeClr val="bg1"/>
+      </a:solidFill>
+      <a:ln w="9525" cap="flat" cmpd="sng" algn="ctr">
+        <a:solidFill>
+          <a:schemeClr val="tx1">
+            <a:lumMod val="15000"/>
+            <a:lumOff val="85000"/>
+          </a:schemeClr>
+        </a:solidFill>
+        <a:round/>
+      </a:ln>
+    </cs:spPr>
+    <cs:defRPr sz="1330" kern="1200"/>
+  </cs:chartArea>
+  <cs:dataLabel>
+    <cs:lnRef idx="0"/>
+    <cs:fillRef idx="0"/>
+    <cs:effectRef idx="0"/>
+    <cs:fontRef idx="minor">
+      <a:schemeClr val="tx1">
+        <a:lumMod val="75000"/>
+        <a:lumOff val="25000"/>
+      </a:schemeClr>
+    </cs:fontRef>
+    <cs:defRPr sz="1197" kern="1200"/>
+  </cs:dataLabel>
+  <cs:dataLabelCallout>
+    <cs:lnRef idx="0"/>
+    <cs:fillRef idx="0"/>
+    <cs:effectRef idx="0"/>
+    <cs:fontRef idx="minor">
+      <a:schemeClr val="dk1">
+        <a:lumMod val="65000"/>
+        <a:lumOff val="35000"/>
+      </a:schemeClr>
+    </cs:fontRef>
+    <cs:spPr>
+      <a:solidFill>
+        <a:schemeClr val="lt1"/>
+      </a:solidFill>
+      <a:ln>
+        <a:solidFill>
+          <a:schemeClr val="dk1">
+            <a:lumMod val="25000"/>
+            <a:lumOff val="75000"/>
+          </a:schemeClr>
+        </a:solidFill>
+      </a:ln>
+    </cs:spPr>
+    <cs:defRPr sz="1197" kern="1200"/>
+    <cs:bodyPr rot="0" spcFirstLastPara="1" vertOverflow="clip" horzOverflow="clip" vert="horz" wrap="square" lIns="36576" tIns="18288" rIns="36576" bIns="18288" anchor="ctr" anchorCtr="1">
+      <a:spAutoFit/>
+    </cs:bodyPr>
+  </cs:dataLabelCallout>
+  <cs:dataPoint>
+    <cs:lnRef idx="0"/>
+    <cs:fillRef idx="1">
+      <cs:styleClr val="auto"/>
+    </cs:fillRef>
+    <cs:effectRef idx="0"/>
+    <cs:fontRef idx="minor">
+      <a:schemeClr val="tx1"/>
+    </cs:fontRef>
+  </cs:dataPoint>
+  <cs:dataPoint3D>
+    <cs:lnRef idx="0"/>
+    <cs:fillRef idx="1">
+      <cs:styleClr val="auto"/>
+    </cs:fillRef>
+    <cs:effectRef idx="0"/>
+    <cs:fontRef idx="minor">
+      <a:schemeClr val="tx1"/>
+    </cs:fontRef>
+  </cs:dataPoint3D>
+  <cs:dataPointLine>
+    <cs:lnRef idx="0">
+      <cs:styleClr val="auto"/>
+    </cs:lnRef>
+    <cs:fillRef idx="1"/>
+    <cs:effectRef idx="0"/>
+    <cs:fontRef idx="minor">
+      <a:schemeClr val="tx1"/>
+    </cs:fontRef>
+    <cs:spPr>
+      <a:ln w="28575" cap="rnd">
+        <a:solidFill>
+          <a:schemeClr val="phClr"/>
+        </a:solidFill>
+        <a:round/>
+      </a:ln>
+    </cs:spPr>
+  </cs:dataPointLine>
+  <cs:dataPointMarker>
+    <cs:lnRef idx="0">
+      <cs:styleClr val="auto"/>
+    </cs:lnRef>
+    <cs:fillRef idx="1">
+      <cs:styleClr val="auto"/>
+    </cs:fillRef>
+    <cs:effectRef idx="0"/>
+    <cs:fontRef idx="minor">
+      <a:schemeClr val="tx1"/>
+    </cs:fontRef>
+    <cs:spPr>
+      <a:ln w="9525">
+        <a:solidFill>
+          <a:schemeClr val="phClr"/>
+        </a:solidFill>
+      </a:ln>
+    </cs:spPr>
+  </cs:dataPointMarker>
+  <cs:dataPointMarkerLayout symbol="circle" size="5"/>
+  <cs:dataPointWireframe>
+    <cs:lnRef idx="0">
+      <cs:styleClr val="auto"/>
+    </cs:lnRef>
+    <cs:fillRef idx="1"/>
+    <cs:effectRef idx="0"/>
+    <cs:fontRef idx="minor">
+      <a:schemeClr val="tx1"/>
+    </cs:fontRef>
+    <cs:spPr>
+      <a:ln w="9525" cap="rnd">
+        <a:solidFill>
+          <a:schemeClr val="phClr"/>
+        </a:solidFill>
+        <a:round/>
+      </a:ln>
+    </cs:spPr>
+  </cs:dataPointWireframe>
+  <cs:dataTable>
+    <cs:lnRef idx="0"/>
+    <cs:fillRef idx="0"/>
+    <cs:effectRef idx="0"/>
+    <cs:fontRef idx="minor">
+      <a:schemeClr val="tx1">
+        <a:lumMod val="65000"/>
+        <a:lumOff val="35000"/>
+      </a:schemeClr>
+    </cs:fontRef>
+    <cs:spPr>
+      <a:noFill/>
+      <a:ln w="9525" cap="flat" cmpd="sng" algn="ctr">
+        <a:solidFill>
+          <a:schemeClr val="tx1">
+            <a:lumMod val="15000"/>
+            <a:lumOff val="85000"/>
+          </a:schemeClr>
+        </a:solidFill>
+        <a:round/>
+      </a:ln>
+    </cs:spPr>
+    <cs:defRPr sz="1197" kern="1200"/>
+  </cs:dataTable>
+  <cs:downBar>
+    <cs:lnRef idx="0"/>
+    <cs:fillRef idx="0"/>
+    <cs:effectRef idx="0"/>
+    <cs:fontRef idx="minor">
+      <a:schemeClr val="tx1"/>
+    </cs:fontRef>
+    <cs:spPr>
+      <a:solidFill>
+        <a:schemeClr val="dk1">
+          <a:lumMod val="75000"/>
+          <a:lumOff val="25000"/>
+        </a:schemeClr>
+      </a:solidFill>
+      <a:ln w="9525" cap="flat" cmpd="sng" algn="ctr">
+        <a:solidFill>
+          <a:schemeClr val="tx1">
+            <a:lumMod val="65000"/>
+            <a:lumOff val="35000"/>
+          </a:schemeClr>
+        </a:solidFill>
+        <a:round/>
+      </a:ln>
+    </cs:spPr>
+  </cs:downBar>
+  <cs:dropLine>
+    <cs:lnRef idx="0"/>
+    <cs:fillRef idx="0"/>
+    <cs:effectRef idx="0"/>
+    <cs:fontRef idx="minor">
+      <a:schemeClr val="tx1"/>
+    </cs:fontRef>
+    <cs:spPr>
+      <a:ln w="9525" cap="flat" cmpd="sng" algn="ctr">
+        <a:solidFill>
+          <a:schemeClr val="tx1">
+            <a:lumMod val="35000"/>
+            <a:lumOff val="65000"/>
+          </a:schemeClr>
+        </a:solidFill>
+        <a:round/>
+      </a:ln>
+    </cs:spPr>
+  </cs:dropLine>
+  <cs:errorBar>
+    <cs:lnRef idx="0"/>
+    <cs:fillRef idx="0"/>
+    <cs:effectRef idx="0"/>
+    <cs:fontRef idx="minor">
+      <a:schemeClr val="tx1"/>
+    </cs:fontRef>
+    <cs:spPr>
+      <a:ln w="9525" cap="flat" cmpd="sng" algn="ctr">
+        <a:solidFill>
+          <a:schemeClr val="tx1">
+            <a:lumMod val="65000"/>
+            <a:lumOff val="35000"/>
+          </a:schemeClr>
+        </a:solidFill>
+        <a:round/>
+      </a:ln>
+    </cs:spPr>
+  </cs:errorBar>
+  <cs:floor>
+    <cs:lnRef idx="0"/>
+    <cs:fillRef idx="0"/>
+    <cs:effectRef idx="0"/>
+    <cs:fontRef idx="minor">
+      <a:schemeClr val="tx1"/>
+    </cs:fontRef>
+    <cs:spPr>
+      <a:noFill/>
+      <a:ln>
+        <a:noFill/>
+      </a:ln>
+    </cs:spPr>
+  </cs:floor>
+  <cs:gridlineMajor>
+    <cs:lnRef idx="0"/>
+    <cs:fillRef idx="0"/>
+    <cs:effectRef idx="0"/>
+    <cs:fontRef idx="minor">
+      <a:schemeClr val="tx1"/>
+    </cs:fontRef>
+    <cs:spPr>
+      <a:ln w="9525" cap="flat" cmpd="sng" algn="ctr">
+        <a:solidFill>
+          <a:schemeClr val="tx1">
+            <a:lumMod val="15000"/>
+            <a:lumOff val="85000"/>
+          </a:schemeClr>
+        </a:solidFill>
+        <a:round/>
+      </a:ln>
+    </cs:spPr>
+  </cs:gridlineMajor>
+  <cs:gridlineMinor>
+    <cs:lnRef idx="0"/>
+    <cs:fillRef idx="0"/>
+    <cs:effectRef idx="0"/>
+    <cs:fontRef idx="minor">
+      <a:schemeClr val="tx1"/>
+    </cs:fontRef>
+    <cs:spPr>
+      <a:ln w="9525" cap="flat" cmpd="sng" algn="ctr">
+        <a:solidFill>
+          <a:schemeClr val="tx1">
+            <a:lumMod val="5000"/>
+            <a:lumOff val="95000"/>
+          </a:schemeClr>
+        </a:solidFill>
+        <a:round/>
+      </a:ln>
+    </cs:spPr>
+  </cs:gridlineMinor>
+  <cs:hiLoLine>
+    <cs:lnRef idx="0"/>
+    <cs:fillRef idx="0"/>
+    <cs:effectRef idx="0"/>
+    <cs:fontRef idx="minor">
+      <a:schemeClr val="tx1"/>
+    </cs:fontRef>
+    <cs:spPr>
+      <a:ln w="9525" cap="flat" cmpd="sng" algn="ctr">
+        <a:solidFill>
+          <a:schemeClr val="tx1">
+            <a:lumMod val="50000"/>
+            <a:lumOff val="50000"/>
+          </a:schemeClr>
+        </a:solidFill>
+        <a:round/>
+      </a:ln>
+    </cs:spPr>
+  </cs:hiLoLine>
+  <cs:leaderLine>
+    <cs:lnRef idx="0"/>
+    <cs:fillRef idx="0"/>
+    <cs:effectRef idx="0"/>
+    <cs:fontRef idx="minor">
+      <a:schemeClr val="tx1"/>
+    </cs:fontRef>
+    <cs:spPr>
+      <a:ln w="9525" cap="flat" cmpd="sng" algn="ctr">
+        <a:solidFill>
+          <a:schemeClr val="tx1">
+            <a:lumMod val="35000"/>
+            <a:lumOff val="65000"/>
+          </a:schemeClr>
+        </a:solidFill>
+        <a:round/>
+      </a:ln>
+    </cs:spPr>
+  </cs:leaderLine>
+  <cs:legend>
+    <cs:lnRef idx="0"/>
+    <cs:fillRef idx="0"/>
+    <cs:effectRef idx="0"/>
+    <cs:fontRef idx="minor">
+      <a:schemeClr val="tx1">
+        <a:lumMod val="65000"/>
+        <a:lumOff val="35000"/>
+      </a:schemeClr>
+    </cs:fontRef>
+    <cs:defRPr sz="1197" kern="1200"/>
+  </cs:legend>
+  <cs:plotArea mods="allowNoFillOverride allowNoLineOverride">
+    <cs:lnRef idx="0"/>
+    <cs:fillRef idx="0"/>
+    <cs:effectRef idx="0"/>
+    <cs:fontRef idx="minor">
+      <a:schemeClr val="tx1"/>
+    </cs:fontRef>
+  </cs:plotArea>
+  <cs:plotArea3D mods="allowNoFillOverride allowNoLineOverride">
+    <cs:lnRef idx="0"/>
+    <cs:fillRef idx="0"/>
+    <cs:effectRef idx="0"/>
+    <cs:fontRef idx="minor">
+      <a:schemeClr val="tx1"/>
+    </cs:fontRef>
+  </cs:plotArea3D>
+  <cs:seriesAxis>
+    <cs:lnRef idx="0"/>
+    <cs:fillRef idx="0"/>
+    <cs:effectRef idx="0"/>
+    <cs:fontRef idx="minor">
+      <a:schemeClr val="tx1">
+        <a:lumMod val="65000"/>
+        <a:lumOff val="35000"/>
+      </a:schemeClr>
+    </cs:fontRef>
+    <cs:defRPr sz="1197" kern="1200"/>
+  </cs:seriesAxis>
+  <cs:seriesLine>
+    <cs:lnRef idx="0"/>
+    <cs:fillRef idx="0"/>
+    <cs:effectRef idx="0"/>
+    <cs:fontRef idx="minor">
+      <a:schemeClr val="tx1"/>
+    </cs:fontRef>
+    <cs:spPr>
+      <a:ln w="9525" cap="flat" cmpd="sng" algn="ctr">
+        <a:solidFill>
+          <a:schemeClr val="tx1">
+            <a:lumMod val="35000"/>
+            <a:lumOff val="65000"/>
+          </a:schemeClr>
+        </a:solidFill>
+        <a:round/>
+      </a:ln>
+    </cs:spPr>
+  </cs:seriesLine>
+  <cs:title>
+    <cs:lnRef idx="0"/>
+    <cs:fillRef idx="0"/>
+    <cs:effectRef idx="0"/>
+    <cs:fontRef idx="minor">
+      <a:schemeClr val="tx1">
+        <a:lumMod val="65000"/>
+        <a:lumOff val="35000"/>
+      </a:schemeClr>
+    </cs:fontRef>
+    <cs:defRPr sz="1862" b="0" kern="1200" spc="0" baseline="0"/>
+  </cs:title>
+  <cs:trendline>
+    <cs:lnRef idx="0">
+      <cs:styleClr val="auto"/>
+    </cs:lnRef>
+    <cs:fillRef idx="0"/>
+    <cs:effectRef idx="0"/>
+    <cs:fontRef idx="minor">
+      <a:schemeClr val="tx1"/>
+    </cs:fontRef>
+    <cs:spPr>
+      <a:ln w="19050" cap="rnd">
+        <a:solidFill>
+          <a:schemeClr val="phClr"/>
+        </a:solidFill>
+        <a:prstDash val="sysDot"/>
+      </a:ln>
+    </cs:spPr>
+  </cs:trendline>
+  <cs:trendlineLabel>
+    <cs:lnRef idx="0"/>
+    <cs:fillRef idx="0"/>
+    <cs:effectRef idx="0"/>
+    <cs:fontRef idx="minor">
+      <a:schemeClr val="tx1">
+        <a:lumMod val="65000"/>
+        <a:lumOff val="35000"/>
+      </a:schemeClr>
+    </cs:fontRef>
+    <cs:defRPr sz="1197" kern="1200"/>
+  </cs:trendlineLabel>
+  <cs:upBar>
+    <cs:lnRef idx="0"/>
+    <cs:fillRef idx="0"/>
+    <cs:effectRef idx="0"/>
+    <cs:fontRef idx="minor">
+      <a:schemeClr val="tx1"/>
+    </cs:fontRef>
+    <cs:spPr>
+      <a:solidFill>
+        <a:schemeClr val="lt1"/>
+      </a:solidFill>
+      <a:ln w="9525" cap="flat" cmpd="sng" algn="ctr">
+        <a:solidFill>
+          <a:schemeClr val="tx1">
+            <a:lumMod val="65000"/>
+            <a:lumOff val="35000"/>
+          </a:schemeClr>
+        </a:solidFill>
+        <a:round/>
+      </a:ln>
+    </cs:spPr>
+  </cs:upBar>
+  <cs:valueAxis>
+    <cs:lnRef idx="0"/>
+    <cs:fillRef idx="0"/>
+    <cs:effectRef idx="0"/>
+    <cs:fontRef idx="minor">
+      <a:schemeClr val="tx1">
+        <a:lumMod val="65000"/>
+        <a:lumOff val="35000"/>
+      </a:schemeClr>
+    </cs:fontRef>
+    <cs:defRPr sz="1197" kern="1200"/>
+  </cs:valueAxis>
+  <cs:wall>
+    <cs:lnRef idx="0"/>
+    <cs:fillRef idx="0"/>
+    <cs:effectRef idx="0"/>
+    <cs:fontRef idx="minor">
+      <a:schemeClr val="tx1"/>
+    </cs:fontRef>
+    <cs:spPr>
+      <a:noFill/>
+      <a:ln>
+        <a:noFill/>
+      </a:ln>
+    </cs:spPr>
+  </cs:wall>
+</cs:chartStyle>
+</file>
+
+<file path=ppt/charts/style2.xml><?xml version="1.0" encoding="utf-8"?>
+<cs:chartStyle xmlns:cs="http://schemas.microsoft.com/office/drawing/2012/chartStyle" xmlns:a="http://schemas.openxmlformats.org/drawingml/2006/main" id="286">
+  <cs:axisTitle>
+    <cs:lnRef idx="0"/>
+    <cs:fillRef idx="0"/>
+    <cs:effectRef idx="0"/>
+    <cs:fontRef idx="minor">
+      <a:schemeClr val="tx1">
+        <a:lumMod val="65000"/>
+        <a:lumOff val="35000"/>
+      </a:schemeClr>
+    </cs:fontRef>
+    <cs:defRPr sz="1330" kern="1200"/>
+  </cs:axisTitle>
+  <cs:categoryAxis>
+    <cs:lnRef idx="0"/>
+    <cs:fillRef idx="0"/>
+    <cs:effectRef idx="0"/>
+    <cs:fontRef idx="minor">
+      <a:schemeClr val="tx1">
+        <a:lumMod val="65000"/>
+        <a:lumOff val="35000"/>
+      </a:schemeClr>
+    </cs:fontRef>
+    <cs:defRPr sz="1197" kern="1200"/>
+  </cs:categoryAxis>
+  <cs:chartArea mods="allowNoFillOverride allowNoLineOverride">
+    <cs:lnRef idx="0"/>
+    <cs:fillRef idx="0"/>
+    <cs:effectRef idx="0"/>
+    <cs:fontRef idx="minor">
+      <a:schemeClr val="tx1"/>
+    </cs:fontRef>
+    <cs:spPr>
+      <a:solidFill>
+        <a:schemeClr val="bg1"/>
+      </a:solidFill>
+      <a:ln w="9525" cap="flat" cmpd="sng" algn="ctr">
+        <a:solidFill>
+          <a:schemeClr val="tx1">
+            <a:lumMod val="15000"/>
+            <a:lumOff val="85000"/>
+          </a:schemeClr>
+        </a:solidFill>
+        <a:round/>
+      </a:ln>
+    </cs:spPr>
+    <cs:defRPr sz="1330" kern="1200"/>
+  </cs:chartArea>
+  <cs:dataLabel>
+    <cs:lnRef idx="0"/>
+    <cs:fillRef idx="0"/>
+    <cs:effectRef idx="0"/>
+    <cs:fontRef idx="minor">
+      <a:schemeClr val="tx1">
+        <a:lumMod val="75000"/>
+        <a:lumOff val="25000"/>
+      </a:schemeClr>
+    </cs:fontRef>
+    <cs:defRPr sz="1197" kern="1200"/>
+  </cs:dataLabel>
+  <cs:dataLabelCallout>
+    <cs:lnRef idx="0"/>
+    <cs:fillRef idx="0"/>
+    <cs:effectRef idx="0"/>
+    <cs:fontRef idx="minor">
+      <a:schemeClr val="dk1">
+        <a:lumMod val="65000"/>
+        <a:lumOff val="35000"/>
+      </a:schemeClr>
+    </cs:fontRef>
+    <cs:spPr>
+      <a:solidFill>
+        <a:schemeClr val="lt1"/>
+      </a:solidFill>
+      <a:ln>
+        <a:solidFill>
+          <a:schemeClr val="dk1">
+            <a:lumMod val="25000"/>
+            <a:lumOff val="75000"/>
+          </a:schemeClr>
+        </a:solidFill>
+      </a:ln>
+    </cs:spPr>
+    <cs:defRPr sz="1197" kern="1200"/>
+    <cs:bodyPr rot="0" spcFirstLastPara="1" vertOverflow="clip" horzOverflow="clip" vert="horz" wrap="square" lIns="36576" tIns="18288" rIns="36576" bIns="18288" anchor="ctr" anchorCtr="1">
+      <a:spAutoFit/>
+    </cs:bodyPr>
+  </cs:dataLabelCallout>
+  <cs:dataPoint>
+    <cs:lnRef idx="0"/>
+    <cs:fillRef idx="1">
+      <cs:styleClr val="auto"/>
+    </cs:fillRef>
+    <cs:effectRef idx="0"/>
+    <cs:fontRef idx="minor">
+      <a:schemeClr val="tx1"/>
+    </cs:fontRef>
+  </cs:dataPoint>
+  <cs:dataPoint3D>
+    <cs:lnRef idx="0"/>
+    <cs:fillRef idx="1">
+      <cs:styleClr val="auto"/>
+    </cs:fillRef>
+    <cs:effectRef idx="0"/>
+    <cs:fontRef idx="minor">
+      <a:schemeClr val="tx1"/>
+    </cs:fontRef>
+  </cs:dataPoint3D>
+  <cs:dataPointLine>
+    <cs:lnRef idx="0">
+      <cs:styleClr val="auto"/>
+    </cs:lnRef>
+    <cs:fillRef idx="1"/>
+    <cs:effectRef idx="0"/>
+    <cs:fontRef idx="minor">
+      <a:schemeClr val="tx1"/>
+    </cs:fontRef>
+    <cs:spPr>
+      <a:ln w="28575" cap="rnd">
+        <a:solidFill>
+          <a:schemeClr val="phClr"/>
+        </a:solidFill>
+        <a:round/>
+      </a:ln>
+    </cs:spPr>
+  </cs:dataPointLine>
+  <cs:dataPointMarker>
+    <cs:lnRef idx="0">
+      <cs:styleClr val="auto"/>
+    </cs:lnRef>
+    <cs:fillRef idx="1">
+      <cs:styleClr val="auto"/>
+    </cs:fillRef>
+    <cs:effectRef idx="0"/>
+    <cs:fontRef idx="minor">
+      <a:schemeClr val="tx1"/>
+    </cs:fontRef>
+    <cs:spPr>
+      <a:ln w="9525">
+        <a:solidFill>
+          <a:schemeClr val="phClr"/>
+        </a:solidFill>
+      </a:ln>
+    </cs:spPr>
+  </cs:dataPointMarker>
+  <cs:dataPointMarkerLayout symbol="circle" size="5"/>
+  <cs:dataPointWireframe>
+    <cs:lnRef idx="0">
+      <cs:styleClr val="auto"/>
+    </cs:lnRef>
+    <cs:fillRef idx="1"/>
+    <cs:effectRef idx="0"/>
+    <cs:fontRef idx="minor">
+      <a:schemeClr val="tx1"/>
+    </cs:fontRef>
+    <cs:spPr>
+      <a:ln w="9525" cap="rnd">
+        <a:solidFill>
+          <a:schemeClr val="phClr"/>
+        </a:solidFill>
+        <a:round/>
+      </a:ln>
+    </cs:spPr>
+  </cs:dataPointWireframe>
+  <cs:dataTable>
+    <cs:lnRef idx="0"/>
+    <cs:fillRef idx="0"/>
+    <cs:effectRef idx="0"/>
+    <cs:fontRef idx="minor">
+      <a:schemeClr val="tx1">
+        <a:lumMod val="65000"/>
+        <a:lumOff val="35000"/>
+      </a:schemeClr>
+    </cs:fontRef>
+    <cs:spPr>
+      <a:noFill/>
+      <a:ln w="9525" cap="flat" cmpd="sng" algn="ctr">
+        <a:solidFill>
+          <a:schemeClr val="tx1">
+            <a:lumMod val="15000"/>
+            <a:lumOff val="85000"/>
+          </a:schemeClr>
+        </a:solidFill>
+        <a:round/>
+      </a:ln>
+    </cs:spPr>
+    <cs:defRPr sz="1197" kern="1200"/>
+  </cs:dataTable>
+  <cs:downBar>
+    <cs:lnRef idx="0"/>
+    <cs:fillRef idx="0"/>
+    <cs:effectRef idx="0"/>
+    <cs:fontRef idx="minor">
+      <a:schemeClr val="tx1"/>
+    </cs:fontRef>
+    <cs:spPr>
+      <a:solidFill>
+        <a:schemeClr val="dk1">
+          <a:lumMod val="75000"/>
+          <a:lumOff val="25000"/>
+        </a:schemeClr>
+      </a:solidFill>
+      <a:ln w="9525" cap="flat" cmpd="sng" algn="ctr">
+        <a:solidFill>
+          <a:schemeClr val="tx1">
+            <a:lumMod val="65000"/>
+            <a:lumOff val="35000"/>
+          </a:schemeClr>
+        </a:solidFill>
+        <a:round/>
+      </a:ln>
+    </cs:spPr>
+  </cs:downBar>
+  <cs:dropLine>
+    <cs:lnRef idx="0"/>
+    <cs:fillRef idx="0"/>
+    <cs:effectRef idx="0"/>
+    <cs:fontRef idx="minor">
+      <a:schemeClr val="tx1"/>
+    </cs:fontRef>
+    <cs:spPr>
+      <a:ln w="9525" cap="flat" cmpd="sng" algn="ctr">
+        <a:solidFill>
+          <a:schemeClr val="tx1">
+            <a:lumMod val="35000"/>
+            <a:lumOff val="65000"/>
+          </a:schemeClr>
+        </a:solidFill>
+        <a:round/>
+      </a:ln>
+    </cs:spPr>
+  </cs:dropLine>
+  <cs:errorBar>
+    <cs:lnRef idx="0"/>
+    <cs:fillRef idx="0"/>
+    <cs:effectRef idx="0"/>
+    <cs:fontRef idx="minor">
+      <a:schemeClr val="tx1"/>
+    </cs:fontRef>
+    <cs:spPr>
+      <a:ln w="9525" cap="flat" cmpd="sng" algn="ctr">
+        <a:solidFill>
+          <a:schemeClr val="tx1">
+            <a:lumMod val="65000"/>
+            <a:lumOff val="35000"/>
+          </a:schemeClr>
+        </a:solidFill>
+        <a:round/>
+      </a:ln>
+    </cs:spPr>
+  </cs:errorBar>
+  <cs:floor>
+    <cs:lnRef idx="0"/>
+    <cs:fillRef idx="0"/>
+    <cs:effectRef idx="0"/>
+    <cs:fontRef idx="minor">
+      <a:schemeClr val="tx1"/>
+    </cs:fontRef>
+    <cs:spPr>
+      <a:noFill/>
+      <a:ln>
+        <a:noFill/>
+      </a:ln>
+    </cs:spPr>
+  </cs:floor>
+  <cs:gridlineMajor>
+    <cs:lnRef idx="0"/>
+    <cs:fillRef idx="0"/>
+    <cs:effectRef idx="0"/>
+    <cs:fontRef idx="minor">
+      <a:schemeClr val="tx1"/>
+    </cs:fontRef>
+    <cs:spPr>
+      <a:ln w="9525" cap="flat" cmpd="sng" algn="ctr">
+        <a:solidFill>
+          <a:schemeClr val="tx1">
+            <a:lumMod val="15000"/>
+            <a:lumOff val="85000"/>
+          </a:schemeClr>
+        </a:solidFill>
+        <a:round/>
+      </a:ln>
+    </cs:spPr>
+  </cs:gridlineMajor>
+  <cs:gridlineMinor>
+    <cs:lnRef idx="0"/>
+    <cs:fillRef idx="0"/>
+    <cs:effectRef idx="0"/>
+    <cs:fontRef idx="minor">
+      <a:schemeClr val="tx1"/>
+    </cs:fontRef>
+    <cs:spPr>
+      <a:ln w="9525" cap="flat" cmpd="sng" algn="ctr">
+        <a:solidFill>
+          <a:schemeClr val="tx1">
+            <a:lumMod val="5000"/>
+            <a:lumOff val="95000"/>
+          </a:schemeClr>
+        </a:solidFill>
+        <a:round/>
+      </a:ln>
+    </cs:spPr>
+  </cs:gridlineMinor>
+  <cs:hiLoLine>
+    <cs:lnRef idx="0"/>
+    <cs:fillRef idx="0"/>
+    <cs:effectRef idx="0"/>
+    <cs:fontRef idx="minor">
+      <a:schemeClr val="tx1"/>
+    </cs:fontRef>
+    <cs:spPr>
+      <a:ln w="9525" cap="flat" cmpd="sng" algn="ctr">
+        <a:solidFill>
+          <a:schemeClr val="tx1">
+            <a:lumMod val="50000"/>
+            <a:lumOff val="50000"/>
+          </a:schemeClr>
+        </a:solidFill>
+        <a:round/>
+      </a:ln>
+    </cs:spPr>
+  </cs:hiLoLine>
+  <cs:leaderLine>
+    <cs:lnRef idx="0"/>
+    <cs:fillRef idx="0"/>
+    <cs:effectRef idx="0"/>
+    <cs:fontRef idx="minor">
+      <a:schemeClr val="tx1"/>
+    </cs:fontRef>
+    <cs:spPr>
+      <a:ln w="9525" cap="flat" cmpd="sng" algn="ctr">
+        <a:solidFill>
+          <a:schemeClr val="tx1">
+            <a:lumMod val="35000"/>
+            <a:lumOff val="65000"/>
+          </a:schemeClr>
+        </a:solidFill>
+        <a:round/>
+      </a:ln>
+    </cs:spPr>
+  </cs:leaderLine>
+  <cs:legend>
+    <cs:lnRef idx="0"/>
+    <cs:fillRef idx="0"/>
+    <cs:effectRef idx="0"/>
+    <cs:fontRef idx="minor">
+      <a:schemeClr val="tx1">
+        <a:lumMod val="65000"/>
+        <a:lumOff val="35000"/>
+      </a:schemeClr>
+    </cs:fontRef>
+    <cs:defRPr sz="1197" kern="1200"/>
+  </cs:legend>
+  <cs:plotArea mods="allowNoFillOverride allowNoLineOverride">
+    <cs:lnRef idx="0"/>
+    <cs:fillRef idx="0"/>
+    <cs:effectRef idx="0"/>
+    <cs:fontRef idx="minor">
+      <a:schemeClr val="tx1"/>
+    </cs:fontRef>
+  </cs:plotArea>
+  <cs:plotArea3D mods="allowNoFillOverride allowNoLineOverride">
+    <cs:lnRef idx="0"/>
+    <cs:fillRef idx="0"/>
+    <cs:effectRef idx="0"/>
+    <cs:fontRef idx="minor">
+      <a:schemeClr val="tx1"/>
+    </cs:fontRef>
+  </cs:plotArea3D>
+  <cs:seriesAxis>
+    <cs:lnRef idx="0"/>
+    <cs:fillRef idx="0"/>
+    <cs:effectRef idx="0"/>
+    <cs:fontRef idx="minor">
+      <a:schemeClr val="tx1">
+        <a:lumMod val="65000"/>
+        <a:lumOff val="35000"/>
+      </a:schemeClr>
+    </cs:fontRef>
+    <cs:defRPr sz="1197" kern="1200"/>
+  </cs:seriesAxis>
+  <cs:seriesLine>
+    <cs:lnRef idx="0"/>
+    <cs:fillRef idx="0"/>
+    <cs:effectRef idx="0"/>
+    <cs:fontRef idx="minor">
+      <a:schemeClr val="tx1"/>
+    </cs:fontRef>
+    <cs:spPr>
+      <a:ln w="9525" cap="flat" cmpd="sng" algn="ctr">
+        <a:solidFill>
+          <a:schemeClr val="tx1">
+            <a:lumMod val="35000"/>
+            <a:lumOff val="65000"/>
+          </a:schemeClr>
+        </a:solidFill>
+        <a:round/>
+      </a:ln>
+    </cs:spPr>
+  </cs:seriesLine>
+  <cs:title>
+    <cs:lnRef idx="0"/>
+    <cs:fillRef idx="0"/>
+    <cs:effectRef idx="0"/>
+    <cs:fontRef idx="minor">
+      <a:schemeClr val="tx1">
+        <a:lumMod val="65000"/>
+        <a:lumOff val="35000"/>
+      </a:schemeClr>
+    </cs:fontRef>
+    <cs:defRPr sz="1862" b="0" kern="1200" spc="0" baseline="0"/>
+  </cs:title>
+  <cs:trendline>
+    <cs:lnRef idx="0">
+      <cs:styleClr val="auto"/>
+    </cs:lnRef>
+    <cs:fillRef idx="0"/>
+    <cs:effectRef idx="0"/>
+    <cs:fontRef idx="minor">
+      <a:schemeClr val="tx1"/>
+    </cs:fontRef>
+    <cs:spPr>
+      <a:ln w="19050" cap="rnd">
+        <a:solidFill>
+          <a:schemeClr val="phClr"/>
+        </a:solidFill>
+        <a:prstDash val="sysDot"/>
+      </a:ln>
+    </cs:spPr>
+  </cs:trendline>
+  <cs:trendlineLabel>
+    <cs:lnRef idx="0"/>
+    <cs:fillRef idx="0"/>
+    <cs:effectRef idx="0"/>
+    <cs:fontRef idx="minor">
+      <a:schemeClr val="tx1">
+        <a:lumMod val="65000"/>
+        <a:lumOff val="35000"/>
+      </a:schemeClr>
+    </cs:fontRef>
+    <cs:defRPr sz="1197" kern="1200"/>
+  </cs:trendlineLabel>
+  <cs:upBar>
+    <cs:lnRef idx="0"/>
+    <cs:fillRef idx="0"/>
+    <cs:effectRef idx="0"/>
+    <cs:fontRef idx="minor">
+      <a:schemeClr val="tx1"/>
+    </cs:fontRef>
+    <cs:spPr>
+      <a:solidFill>
+        <a:schemeClr val="lt1"/>
+      </a:solidFill>
+      <a:ln w="9525" cap="flat" cmpd="sng" algn="ctr">
+        <a:solidFill>
+          <a:schemeClr val="tx1">
+            <a:lumMod val="65000"/>
+            <a:lumOff val="35000"/>
+          </a:schemeClr>
+        </a:solidFill>
+        <a:round/>
+      </a:ln>
+    </cs:spPr>
+  </cs:upBar>
+  <cs:valueAxis>
+    <cs:lnRef idx="0"/>
+    <cs:fillRef idx="0"/>
+    <cs:effectRef idx="0"/>
+    <cs:fontRef idx="minor">
+      <a:schemeClr val="tx1">
+        <a:lumMod val="65000"/>
+        <a:lumOff val="35000"/>
+      </a:schemeClr>
+    </cs:fontRef>
+    <cs:defRPr sz="1197" kern="1200"/>
+  </cs:valueAxis>
+  <cs:wall>
+    <cs:lnRef idx="0"/>
+    <cs:fillRef idx="0"/>
+    <cs:effectRef idx="0"/>
+    <cs:fontRef idx="minor">
+      <a:schemeClr val="tx1"/>
+    </cs:fontRef>
+    <cs:spPr>
+      <a:noFill/>
+      <a:ln>
+        <a:noFill/>
+      </a:ln>
+    </cs:spPr>
+  </cs:wall>
+</cs:chartStyle>
+</file>
+
+<file path=ppt/charts/style3.xml><?xml version="1.0" encoding="utf-8"?>
+<cs:chartStyle xmlns:cs="http://schemas.microsoft.com/office/drawing/2012/chartStyle" xmlns:a="http://schemas.openxmlformats.org/drawingml/2006/main" id="201">
+  <cs:axisTitle>
+    <cs:lnRef idx="0"/>
+    <cs:fillRef idx="0"/>
+    <cs:effectRef idx="0"/>
+    <cs:fontRef idx="minor">
+      <a:schemeClr val="tx1">
+        <a:lumMod val="65000"/>
+        <a:lumOff val="35000"/>
+      </a:schemeClr>
+    </cs:fontRef>
+    <cs:defRPr sz="1000" kern="1200"/>
+  </cs:axisTitle>
+  <cs:categoryAxis>
+    <cs:lnRef idx="0"/>
+    <cs:fillRef idx="0"/>
+    <cs:effectRef idx="0"/>
+    <cs:fontRef idx="minor">
+      <a:schemeClr val="tx1">
+        <a:lumMod val="65000"/>
+        <a:lumOff val="35000"/>
+      </a:schemeClr>
+    </cs:fontRef>
+    <cs:spPr>
+      <a:ln w="9525" cap="flat" cmpd="sng" algn="ctr">
+        <a:solidFill>
+          <a:schemeClr val="tx1">
+            <a:lumMod val="15000"/>
+            <a:lumOff val="85000"/>
+          </a:schemeClr>
+        </a:solidFill>
+        <a:round/>
+      </a:ln>
+    </cs:spPr>
+    <cs:defRPr sz="900" kern="1200"/>
+  </cs:categoryAxis>
+  <cs:chartArea mods="allowNoFillOverride allowNoLineOverride">
+    <cs:lnRef idx="0"/>
+    <cs:fillRef idx="0"/>
+    <cs:effectRef idx="0"/>
+    <cs:fontRef idx="minor">
+      <a:schemeClr val="tx1"/>
+    </cs:fontRef>
+    <cs:spPr>
+      <a:solidFill>
+        <a:schemeClr val="bg1"/>
+      </a:solidFill>
+      <a:ln w="9525" cap="flat" cmpd="sng" algn="ctr">
+        <a:solidFill>
+          <a:schemeClr val="tx1">
+            <a:lumMod val="15000"/>
+            <a:lumOff val="85000"/>
+          </a:schemeClr>
+        </a:solidFill>
+        <a:round/>
+      </a:ln>
+    </cs:spPr>
+    <cs:defRPr sz="1000" kern="1200"/>
+  </cs:chartArea>
+  <cs:dataLabel>
+    <cs:lnRef idx="0"/>
+    <cs:fillRef idx="0"/>
+    <cs:effectRef idx="0"/>
+    <cs:fontRef idx="minor">
+      <a:schemeClr val="tx1">
+        <a:lumMod val="75000"/>
+        <a:lumOff val="25000"/>
+      </a:schemeClr>
+    </cs:fontRef>
+    <cs:defRPr sz="900" kern="1200"/>
+  </cs:dataLabel>
+  <cs:dataLabelCallout>
+    <cs:lnRef idx="0"/>
+    <cs:fillRef idx="0"/>
+    <cs:effectRef idx="0"/>
+    <cs:fontRef idx="minor">
+      <a:schemeClr val="dk1">
+        <a:lumMod val="65000"/>
+        <a:lumOff val="35000"/>
+      </a:schemeClr>
+    </cs:fontRef>
+    <cs:spPr>
+      <a:solidFill>
+        <a:schemeClr val="lt1"/>
+      </a:solidFill>
+      <a:ln>
+        <a:solidFill>
+          <a:schemeClr val="dk1">
+            <a:lumMod val="25000"/>
+            <a:lumOff val="75000"/>
+          </a:schemeClr>
+        </a:solidFill>
+      </a:ln>
+    </cs:spPr>
+    <cs:defRPr sz="900" kern="1200"/>
+    <cs:bodyPr rot="0" spcFirstLastPara="1" vertOverflow="clip" horzOverflow="clip" vert="horz" wrap="square" lIns="36576" tIns="18288" rIns="36576" bIns="18288" anchor="ctr" anchorCtr="1">
+      <a:spAutoFit/>
+    </cs:bodyPr>
+  </cs:dataLabelCallout>
+  <cs:dataPoint>
+    <cs:lnRef idx="0"/>
+    <cs:fillRef idx="1">
+      <cs:styleClr val="auto"/>
+    </cs:fillRef>
+    <cs:effectRef idx="0"/>
+    <cs:fontRef idx="minor">
+      <a:schemeClr val="tx1"/>
+    </cs:fontRef>
+  </cs:dataPoint>
+  <cs:dataPoint3D>
+    <cs:lnRef idx="0"/>
+    <cs:fillRef idx="1">
+      <cs:styleClr val="auto"/>
+    </cs:fillRef>
+    <cs:effectRef idx="0"/>
+    <cs:fontRef idx="minor">
+      <a:schemeClr val="tx1"/>
+    </cs:fontRef>
+  </cs:dataPoint3D>
+  <cs:dataPointLine>
+    <cs:lnRef idx="0">
+      <cs:styleClr val="auto"/>
+    </cs:lnRef>
+    <cs:fillRef idx="1"/>
+    <cs:effectRef idx="0"/>
+    <cs:fontRef idx="minor">
+      <a:schemeClr val="tx1"/>
+    </cs:fontRef>
+    <cs:spPr>
+      <a:ln w="28575" cap="rnd">
+        <a:solidFill>
+          <a:schemeClr val="phClr"/>
+        </a:solidFill>
+        <a:round/>
+      </a:ln>
+    </cs:spPr>
+  </cs:dataPointLine>
+  <cs:dataPointMarker>
+    <cs:lnRef idx="0">
+      <cs:styleClr val="auto"/>
+    </cs:lnRef>
+    <cs:fillRef idx="1">
+      <cs:styleClr val="auto"/>
+    </cs:fillRef>
+    <cs:effectRef idx="0"/>
+    <cs:fontRef idx="minor">
+      <a:schemeClr val="tx1"/>
+    </cs:fontRef>
+    <cs:spPr>
+      <a:ln w="9525">
+        <a:solidFill>
+          <a:schemeClr val="phClr"/>
+        </a:solidFill>
+      </a:ln>
+    </cs:spPr>
+  </cs:dataPointMarker>
+  <cs:dataPointMarkerLayout symbol="circle" size="5"/>
+  <cs:dataPointWireframe>
+    <cs:lnRef idx="0">
+      <cs:styleClr val="auto"/>
+    </cs:lnRef>
+    <cs:fillRef idx="1"/>
+    <cs:effectRef idx="0"/>
+    <cs:fontRef idx="minor">
+      <a:schemeClr val="tx1"/>
+    </cs:fontRef>
+    <cs:spPr>
+      <a:ln w="9525" cap="rnd">
+        <a:solidFill>
+          <a:schemeClr val="phClr"/>
+        </a:solidFill>
+        <a:round/>
+      </a:ln>
+    </cs:spPr>
+  </cs:dataPointWireframe>
+  <cs:dataTable>
+    <cs:lnRef idx="0"/>
+    <cs:fillRef idx="0"/>
+    <cs:effectRef idx="0"/>
+    <cs:fontRef idx="minor">
+      <a:schemeClr val="tx1">
+        <a:lumMod val="65000"/>
+        <a:lumOff val="35000"/>
+      </a:schemeClr>
+    </cs:fontRef>
+    <cs:spPr>
+      <a:noFill/>
+      <a:ln w="9525" cap="flat" cmpd="sng" algn="ctr">
+        <a:solidFill>
+          <a:schemeClr val="tx1">
+            <a:lumMod val="15000"/>
+            <a:lumOff val="85000"/>
+          </a:schemeClr>
+        </a:solidFill>
+        <a:round/>
+      </a:ln>
+    </cs:spPr>
+    <cs:defRPr sz="900" kern="1200"/>
+  </cs:dataTable>
+  <cs:downBar>
+    <cs:lnRef idx="0"/>
+    <cs:fillRef idx="0"/>
+    <cs:effectRef idx="0"/>
+    <cs:fontRef idx="minor">
+      <a:schemeClr val="dk1"/>
+    </cs:fontRef>
+    <cs:spPr>
+      <a:solidFill>
+        <a:schemeClr val="dk1">
+          <a:lumMod val="65000"/>
+          <a:lumOff val="35000"/>
+        </a:schemeClr>
+      </a:solidFill>
+      <a:ln w="9525">
+        <a:solidFill>
+          <a:schemeClr val="tx1">
+            <a:lumMod val="65000"/>
+            <a:lumOff val="35000"/>
+          </a:schemeClr>
+        </a:solidFill>
+      </a:ln>
+    </cs:spPr>
+  </cs:downBar>
+  <cs:dropLine>
+    <cs:lnRef idx="0"/>
+    <cs:fillRef idx="0"/>
+    <cs:effectRef idx="0"/>
+    <cs:fontRef idx="minor">
+      <a:schemeClr val="tx1"/>
+    </cs:fontRef>
+    <cs:spPr>
+      <a:ln w="9525" cap="flat" cmpd="sng" algn="ctr">
+        <a:solidFill>
+          <a:schemeClr val="tx1">
+            <a:lumMod val="35000"/>
+            <a:lumOff val="65000"/>
+          </a:schemeClr>
+        </a:solidFill>
+        <a:round/>
+      </a:ln>
+    </cs:spPr>
+  </cs:dropLine>
+  <cs:errorBar>
+    <cs:lnRef idx="0"/>
+    <cs:fillRef idx="0"/>
+    <cs:effectRef idx="0"/>
+    <cs:fontRef idx="minor">
+      <a:schemeClr val="tx1"/>
+    </cs:fontRef>
+    <cs:spPr>
+      <a:ln w="9525" cap="flat" cmpd="sng" algn="ctr">
+        <a:solidFill>
+          <a:schemeClr val="tx1">
+            <a:lumMod val="65000"/>
+            <a:lumOff val="35000"/>
+          </a:schemeClr>
+        </a:solidFill>
+        <a:round/>
+      </a:ln>
+    </cs:spPr>
+  </cs:errorBar>
+  <cs:floor>
+    <cs:lnRef idx="0"/>
+    <cs:fillRef idx="0"/>
+    <cs:effectRef idx="0"/>
+    <cs:fontRef idx="minor">
+      <a:schemeClr val="tx1"/>
+    </cs:fontRef>
+    <cs:spPr>
+      <a:noFill/>
+      <a:ln>
+        <a:noFill/>
+      </a:ln>
+    </cs:spPr>
+  </cs:floor>
+  <cs:gridlineMajor>
+    <cs:lnRef idx="0"/>
+    <cs:fillRef idx="0"/>
+    <cs:effectRef idx="0"/>
+    <cs:fontRef idx="minor">
+      <a:schemeClr val="tx1"/>
+    </cs:fontRef>
+    <cs:spPr>
+      <a:ln w="9525" cap="flat" cmpd="sng" algn="ctr">
+        <a:solidFill>
+          <a:schemeClr val="tx1">
+            <a:lumMod val="15000"/>
+            <a:lumOff val="85000"/>
+          </a:schemeClr>
+        </a:solidFill>
+        <a:round/>
+      </a:ln>
+    </cs:spPr>
+  </cs:gridlineMajor>
+  <cs:gridlineMinor>
+    <cs:lnRef idx="0"/>
+    <cs:fillRef idx="0"/>
+    <cs:effectRef idx="0"/>
+    <cs:fontRef idx="minor">
+      <a:schemeClr val="tx1"/>
+    </cs:fontRef>
+    <cs:spPr>
+      <a:ln w="9525" cap="flat" cmpd="sng" algn="ctr">
+        <a:solidFill>
+          <a:schemeClr val="tx1">
+            <a:lumMod val="5000"/>
+            <a:lumOff val="95000"/>
+          </a:schemeClr>
+        </a:solidFill>
+        <a:round/>
+      </a:ln>
+    </cs:spPr>
+  </cs:gridlineMinor>
+  <cs:hiLoLine>
+    <cs:lnRef idx="0"/>
+    <cs:fillRef idx="0"/>
+    <cs:effectRef idx="0"/>
+    <cs:fontRef idx="minor">
+      <a:schemeClr val="tx1"/>
+    </cs:fontRef>
+    <cs:spPr>
+      <a:ln w="9525" cap="flat" cmpd="sng" algn="ctr">
+        <a:solidFill>
+          <a:schemeClr val="tx1">
+            <a:lumMod val="75000"/>
+            <a:lumOff val="25000"/>
+          </a:schemeClr>
+        </a:solidFill>
+        <a:round/>
+      </a:ln>
+    </cs:spPr>
+  </cs:hiLoLine>
+  <cs:leaderLine>
+    <cs:lnRef idx="0"/>
+    <cs:fillRef idx="0"/>
+    <cs:effectRef idx="0"/>
+    <cs:fontRef idx="minor">
+      <a:schemeClr val="tx1"/>
+    </cs:fontRef>
+    <cs:spPr>
+      <a:ln w="9525" cap="flat" cmpd="sng" algn="ctr">
+        <a:solidFill>
+          <a:schemeClr val="tx1">
+            <a:lumMod val="35000"/>
+            <a:lumOff val="65000"/>
+          </a:schemeClr>
+        </a:solidFill>
+        <a:round/>
+      </a:ln>
+    </cs:spPr>
+  </cs:leaderLine>
+  <cs:legend>
+    <cs:lnRef idx="0"/>
+    <cs:fillRef idx="0"/>
+    <cs:effectRef idx="0"/>
+    <cs:fontRef idx="minor">
+      <a:schemeClr val="tx1">
+        <a:lumMod val="65000"/>
+        <a:lumOff val="35000"/>
+      </a:schemeClr>
+    </cs:fontRef>
+    <cs:defRPr sz="900" kern="1200"/>
+  </cs:legend>
+  <cs:plotArea mods="allowNoFillOverride allowNoLineOverride">
+    <cs:lnRef idx="0"/>
+    <cs:fillRef idx="0"/>
+    <cs:effectRef idx="0"/>
+    <cs:fontRef idx="minor">
+      <a:schemeClr val="tx1"/>
+    </cs:fontRef>
+  </cs:plotArea>
+  <cs:plotArea3D mods="allowNoFillOverride allowNoLineOverride">
+    <cs:lnRef idx="0"/>
+    <cs:fillRef idx="0"/>
+    <cs:effectRef idx="0"/>
+    <cs:fontRef idx="minor">
+      <a:schemeClr val="tx1"/>
+    </cs:fontRef>
+  </cs:plotArea3D>
+  <cs:seriesAxis>
+    <cs:lnRef idx="0"/>
+    <cs:fillRef idx="0"/>
+    <cs:effectRef idx="0"/>
+    <cs:fontRef idx="minor">
+      <a:schemeClr val="tx1">
+        <a:lumMod val="65000"/>
+        <a:lumOff val="35000"/>
+      </a:schemeClr>
+    </cs:fontRef>
+    <cs:defRPr sz="900" kern="1200"/>
+  </cs:seriesAxis>
+  <cs:seriesLine>
+    <cs:lnRef idx="0"/>
+    <cs:fillRef idx="0"/>
+    <cs:effectRef idx="0"/>
+    <cs:fontRef idx="minor">
+      <a:schemeClr val="tx1"/>
+    </cs:fontRef>
+    <cs:spPr>
+      <a:ln w="9525" cap="flat" cmpd="sng" algn="ctr">
+        <a:solidFill>
+          <a:schemeClr val="tx1">
+            <a:lumMod val="35000"/>
+            <a:lumOff val="65000"/>
+          </a:schemeClr>
+        </a:solidFill>
+        <a:round/>
+      </a:ln>
+    </cs:spPr>
+  </cs:seriesLine>
+  <cs:title>
+    <cs:lnRef idx="0"/>
+    <cs:fillRef idx="0"/>
+    <cs:effectRef idx="0"/>
+    <cs:fontRef idx="minor">
+      <a:schemeClr val="tx1">
+        <a:lumMod val="65000"/>
+        <a:lumOff val="35000"/>
+      </a:schemeClr>
+    </cs:fontRef>
+    <cs:defRPr sz="1400" b="0" kern="1200" spc="0" baseline="0"/>
+  </cs:title>
+  <cs:trendline>
+    <cs:lnRef idx="0">
+      <cs:styleClr val="auto"/>
+    </cs:lnRef>
+    <cs:fillRef idx="0"/>
+    <cs:effectRef idx="0"/>
+    <cs:fontRef idx="minor">
+      <a:schemeClr val="tx1"/>
+    </cs:fontRef>
+    <cs:spPr>
+      <a:ln w="19050" cap="rnd">
+        <a:solidFill>
+          <a:schemeClr val="phClr"/>
+        </a:solidFill>
+        <a:prstDash val="sysDot"/>
+      </a:ln>
+    </cs:spPr>
+  </cs:trendline>
+  <cs:trendlineLabel>
+    <cs:lnRef idx="0"/>
+    <cs:fillRef idx="0"/>
+    <cs:effectRef idx="0"/>
+    <cs:fontRef idx="minor">
+      <a:schemeClr val="tx1">
+        <a:lumMod val="65000"/>
+        <a:lumOff val="35000"/>
+      </a:schemeClr>
+    </cs:fontRef>
+    <cs:defRPr sz="900" kern="1200"/>
+  </cs:trendlineLabel>
+  <cs:upBar>
+    <cs:lnRef idx="0"/>
+    <cs:fillRef idx="0"/>
+    <cs:effectRef idx="0"/>
+    <cs:fontRef idx="minor">
+      <a:schemeClr val="dk1"/>
+    </cs:fontRef>
+    <cs:spPr>
+      <a:solidFill>
+        <a:schemeClr val="lt1"/>
+      </a:solidFill>
+      <a:ln w="9525">
+        <a:solidFill>
+          <a:schemeClr val="tx1">
+            <a:lumMod val="15000"/>
+            <a:lumOff val="85000"/>
+          </a:schemeClr>
+        </a:solidFill>
+      </a:ln>
+    </cs:spPr>
+  </cs:upBar>
+  <cs:valueAxis>
+    <cs:lnRef idx="0"/>
+    <cs:fillRef idx="0"/>
+    <cs:effectRef idx="0"/>
+    <cs:fontRef idx="minor">
+      <a:schemeClr val="tx1">
+        <a:lumMod val="65000"/>
+        <a:lumOff val="35000"/>
+      </a:schemeClr>
+    </cs:fontRef>
+    <cs:defRPr sz="900" kern="1200"/>
+  </cs:valueAxis>
+  <cs:wall>
+    <cs:lnRef idx="0"/>
+    <cs:fillRef idx="0"/>
+    <cs:effectRef idx="0"/>
+    <cs:fontRef idx="minor">
+      <a:schemeClr val="tx1"/>
+    </cs:fontRef>
+    <cs:spPr>
+      <a:noFill/>
+      <a:ln>
+        <a:noFill/>
+      </a:ln>
+    </cs:spPr>
+  </cs:wall>
+</cs:chartStyle>
+</file>
+
+<file path=ppt/charts/style4.xml><?xml version="1.0" encoding="utf-8"?>
+<cs:chartStyle xmlns:cs="http://schemas.microsoft.com/office/drawing/2012/chartStyle" xmlns:a="http://schemas.openxmlformats.org/drawingml/2006/main" id="286">
+  <cs:axisTitle>
+    <cs:lnRef idx="0"/>
+    <cs:fillRef idx="0"/>
+    <cs:effectRef idx="0"/>
+    <cs:fontRef idx="minor">
+      <a:schemeClr val="tx1">
+        <a:lumMod val="65000"/>
+        <a:lumOff val="35000"/>
+      </a:schemeClr>
+    </cs:fontRef>
+    <cs:defRPr sz="1000" kern="1200"/>
+  </cs:axisTitle>
+  <cs:categoryAxis>
+    <cs:lnRef idx="0"/>
+    <cs:fillRef idx="0"/>
+    <cs:effectRef idx="0"/>
+    <cs:fontRef idx="minor">
+      <a:schemeClr val="tx1">
+        <a:lumMod val="65000"/>
+        <a:lumOff val="35000"/>
+      </a:schemeClr>
+    </cs:fontRef>
+    <cs:defRPr sz="900" kern="1200"/>
+  </cs:categoryAxis>
+  <cs:chartArea mods="allowNoFillOverride allowNoLineOverride">
+    <cs:lnRef idx="0"/>
+    <cs:fillRef idx="0"/>
+    <cs:effectRef idx="0"/>
+    <cs:fontRef idx="minor">
+      <a:schemeClr val="tx1"/>
+    </cs:fontRef>
+    <cs:spPr>
+      <a:solidFill>
+        <a:schemeClr val="bg1"/>
+      </a:solidFill>
+      <a:ln w="9525" cap="flat" cmpd="sng" algn="ctr">
+        <a:solidFill>
+          <a:schemeClr val="tx1">
+            <a:lumMod val="15000"/>
+            <a:lumOff val="85000"/>
+          </a:schemeClr>
+        </a:solidFill>
+        <a:round/>
+      </a:ln>
+    </cs:spPr>
+    <cs:defRPr sz="1000" kern="1200"/>
+  </cs:chartArea>
+  <cs:dataLabel>
+    <cs:lnRef idx="0"/>
+    <cs:fillRef idx="0"/>
+    <cs:effectRef idx="0"/>
+    <cs:fontRef idx="minor">
+      <a:schemeClr val="tx1">
+        <a:lumMod val="75000"/>
+        <a:lumOff val="25000"/>
+      </a:schemeClr>
+    </cs:fontRef>
+    <cs:defRPr sz="900" kern="1200"/>
+  </cs:dataLabel>
+  <cs:dataLabelCallout>
+    <cs:lnRef idx="0"/>
+    <cs:fillRef idx="0"/>
+    <cs:effectRef idx="0"/>
+    <cs:fontRef idx="minor">
+      <a:schemeClr val="dk1">
+        <a:lumMod val="65000"/>
+        <a:lumOff val="35000"/>
+      </a:schemeClr>
+    </cs:fontRef>
+    <cs:spPr>
+      <a:solidFill>
+        <a:schemeClr val="lt1"/>
+      </a:solidFill>
+      <a:ln>
+        <a:solidFill>
+          <a:schemeClr val="dk1">
+            <a:lumMod val="25000"/>
+            <a:lumOff val="75000"/>
+          </a:schemeClr>
+        </a:solidFill>
+      </a:ln>
+    </cs:spPr>
+    <cs:defRPr sz="900" kern="1200"/>
+    <cs:bodyPr rot="0" spcFirstLastPara="1" vertOverflow="clip" horzOverflow="clip" vert="horz" wrap="square" lIns="36576" tIns="18288" rIns="36576" bIns="18288" anchor="ctr" anchorCtr="1">
+      <a:spAutoFit/>
+    </cs:bodyPr>
+  </cs:dataLabelCallout>
+  <cs:dataPoint>
+    <cs:lnRef idx="0"/>
+    <cs:fillRef idx="1">
+      <cs:styleClr val="auto"/>
+    </cs:fillRef>
+    <cs:effectRef idx="0"/>
+    <cs:fontRef idx="minor">
+      <a:schemeClr val="tx1"/>
+    </cs:fontRef>
+  </cs:dataPoint>
+  <cs:dataPoint3D>
+    <cs:lnRef idx="0"/>
+    <cs:fillRef idx="1">
+      <cs:styleClr val="auto"/>
+    </cs:fillRef>
+    <cs:effectRef idx="0"/>
+    <cs:fontRef idx="minor">
+      <a:schemeClr val="tx1"/>
+    </cs:fontRef>
+  </cs:dataPoint3D>
+  <cs:dataPointLine>
+    <cs:lnRef idx="0">
+      <cs:styleClr val="auto"/>
+    </cs:lnRef>
+    <cs:fillRef idx="1"/>
+    <cs:effectRef idx="0"/>
+    <cs:fontRef idx="minor">
+      <a:schemeClr val="tx1"/>
+    </cs:fontRef>
+    <cs:spPr>
+      <a:ln w="28575" cap="rnd">
+        <a:solidFill>
+          <a:schemeClr val="phClr"/>
+        </a:solidFill>
+        <a:round/>
+      </a:ln>
+    </cs:spPr>
+  </cs:dataPointLine>
+  <cs:dataPointMarker>
+    <cs:lnRef idx="0">
+      <cs:styleClr val="auto"/>
+    </cs:lnRef>
+    <cs:fillRef idx="1">
+      <cs:styleClr val="auto"/>
+    </cs:fillRef>
+    <cs:effectRef idx="0"/>
+    <cs:fontRef idx="minor">
+      <a:schemeClr val="tx1"/>
+    </cs:fontRef>
+    <cs:spPr>
+      <a:ln w="9525">
+        <a:solidFill>
+          <a:schemeClr val="phClr"/>
+        </a:solidFill>
+      </a:ln>
+    </cs:spPr>
+  </cs:dataPointMarker>
+  <cs:dataPointMarkerLayout symbol="circle" size="5"/>
+  <cs:dataPointWireframe>
+    <cs:lnRef idx="0">
+      <cs:styleClr val="auto"/>
+    </cs:lnRef>
+    <cs:fillRef idx="1"/>
+    <cs:effectRef idx="0"/>
+    <cs:fontRef idx="minor">
+      <a:schemeClr val="tx1"/>
+    </cs:fontRef>
+    <cs:spPr>
+      <a:ln w="9525" cap="rnd">
+        <a:solidFill>
+          <a:schemeClr val="phClr"/>
+        </a:solidFill>
+        <a:round/>
+      </a:ln>
+    </cs:spPr>
+  </cs:dataPointWireframe>
+  <cs:dataTable>
+    <cs:lnRef idx="0"/>
+    <cs:fillRef idx="0"/>
+    <cs:effectRef idx="0"/>
+    <cs:fontRef idx="minor">
+      <a:schemeClr val="tx1">
+        <a:lumMod val="65000"/>
+        <a:lumOff val="35000"/>
+      </a:schemeClr>
+    </cs:fontRef>
+    <cs:spPr>
+      <a:noFill/>
+      <a:ln w="9525" cap="flat" cmpd="sng" algn="ctr">
+        <a:solidFill>
+          <a:schemeClr val="tx1">
+            <a:lumMod val="15000"/>
+            <a:lumOff val="85000"/>
+          </a:schemeClr>
+        </a:solidFill>
+        <a:round/>
+      </a:ln>
+    </cs:spPr>
+    <cs:defRPr sz="900" kern="1200"/>
+  </cs:dataTable>
+  <cs:downBar>
+    <cs:lnRef idx="0"/>
+    <cs:fillRef idx="0"/>
+    <cs:effectRef idx="0"/>
+    <cs:fontRef idx="minor">
+      <a:schemeClr val="tx1"/>
+    </cs:fontRef>
+    <cs:spPr>
+      <a:solidFill>
+        <a:schemeClr val="dk1">
+          <a:lumMod val="75000"/>
+          <a:lumOff val="25000"/>
+        </a:schemeClr>
+      </a:solidFill>
+      <a:ln w="9525" cap="flat" cmpd="sng" algn="ctr">
+        <a:solidFill>
+          <a:schemeClr val="tx1">
+            <a:lumMod val="65000"/>
+            <a:lumOff val="35000"/>
+          </a:schemeClr>
+        </a:solidFill>
+        <a:round/>
+      </a:ln>
+    </cs:spPr>
+  </cs:downBar>
+  <cs:dropLine>
+    <cs:lnRef idx="0"/>
+    <cs:fillRef idx="0"/>
+    <cs:effectRef idx="0"/>
+    <cs:fontRef idx="minor">
+      <a:schemeClr val="tx1"/>
+    </cs:fontRef>
+    <cs:spPr>
+      <a:ln w="9525" cap="flat" cmpd="sng" algn="ctr">
+        <a:solidFill>
+          <a:schemeClr val="tx1">
+            <a:lumMod val="35000"/>
+            <a:lumOff val="65000"/>
+          </a:schemeClr>
+        </a:solidFill>
+        <a:round/>
+      </a:ln>
+    </cs:spPr>
+  </cs:dropLine>
+  <cs:errorBar>
+    <cs:lnRef idx="0"/>
+    <cs:fillRef idx="0"/>
+    <cs:effectRef idx="0"/>
+    <cs:fontRef idx="minor">
+      <a:schemeClr val="tx1"/>
+    </cs:fontRef>
+    <cs:spPr>
+      <a:ln w="9525" cap="flat" cmpd="sng" algn="ctr">
+        <a:solidFill>
+          <a:schemeClr val="tx1">
+            <a:lumMod val="65000"/>
+            <a:lumOff val="35000"/>
+          </a:schemeClr>
+        </a:solidFill>
+        <a:round/>
+      </a:ln>
+    </cs:spPr>
+  </cs:errorBar>
+  <cs:floor>
+    <cs:lnRef idx="0"/>
+    <cs:fillRef idx="0"/>
+    <cs:effectRef idx="0"/>
+    <cs:fontRef idx="minor">
+      <a:schemeClr val="tx1"/>
+    </cs:fontRef>
+    <cs:spPr>
+      <a:noFill/>
+      <a:ln>
+        <a:noFill/>
+      </a:ln>
+    </cs:spPr>
+  </cs:floor>
+  <cs:gridlineMajor>
+    <cs:lnRef idx="0"/>
+    <cs:fillRef idx="0"/>
+    <cs:effectRef idx="0"/>
+    <cs:fontRef idx="minor">
+      <a:schemeClr val="tx1"/>
+    </cs:fontRef>
+    <cs:spPr>
+      <a:ln w="9525" cap="flat" cmpd="sng" algn="ctr">
+        <a:solidFill>
+          <a:schemeClr val="tx1">
+            <a:lumMod val="15000"/>
+            <a:lumOff val="85000"/>
+          </a:schemeClr>
+        </a:solidFill>
+        <a:round/>
+      </a:ln>
+    </cs:spPr>
+  </cs:gridlineMajor>
+  <cs:gridlineMinor>
+    <cs:lnRef idx="0"/>
+    <cs:fillRef idx="0"/>
+    <cs:effectRef idx="0"/>
+    <cs:fontRef idx="minor">
+      <a:schemeClr val="tx1"/>
+    </cs:fontRef>
+    <cs:spPr>
+      <a:ln w="9525" cap="flat" cmpd="sng" algn="ctr">
+        <a:solidFill>
+          <a:schemeClr val="tx1">
+            <a:lumMod val="5000"/>
+            <a:lumOff val="95000"/>
+          </a:schemeClr>
+        </a:solidFill>
+        <a:round/>
+      </a:ln>
+    </cs:spPr>
+  </cs:gridlineMinor>
+  <cs:hiLoLine>
+    <cs:lnRef idx="0"/>
+    <cs:fillRef idx="0"/>
+    <cs:effectRef idx="0"/>
+    <cs:fontRef idx="minor">
+      <a:schemeClr val="tx1"/>
+    </cs:fontRef>
+    <cs:spPr>
+      <a:ln w="9525" cap="flat" cmpd="sng" algn="ctr">
+        <a:solidFill>
+          <a:schemeClr val="tx1">
+            <a:lumMod val="50000"/>
+            <a:lumOff val="50000"/>
+          </a:schemeClr>
+        </a:solidFill>
+        <a:round/>
+      </a:ln>
+    </cs:spPr>
+  </cs:hiLoLine>
+  <cs:leaderLine>
+    <cs:lnRef idx="0"/>
+    <cs:fillRef idx="0"/>
+    <cs:effectRef idx="0"/>
+    <cs:fontRef idx="minor">
+      <a:schemeClr val="tx1"/>
+    </cs:fontRef>
+    <cs:spPr>
+      <a:ln w="9525" cap="flat" cmpd="sng" algn="ctr">
+        <a:solidFill>
+          <a:schemeClr val="tx1">
+            <a:lumMod val="35000"/>
+            <a:lumOff val="65000"/>
+          </a:schemeClr>
+        </a:solidFill>
+        <a:round/>
+      </a:ln>
+    </cs:spPr>
+  </cs:leaderLine>
+  <cs:legend>
+    <cs:lnRef idx="0"/>
+    <cs:fillRef idx="0"/>
+    <cs:effectRef idx="0"/>
+    <cs:fontRef idx="minor">
+      <a:schemeClr val="tx1">
+        <a:lumMod val="65000"/>
+        <a:lumOff val="35000"/>
+      </a:schemeClr>
+    </cs:fontRef>
+    <cs:defRPr sz="900" kern="1200"/>
+  </cs:legend>
+  <cs:plotArea mods="allowNoFillOverride allowNoLineOverride">
+    <cs:lnRef idx="0"/>
+    <cs:fillRef idx="0"/>
+    <cs:effectRef idx="0"/>
+    <cs:fontRef idx="minor">
+      <a:schemeClr val="tx1"/>
+    </cs:fontRef>
+  </cs:plotArea>
+  <cs:plotArea3D mods="allowNoFillOverride allowNoLineOverride">
+    <cs:lnRef idx="0"/>
+    <cs:fillRef idx="0"/>
+    <cs:effectRef idx="0"/>
+    <cs:fontRef idx="minor">
+      <a:schemeClr val="tx1"/>
+    </cs:fontRef>
+  </cs:plotArea3D>
+  <cs:seriesAxis>
+    <cs:lnRef idx="0"/>
+    <cs:fillRef idx="0"/>
+    <cs:effectRef idx="0"/>
+    <cs:fontRef idx="minor">
+      <a:schemeClr val="tx1">
+        <a:lumMod val="65000"/>
+        <a:lumOff val="35000"/>
+      </a:schemeClr>
+    </cs:fontRef>
+    <cs:defRPr sz="900" kern="1200"/>
+  </cs:seriesAxis>
+  <cs:seriesLine>
+    <cs:lnRef idx="0"/>
+    <cs:fillRef idx="0"/>
+    <cs:effectRef idx="0"/>
+    <cs:fontRef idx="minor">
+      <a:schemeClr val="tx1"/>
+    </cs:fontRef>
+    <cs:spPr>
+      <a:ln w="9525" cap="flat" cmpd="sng" algn="ctr">
+        <a:solidFill>
+          <a:schemeClr val="tx1">
+            <a:lumMod val="35000"/>
+            <a:lumOff val="65000"/>
+          </a:schemeClr>
+        </a:solidFill>
+        <a:round/>
+      </a:ln>
+    </cs:spPr>
+  </cs:seriesLine>
+  <cs:title>
+    <cs:lnRef idx="0"/>
+    <cs:fillRef idx="0"/>
+    <cs:effectRef idx="0"/>
+    <cs:fontRef idx="minor">
+      <a:schemeClr val="tx1">
+        <a:lumMod val="65000"/>
+        <a:lumOff val="35000"/>
+      </a:schemeClr>
+    </cs:fontRef>
+    <cs:defRPr sz="1400" b="0" kern="1200" spc="0" baseline="0"/>
+  </cs:title>
+  <cs:trendline>
+    <cs:lnRef idx="0">
+      <cs:styleClr val="auto"/>
+    </cs:lnRef>
+    <cs:fillRef idx="0"/>
+    <cs:effectRef idx="0"/>
+    <cs:fontRef idx="minor">
+      <a:schemeClr val="tx1"/>
+    </cs:fontRef>
+    <cs:spPr>
+      <a:ln w="19050" cap="rnd">
+        <a:solidFill>
+          <a:schemeClr val="phClr"/>
+        </a:solidFill>
+        <a:prstDash val="sysDot"/>
+      </a:ln>
+    </cs:spPr>
+  </cs:trendline>
+  <cs:trendlineLabel>
+    <cs:lnRef idx="0"/>
+    <cs:fillRef idx="0"/>
+    <cs:effectRef idx="0"/>
+    <cs:fontRef idx="minor">
+      <a:schemeClr val="tx1">
+        <a:lumMod val="65000"/>
+        <a:lumOff val="35000"/>
+      </a:schemeClr>
+    </cs:fontRef>
+    <cs:defRPr sz="900" kern="1200"/>
+  </cs:trendlineLabel>
+  <cs:upBar>
+    <cs:lnRef idx="0"/>
+    <cs:fillRef idx="0"/>
+    <cs:effectRef idx="0"/>
+    <cs:fontRef idx="minor">
+      <a:schemeClr val="tx1"/>
+    </cs:fontRef>
+    <cs:spPr>
+      <a:solidFill>
+        <a:schemeClr val="lt1"/>
+      </a:solidFill>
+      <a:ln w="9525" cap="flat" cmpd="sng" algn="ctr">
+        <a:solidFill>
+          <a:schemeClr val="tx1">
+            <a:lumMod val="65000"/>
+            <a:lumOff val="35000"/>
+          </a:schemeClr>
+        </a:solidFill>
+        <a:round/>
+      </a:ln>
+    </cs:spPr>
+  </cs:upBar>
+  <cs:valueAxis>
+    <cs:lnRef idx="0"/>
+    <cs:fillRef idx="0"/>
+    <cs:effectRef idx="0"/>
+    <cs:fontRef idx="minor">
+      <a:schemeClr val="tx1">
+        <a:lumMod val="65000"/>
+        <a:lumOff val="35000"/>
+      </a:schemeClr>
+    </cs:fontRef>
+    <cs:defRPr sz="900" kern="1200"/>
+  </cs:valueAxis>
+  <cs:wall>
+    <cs:lnRef idx="0"/>
+    <cs:fillRef idx="0"/>
+    <cs:effectRef idx="0"/>
+    <cs:fontRef idx="minor">
+      <a:schemeClr val="tx1"/>
+    </cs:fontRef>
+    <cs:spPr>
+      <a:noFill/>
+      <a:ln>
+        <a:noFill/>
+      </a:ln>
+    </cs:spPr>
+  </cs:wall>
+</cs:chartStyle>
 </file>
 
 <file path=ppt/notesMasters/notesMaster1.xml><?xml version="1.0" encoding="utf-8"?>
@@ -591,10 +5488,10 @@
               <a:buNone/>
             </a:pPr>
             <a:r>
-              <a:rPr lang="en-US" smtClean="0"/>
+              <a:rPr lang="en-US" dirty="0" smtClean="0"/>
               <a:t>http://chinookdatabase.codeplex.com/wikipage?title=Chinook_Schema</a:t>
             </a:r>
-            <a:endParaRPr/>
+            <a:endParaRPr dirty="0"/>
           </a:p>
         </p:txBody>
       </p:sp>
@@ -612,112 +5509,6 @@
 </file>
 
 <file path=ppt/notesSlides/notesSlide2.xml><?xml version="1.0" encoding="utf-8"?>
-<p:notes xmlns:a="http://schemas.openxmlformats.org/drawingml/2006/main" xmlns:r="http://schemas.openxmlformats.org/officeDocument/2006/relationships" xmlns:p="http://schemas.openxmlformats.org/presentationml/2006/main" showMasterSp="0" showMasterPhAnim="0">
-  <p:cSld>
-    <p:spTree>
-      <p:nvGrpSpPr>
-        <p:cNvPr id="1" name="Shape 55"/>
-        <p:cNvGrpSpPr/>
-        <p:nvPr/>
-      </p:nvGrpSpPr>
-      <p:grpSpPr>
-        <a:xfrm>
-          <a:off x="0" y="0"/>
-          <a:ext cx="0" cy="0"/>
-          <a:chOff x="0" y="0"/>
-          <a:chExt cx="0" cy="0"/>
-        </a:xfrm>
-      </p:grpSpPr>
-      <p:sp>
-        <p:nvSpPr>
-          <p:cNvPr id="56" name="Shape 56"/>
-          <p:cNvSpPr>
-            <a:spLocks noGrp="1" noRot="1" noChangeAspect="1"/>
-          </p:cNvSpPr>
-          <p:nvPr>
-            <p:ph type="sldImg" idx="2"/>
-          </p:nvPr>
-        </p:nvSpPr>
-        <p:spPr>
-          <a:xfrm>
-            <a:off x="381000" y="685800"/>
-            <a:ext cx="6096000" cy="3429000"/>
-          </a:xfrm>
-          <a:custGeom>
-            <a:avLst/>
-            <a:gdLst/>
-            <a:ahLst/>
-            <a:cxnLst/>
-            <a:rect l="0" t="0" r="0" b="0"/>
-            <a:pathLst>
-              <a:path w="120000" h="120000" extrusionOk="0">
-                <a:moveTo>
-                  <a:pt x="0" y="0"/>
-                </a:moveTo>
-                <a:lnTo>
-                  <a:pt x="120000" y="0"/>
-                </a:lnTo>
-                <a:lnTo>
-                  <a:pt x="120000" y="120000"/>
-                </a:lnTo>
-                <a:lnTo>
-                  <a:pt x="0" y="120000"/>
-                </a:lnTo>
-                <a:close/>
-              </a:path>
-            </a:pathLst>
-          </a:custGeom>
-        </p:spPr>
-      </p:sp>
-      <p:sp>
-        <p:nvSpPr>
-          <p:cNvPr id="57" name="Shape 57"/>
-          <p:cNvSpPr txBox="1">
-            <a:spLocks noGrp="1"/>
-          </p:cNvSpPr>
-          <p:nvPr>
-            <p:ph type="body" idx="1"/>
-          </p:nvPr>
-        </p:nvSpPr>
-        <p:spPr>
-          <a:xfrm>
-            <a:off x="685800" y="4343400"/>
-            <a:ext cx="5486400" cy="4114800"/>
-          </a:xfrm>
-          <a:prstGeom prst="rect">
-            <a:avLst/>
-          </a:prstGeom>
-        </p:spPr>
-        <p:txBody>
-          <a:bodyPr wrap="square" lIns="91425" tIns="91425" rIns="91425" bIns="91425" anchor="t" anchorCtr="0">
-            <a:noAutofit/>
-          </a:bodyPr>
-          <a:lstStyle/>
-          <a:p>
-            <a:pPr lvl="0" rtl="0">
-              <a:spcBef>
-                <a:spcPts val="0"/>
-              </a:spcBef>
-              <a:buNone/>
-            </a:pPr>
-            <a:endParaRPr/>
-          </a:p>
-        </p:txBody>
-      </p:sp>
-    </p:spTree>
-    <p:extLst>
-      <p:ext uri="{BB962C8B-B14F-4D97-AF65-F5344CB8AC3E}">
-        <p14:creationId xmlns:p14="http://schemas.microsoft.com/office/powerpoint/2010/main" val="1589360035"/>
-      </p:ext>
-    </p:extLst>
-  </p:cSld>
-  <p:clrMapOvr>
-    <a:masterClrMapping/>
-  </p:clrMapOvr>
-</p:notes>
-</file>
-
-<file path=ppt/notesSlides/notesSlide3.xml><?xml version="1.0" encoding="utf-8"?>
 <p:notes xmlns:a="http://schemas.openxmlformats.org/drawingml/2006/main" xmlns:r="http://schemas.openxmlformats.org/officeDocument/2006/relationships" xmlns:p="http://schemas.openxmlformats.org/presentationml/2006/main" showMasterSp="0" showMasterPhAnim="0">
   <p:cSld>
     <p:spTree>
@@ -806,7 +5597,192 @@
               </a:spcBef>
               <a:buNone/>
             </a:pPr>
-            <a:endParaRPr/>
+            <a:r>
+              <a:rPr lang="en-US" dirty="0" smtClean="0"/>
+              <a:t>SELECT</a:t>
+            </a:r>
+          </a:p>
+          <a:p>
+            <a:pPr lvl="0" rtl="0">
+              <a:spcBef>
+                <a:spcPts val="0"/>
+              </a:spcBef>
+              <a:buNone/>
+            </a:pPr>
+            <a:r>
+              <a:rPr lang="en-US" dirty="0" smtClean="0"/>
+              <a:t>  COUNT(</a:t>
+            </a:r>
+            <a:r>
+              <a:rPr lang="en-US" dirty="0" err="1" smtClean="0"/>
+              <a:t>Customer.Country</a:t>
+            </a:r>
+            <a:r>
+              <a:rPr lang="en-US" dirty="0" smtClean="0"/>
+              <a:t>) AS Purchase,</a:t>
+            </a:r>
+          </a:p>
+          <a:p>
+            <a:pPr lvl="0" rtl="0">
+              <a:spcBef>
+                <a:spcPts val="0"/>
+              </a:spcBef>
+              <a:buNone/>
+            </a:pPr>
+            <a:r>
+              <a:rPr lang="en-US" dirty="0" smtClean="0"/>
+              <a:t>  </a:t>
+            </a:r>
+            <a:r>
+              <a:rPr lang="en-US" dirty="0" err="1" smtClean="0"/>
+              <a:t>Customer.Country</a:t>
+            </a:r>
+            <a:r>
+              <a:rPr lang="en-US" dirty="0" smtClean="0"/>
+              <a:t> AS </a:t>
+            </a:r>
+            <a:r>
+              <a:rPr lang="en-US" dirty="0" err="1" smtClean="0"/>
+              <a:t>BillingCountry</a:t>
+            </a:r>
+            <a:r>
+              <a:rPr lang="en-US" dirty="0" smtClean="0"/>
+              <a:t>,</a:t>
+            </a:r>
+          </a:p>
+          <a:p>
+            <a:pPr lvl="0" rtl="0">
+              <a:spcBef>
+                <a:spcPts val="0"/>
+              </a:spcBef>
+              <a:buNone/>
+            </a:pPr>
+            <a:r>
+              <a:rPr lang="en-US" dirty="0" smtClean="0"/>
+              <a:t>  Total(</a:t>
+            </a:r>
+            <a:r>
+              <a:rPr lang="en-US" dirty="0" err="1" smtClean="0"/>
+              <a:t>Invoice.Total</a:t>
+            </a:r>
+            <a:r>
+              <a:rPr lang="en-US" dirty="0" smtClean="0"/>
+              <a:t>) AS </a:t>
+            </a:r>
+            <a:r>
+              <a:rPr lang="en-US" dirty="0" err="1" smtClean="0"/>
+              <a:t>TotalSales</a:t>
+            </a:r>
+            <a:endParaRPr lang="en-US" dirty="0" smtClean="0"/>
+          </a:p>
+          <a:p>
+            <a:pPr lvl="0" rtl="0">
+              <a:spcBef>
+                <a:spcPts val="0"/>
+              </a:spcBef>
+              <a:buNone/>
+            </a:pPr>
+            <a:r>
+              <a:rPr lang="en-US" dirty="0" smtClean="0"/>
+              <a:t>FROM Invoice</a:t>
+            </a:r>
+          </a:p>
+          <a:p>
+            <a:pPr lvl="0" rtl="0">
+              <a:spcBef>
+                <a:spcPts val="0"/>
+              </a:spcBef>
+              <a:buNone/>
+            </a:pPr>
+            <a:r>
+              <a:rPr lang="en-US" dirty="0" smtClean="0"/>
+              <a:t>INNER JOIN Customer</a:t>
+            </a:r>
+          </a:p>
+          <a:p>
+            <a:pPr lvl="0" rtl="0">
+              <a:spcBef>
+                <a:spcPts val="0"/>
+              </a:spcBef>
+              <a:buNone/>
+            </a:pPr>
+            <a:r>
+              <a:rPr lang="en-US" dirty="0" smtClean="0"/>
+              <a:t>  ON (</a:t>
+            </a:r>
+            <a:r>
+              <a:rPr lang="en-US" dirty="0" err="1" smtClean="0"/>
+              <a:t>BillingCountry</a:t>
+            </a:r>
+            <a:r>
+              <a:rPr lang="en-US" dirty="0" smtClean="0"/>
+              <a:t> IS NOT NULL AND </a:t>
+            </a:r>
+            <a:r>
+              <a:rPr lang="en-US" dirty="0" err="1" smtClean="0"/>
+              <a:t>Customer.CustomerId</a:t>
+            </a:r>
+            <a:r>
+              <a:rPr lang="en-US" dirty="0" smtClean="0"/>
+              <a:t> = </a:t>
+            </a:r>
+            <a:r>
+              <a:rPr lang="en-US" dirty="0" err="1" smtClean="0"/>
+              <a:t>Invoice.CustomerId</a:t>
+            </a:r>
+            <a:r>
+              <a:rPr lang="en-US" dirty="0" smtClean="0"/>
+              <a:t>)</a:t>
+            </a:r>
+          </a:p>
+          <a:p>
+            <a:pPr lvl="0" rtl="0">
+              <a:spcBef>
+                <a:spcPts val="0"/>
+              </a:spcBef>
+              <a:buNone/>
+            </a:pPr>
+            <a:r>
+              <a:rPr lang="en-US" dirty="0" smtClean="0"/>
+              <a:t>GROUP BY </a:t>
+            </a:r>
+            <a:r>
+              <a:rPr lang="en-US" dirty="0" err="1" smtClean="0"/>
+              <a:t>Customer.Country</a:t>
+            </a:r>
+            <a:endParaRPr lang="en-US" dirty="0" smtClean="0"/>
+          </a:p>
+          <a:p>
+            <a:pPr lvl="0" rtl="0">
+              <a:spcBef>
+                <a:spcPts val="0"/>
+              </a:spcBef>
+              <a:buNone/>
+            </a:pPr>
+            <a:r>
+              <a:rPr lang="en-US" dirty="0" smtClean="0"/>
+              <a:t>ORDER BY </a:t>
+            </a:r>
+            <a:r>
+              <a:rPr lang="en-US" dirty="0" err="1" smtClean="0"/>
+              <a:t>TotalSales</a:t>
+            </a:r>
+            <a:r>
+              <a:rPr lang="en-US" dirty="0" smtClean="0"/>
+              <a:t> DESC</a:t>
+            </a:r>
+          </a:p>
+          <a:p>
+            <a:pPr lvl="0" rtl="0">
+              <a:spcBef>
+                <a:spcPts val="0"/>
+              </a:spcBef>
+              <a:buNone/>
+            </a:pPr>
+            <a:r>
+              <a:rPr lang="en-US" dirty="0" smtClean="0"/>
+              <a:t>LIMIT 5;</a:t>
+            </a:r>
           </a:p>
         </p:txBody>
       </p:sp>
@@ -814,6 +5790,455 @@
     <p:extLst>
       <p:ext uri="{BB962C8B-B14F-4D97-AF65-F5344CB8AC3E}">
         <p14:creationId xmlns:p14="http://schemas.microsoft.com/office/powerpoint/2010/main" val="1367667770"/>
+      </p:ext>
+    </p:extLst>
+  </p:cSld>
+  <p:clrMapOvr>
+    <a:masterClrMapping/>
+  </p:clrMapOvr>
+</p:notes>
+</file>
+
+<file path=ppt/notesSlides/notesSlide3.xml><?xml version="1.0" encoding="utf-8"?>
+<p:notes xmlns:a="http://schemas.openxmlformats.org/drawingml/2006/main" xmlns:r="http://schemas.openxmlformats.org/officeDocument/2006/relationships" xmlns:p="http://schemas.openxmlformats.org/presentationml/2006/main" showMasterSp="0" showMasterPhAnim="0">
+  <p:cSld>
+    <p:spTree>
+      <p:nvGrpSpPr>
+        <p:cNvPr id="1" name="Shape 76"/>
+        <p:cNvGrpSpPr/>
+        <p:nvPr/>
+      </p:nvGrpSpPr>
+      <p:grpSpPr>
+        <a:xfrm>
+          <a:off x="0" y="0"/>
+          <a:ext cx="0" cy="0"/>
+          <a:chOff x="0" y="0"/>
+          <a:chExt cx="0" cy="0"/>
+        </a:xfrm>
+      </p:grpSpPr>
+      <p:sp>
+        <p:nvSpPr>
+          <p:cNvPr id="77" name="Shape 77"/>
+          <p:cNvSpPr>
+            <a:spLocks noGrp="1" noRot="1" noChangeAspect="1"/>
+          </p:cNvSpPr>
+          <p:nvPr>
+            <p:ph type="sldImg" idx="2"/>
+          </p:nvPr>
+        </p:nvSpPr>
+        <p:spPr>
+          <a:xfrm>
+            <a:off x="381000" y="685800"/>
+            <a:ext cx="6096000" cy="3429000"/>
+          </a:xfrm>
+          <a:custGeom>
+            <a:avLst/>
+            <a:gdLst/>
+            <a:ahLst/>
+            <a:cxnLst/>
+            <a:rect l="0" t="0" r="0" b="0"/>
+            <a:pathLst>
+              <a:path w="120000" h="120000" extrusionOk="0">
+                <a:moveTo>
+                  <a:pt x="0" y="0"/>
+                </a:moveTo>
+                <a:lnTo>
+                  <a:pt x="120000" y="0"/>
+                </a:lnTo>
+                <a:lnTo>
+                  <a:pt x="120000" y="120000"/>
+                </a:lnTo>
+                <a:lnTo>
+                  <a:pt x="0" y="120000"/>
+                </a:lnTo>
+                <a:close/>
+              </a:path>
+            </a:pathLst>
+          </a:custGeom>
+        </p:spPr>
+      </p:sp>
+      <p:sp>
+        <p:nvSpPr>
+          <p:cNvPr id="78" name="Shape 78"/>
+          <p:cNvSpPr txBox="1">
+            <a:spLocks noGrp="1"/>
+          </p:cNvSpPr>
+          <p:nvPr>
+            <p:ph type="body" idx="1"/>
+          </p:nvPr>
+        </p:nvSpPr>
+        <p:spPr>
+          <a:xfrm>
+            <a:off x="685800" y="4343400"/>
+            <a:ext cx="5486400" cy="4114800"/>
+          </a:xfrm>
+          <a:prstGeom prst="rect">
+            <a:avLst/>
+          </a:prstGeom>
+        </p:spPr>
+        <p:txBody>
+          <a:bodyPr wrap="square" lIns="91425" tIns="91425" rIns="91425" bIns="91425" anchor="t" anchorCtr="0">
+            <a:noAutofit/>
+          </a:bodyPr>
+          <a:lstStyle/>
+          <a:p>
+            <a:pPr lvl="0" rtl="0">
+              <a:spcBef>
+                <a:spcPts val="0"/>
+              </a:spcBef>
+              <a:buNone/>
+            </a:pPr>
+            <a:r>
+              <a:rPr lang="en-US" dirty="0" smtClean="0"/>
+              <a:t>SELECT</a:t>
+            </a:r>
+          </a:p>
+          <a:p>
+            <a:pPr lvl="0" rtl="0">
+              <a:spcBef>
+                <a:spcPts val="0"/>
+              </a:spcBef>
+              <a:buNone/>
+            </a:pPr>
+            <a:r>
+              <a:rPr lang="en-US" dirty="0" smtClean="0"/>
+              <a:t>	</a:t>
+            </a:r>
+            <a:r>
+              <a:rPr lang="en-US" dirty="0" err="1" smtClean="0"/>
+              <a:t>Genre.Name</a:t>
+            </a:r>
+            <a:r>
+              <a:rPr lang="en-US" dirty="0" smtClean="0"/>
+              <a:t> AS Genre,</a:t>
+            </a:r>
+          </a:p>
+          <a:p>
+            <a:pPr lvl="0" rtl="0">
+              <a:spcBef>
+                <a:spcPts val="0"/>
+              </a:spcBef>
+              <a:buNone/>
+            </a:pPr>
+            <a:r>
+              <a:rPr lang="en-US" dirty="0" smtClean="0"/>
+              <a:t>	SUM(CASE WHEN </a:t>
+            </a:r>
+            <a:r>
+              <a:rPr lang="en-US" dirty="0" err="1" smtClean="0"/>
+              <a:t>Invoice.BillingCountry</a:t>
+            </a:r>
+            <a:r>
+              <a:rPr lang="en-US" dirty="0" smtClean="0"/>
+              <a:t> = 'USA' THEN 1 ELSE 0 END) AS 'USA',</a:t>
+            </a:r>
+          </a:p>
+          <a:p>
+            <a:pPr lvl="0" rtl="0">
+              <a:spcBef>
+                <a:spcPts val="0"/>
+              </a:spcBef>
+              <a:buNone/>
+            </a:pPr>
+            <a:r>
+              <a:rPr lang="en-US" dirty="0" smtClean="0"/>
+              <a:t>	SUM(CASE WHEN </a:t>
+            </a:r>
+            <a:r>
+              <a:rPr lang="en-US" dirty="0" err="1" smtClean="0"/>
+              <a:t>Invoice.BillingCountry</a:t>
+            </a:r>
+            <a:r>
+              <a:rPr lang="en-US" dirty="0" smtClean="0"/>
+              <a:t> = 'Canada' THEN 1 ELSE 0 END) AS 'Canada',</a:t>
+            </a:r>
+          </a:p>
+          <a:p>
+            <a:pPr lvl="0" rtl="0">
+              <a:spcBef>
+                <a:spcPts val="0"/>
+              </a:spcBef>
+              <a:buNone/>
+            </a:pPr>
+            <a:r>
+              <a:rPr lang="en-US" dirty="0" smtClean="0"/>
+              <a:t>	SUM(CASE WHEN </a:t>
+            </a:r>
+            <a:r>
+              <a:rPr lang="en-US" dirty="0" err="1" smtClean="0"/>
+              <a:t>Invoice.BillingCountry</a:t>
+            </a:r>
+            <a:r>
+              <a:rPr lang="en-US" dirty="0" smtClean="0"/>
+              <a:t> = 'France' THEN 1 ELSE 0 END) AS 'France',</a:t>
+            </a:r>
+          </a:p>
+          <a:p>
+            <a:pPr lvl="0" rtl="0">
+              <a:spcBef>
+                <a:spcPts val="0"/>
+              </a:spcBef>
+              <a:buNone/>
+            </a:pPr>
+            <a:r>
+              <a:rPr lang="en-US" dirty="0" smtClean="0"/>
+              <a:t>	SUM(CASE WHEN </a:t>
+            </a:r>
+            <a:r>
+              <a:rPr lang="en-US" dirty="0" err="1" smtClean="0"/>
+              <a:t>Invoice.BillingCountry</a:t>
+            </a:r>
+            <a:r>
+              <a:rPr lang="en-US" dirty="0" smtClean="0"/>
+              <a:t> = 'Brazil' THEN 1 ELSE 0 END) AS 'Brazil',</a:t>
+            </a:r>
+          </a:p>
+          <a:p>
+            <a:pPr lvl="0" rtl="0">
+              <a:spcBef>
+                <a:spcPts val="0"/>
+              </a:spcBef>
+              <a:buNone/>
+            </a:pPr>
+            <a:r>
+              <a:rPr lang="en-US" dirty="0" smtClean="0"/>
+              <a:t>	SUM(CASE WHEN </a:t>
+            </a:r>
+            <a:r>
+              <a:rPr lang="en-US" dirty="0" err="1" smtClean="0"/>
+              <a:t>Invoice.BillingCountry</a:t>
+            </a:r>
+            <a:r>
+              <a:rPr lang="en-US" dirty="0" smtClean="0"/>
+              <a:t> = 'Germany' THEN 1 ELSE 0 END) AS 'Germany'</a:t>
+            </a:r>
+          </a:p>
+          <a:p>
+            <a:pPr lvl="0" rtl="0">
+              <a:spcBef>
+                <a:spcPts val="0"/>
+              </a:spcBef>
+              <a:buNone/>
+            </a:pPr>
+            <a:r>
+              <a:rPr lang="en-US" dirty="0" smtClean="0"/>
+              <a:t>FROM </a:t>
+            </a:r>
+            <a:r>
+              <a:rPr lang="en-US" dirty="0" err="1" smtClean="0"/>
+              <a:t>InvoiceLine</a:t>
+            </a:r>
+            <a:endParaRPr lang="en-US" dirty="0" smtClean="0"/>
+          </a:p>
+          <a:p>
+            <a:pPr lvl="0" rtl="0">
+              <a:spcBef>
+                <a:spcPts val="0"/>
+              </a:spcBef>
+              <a:buNone/>
+            </a:pPr>
+            <a:r>
+              <a:rPr lang="en-US" dirty="0" smtClean="0"/>
+              <a:t>INNER JOIN Track</a:t>
+            </a:r>
+          </a:p>
+          <a:p>
+            <a:pPr lvl="0" rtl="0">
+              <a:spcBef>
+                <a:spcPts val="0"/>
+              </a:spcBef>
+              <a:buNone/>
+            </a:pPr>
+            <a:r>
+              <a:rPr lang="en-US" dirty="0" smtClean="0"/>
+              <a:t>  ON </a:t>
+            </a:r>
+            <a:r>
+              <a:rPr lang="en-US" dirty="0" err="1" smtClean="0"/>
+              <a:t>InvoiceLine.TrackId</a:t>
+            </a:r>
+            <a:r>
+              <a:rPr lang="en-US" dirty="0" smtClean="0"/>
+              <a:t> = </a:t>
+            </a:r>
+            <a:r>
+              <a:rPr lang="en-US" dirty="0" err="1" smtClean="0"/>
+              <a:t>Track.TrackId</a:t>
+            </a:r>
+            <a:endParaRPr lang="en-US" dirty="0" smtClean="0"/>
+          </a:p>
+          <a:p>
+            <a:pPr lvl="0" rtl="0">
+              <a:spcBef>
+                <a:spcPts val="0"/>
+              </a:spcBef>
+              <a:buNone/>
+            </a:pPr>
+            <a:r>
+              <a:rPr lang="en-US" dirty="0" smtClean="0"/>
+              <a:t>INNER JOIN </a:t>
+            </a:r>
+            <a:r>
+              <a:rPr lang="en-US" dirty="0" err="1" smtClean="0"/>
+              <a:t>MediaType</a:t>
+            </a:r>
+            <a:endParaRPr lang="en-US" dirty="0" smtClean="0"/>
+          </a:p>
+          <a:p>
+            <a:pPr lvl="0" rtl="0">
+              <a:spcBef>
+                <a:spcPts val="0"/>
+              </a:spcBef>
+              <a:buNone/>
+            </a:pPr>
+            <a:r>
+              <a:rPr lang="en-US" dirty="0" smtClean="0"/>
+              <a:t>	ON </a:t>
+            </a:r>
+            <a:r>
+              <a:rPr lang="en-US" dirty="0" err="1" smtClean="0"/>
+              <a:t>Track.MediaTypeId</a:t>
+            </a:r>
+            <a:r>
+              <a:rPr lang="en-US" dirty="0" smtClean="0"/>
+              <a:t> = </a:t>
+            </a:r>
+            <a:r>
+              <a:rPr lang="en-US" dirty="0" err="1" smtClean="0"/>
+              <a:t>MediaType.MediaTypeId</a:t>
+            </a:r>
+            <a:endParaRPr lang="en-US" dirty="0" smtClean="0"/>
+          </a:p>
+          <a:p>
+            <a:pPr lvl="0" rtl="0">
+              <a:spcBef>
+                <a:spcPts val="0"/>
+              </a:spcBef>
+              <a:buNone/>
+            </a:pPr>
+            <a:r>
+              <a:rPr lang="en-US" dirty="0" smtClean="0"/>
+              <a:t>INNER JOIN Genre</a:t>
+            </a:r>
+          </a:p>
+          <a:p>
+            <a:pPr lvl="0" rtl="0">
+              <a:spcBef>
+                <a:spcPts val="0"/>
+              </a:spcBef>
+              <a:buNone/>
+            </a:pPr>
+            <a:r>
+              <a:rPr lang="en-US" dirty="0" smtClean="0"/>
+              <a:t>	ON </a:t>
+            </a:r>
+            <a:r>
+              <a:rPr lang="en-US" dirty="0" err="1" smtClean="0"/>
+              <a:t>Track.GenreId</a:t>
+            </a:r>
+            <a:r>
+              <a:rPr lang="en-US" dirty="0" smtClean="0"/>
+              <a:t> = </a:t>
+            </a:r>
+            <a:r>
+              <a:rPr lang="en-US" dirty="0" err="1" smtClean="0"/>
+              <a:t>Genre.GenreId</a:t>
+            </a:r>
+            <a:endParaRPr lang="en-US" dirty="0" smtClean="0"/>
+          </a:p>
+          <a:p>
+            <a:pPr lvl="0" rtl="0">
+              <a:spcBef>
+                <a:spcPts val="0"/>
+              </a:spcBef>
+              <a:buNone/>
+            </a:pPr>
+            <a:r>
+              <a:rPr lang="en-US" dirty="0" smtClean="0"/>
+              <a:t>INNER JOIN Invoice</a:t>
+            </a:r>
+          </a:p>
+          <a:p>
+            <a:pPr lvl="0" rtl="0">
+              <a:spcBef>
+                <a:spcPts val="0"/>
+              </a:spcBef>
+              <a:buNone/>
+            </a:pPr>
+            <a:r>
+              <a:rPr lang="en-US" dirty="0" smtClean="0"/>
+              <a:t>	ON </a:t>
+            </a:r>
+            <a:r>
+              <a:rPr lang="en-US" dirty="0" err="1" smtClean="0"/>
+              <a:t>Invoice.InvoiceId</a:t>
+            </a:r>
+            <a:r>
+              <a:rPr lang="en-US" dirty="0" smtClean="0"/>
+              <a:t> = </a:t>
+            </a:r>
+            <a:r>
+              <a:rPr lang="en-US" dirty="0" err="1" smtClean="0"/>
+              <a:t>InvoiceLine.InvoiceId</a:t>
+            </a:r>
+            <a:endParaRPr lang="en-US" dirty="0" smtClean="0"/>
+          </a:p>
+          <a:p>
+            <a:pPr lvl="0" rtl="0">
+              <a:spcBef>
+                <a:spcPts val="0"/>
+              </a:spcBef>
+              <a:buNone/>
+            </a:pPr>
+            <a:r>
+              <a:rPr lang="en-US" dirty="0" smtClean="0"/>
+              <a:t>INNER JOIN Customer</a:t>
+            </a:r>
+          </a:p>
+          <a:p>
+            <a:pPr lvl="0" rtl="0">
+              <a:spcBef>
+                <a:spcPts val="0"/>
+              </a:spcBef>
+              <a:buNone/>
+            </a:pPr>
+            <a:r>
+              <a:rPr lang="en-US" dirty="0" smtClean="0"/>
+              <a:t>	ON </a:t>
+            </a:r>
+            <a:r>
+              <a:rPr lang="en-US" dirty="0" err="1" smtClean="0"/>
+              <a:t>Invoice.CustomerId</a:t>
+            </a:r>
+            <a:r>
+              <a:rPr lang="en-US" dirty="0" smtClean="0"/>
+              <a:t> = </a:t>
+            </a:r>
+            <a:r>
+              <a:rPr lang="en-US" dirty="0" err="1" smtClean="0"/>
+              <a:t>Customer.CustomerId</a:t>
+            </a:r>
+            <a:endParaRPr lang="en-US" dirty="0" smtClean="0"/>
+          </a:p>
+          <a:p>
+            <a:pPr lvl="0" rtl="0">
+              <a:spcBef>
+                <a:spcPts val="0"/>
+              </a:spcBef>
+              <a:buNone/>
+            </a:pPr>
+            <a:r>
+              <a:rPr lang="en-US" dirty="0" smtClean="0"/>
+              <a:t>GROUP BY Genre ORDER BY Genre;</a:t>
+            </a:r>
+            <a:endParaRPr lang="en-US" dirty="0"/>
+          </a:p>
+        </p:txBody>
+      </p:sp>
+    </p:spTree>
+    <p:extLst>
+      <p:ext uri="{BB962C8B-B14F-4D97-AF65-F5344CB8AC3E}">
+        <p14:creationId xmlns:p14="http://schemas.microsoft.com/office/powerpoint/2010/main" val="2332976544"/>
       </p:ext>
     </p:extLst>
   </p:cSld>
@@ -912,7 +6337,191 @@
               </a:spcBef>
               <a:buNone/>
             </a:pPr>
-            <a:endParaRPr/>
+            <a:r>
+              <a:rPr lang="en-US" dirty="0" smtClean="0"/>
+              <a:t>SELECT</a:t>
+            </a:r>
+          </a:p>
+          <a:p>
+            <a:pPr lvl="0" rtl="0">
+              <a:spcBef>
+                <a:spcPts val="0"/>
+              </a:spcBef>
+              <a:buNone/>
+            </a:pPr>
+            <a:r>
+              <a:rPr lang="en-US" dirty="0" smtClean="0"/>
+              <a:t>  </a:t>
+            </a:r>
+            <a:r>
+              <a:rPr lang="en-US" dirty="0" err="1" smtClean="0"/>
+              <a:t>Customer.Country</a:t>
+            </a:r>
+            <a:r>
+              <a:rPr lang="en-US" dirty="0" smtClean="0"/>
+              <a:t> AS </a:t>
+            </a:r>
+            <a:r>
+              <a:rPr lang="en-US" dirty="0" err="1" smtClean="0"/>
+              <a:t>BillingCountry</a:t>
+            </a:r>
+            <a:r>
+              <a:rPr lang="en-US" dirty="0" smtClean="0"/>
+              <a:t>,</a:t>
+            </a:r>
+          </a:p>
+          <a:p>
+            <a:pPr lvl="0" rtl="0">
+              <a:spcBef>
+                <a:spcPts val="0"/>
+              </a:spcBef>
+              <a:buNone/>
+            </a:pPr>
+            <a:r>
+              <a:rPr lang="en-US" dirty="0" smtClean="0"/>
+              <a:t>  AVG(</a:t>
+            </a:r>
+            <a:r>
+              <a:rPr lang="en-US" dirty="0" err="1" smtClean="0"/>
+              <a:t>Invoice.Total</a:t>
+            </a:r>
+            <a:r>
+              <a:rPr lang="en-US" dirty="0" smtClean="0"/>
+              <a:t>) AS </a:t>
+            </a:r>
+            <a:r>
+              <a:rPr lang="en-US" dirty="0" err="1" smtClean="0"/>
+              <a:t>AverageSpent</a:t>
+            </a:r>
+            <a:r>
+              <a:rPr lang="en-US" dirty="0" smtClean="0"/>
+              <a:t>,</a:t>
+            </a:r>
+          </a:p>
+          <a:p>
+            <a:pPr lvl="0" rtl="0">
+              <a:spcBef>
+                <a:spcPts val="0"/>
+              </a:spcBef>
+              <a:buNone/>
+            </a:pPr>
+            <a:r>
+              <a:rPr lang="en-US" dirty="0" smtClean="0"/>
+              <a:t>  max(</a:t>
+            </a:r>
+            <a:r>
+              <a:rPr lang="en-US" dirty="0" err="1" smtClean="0"/>
+              <a:t>Invoice.Total</a:t>
+            </a:r>
+            <a:r>
+              <a:rPr lang="en-US" dirty="0" smtClean="0"/>
+              <a:t>) AS </a:t>
+            </a:r>
+            <a:r>
+              <a:rPr lang="en-US" dirty="0" err="1" smtClean="0"/>
+              <a:t>HighestSpent</a:t>
+            </a:r>
+            <a:endParaRPr lang="en-US" dirty="0" smtClean="0"/>
+          </a:p>
+          <a:p>
+            <a:pPr lvl="0" rtl="0">
+              <a:spcBef>
+                <a:spcPts val="0"/>
+              </a:spcBef>
+              <a:buNone/>
+            </a:pPr>
+            <a:r>
+              <a:rPr lang="en-US" dirty="0" smtClean="0"/>
+              <a:t>FROM Invoice</a:t>
+            </a:r>
+          </a:p>
+          <a:p>
+            <a:pPr lvl="0" rtl="0">
+              <a:spcBef>
+                <a:spcPts val="0"/>
+              </a:spcBef>
+              <a:buNone/>
+            </a:pPr>
+            <a:r>
+              <a:rPr lang="en-US" dirty="0" smtClean="0"/>
+              <a:t>INNER JOIN Customer</a:t>
+            </a:r>
+          </a:p>
+          <a:p>
+            <a:pPr lvl="0" rtl="0">
+              <a:spcBef>
+                <a:spcPts val="0"/>
+              </a:spcBef>
+              <a:buNone/>
+            </a:pPr>
+            <a:r>
+              <a:rPr lang="en-US" dirty="0" smtClean="0"/>
+              <a:t>  ON (</a:t>
+            </a:r>
+            <a:r>
+              <a:rPr lang="en-US" dirty="0" err="1" smtClean="0"/>
+              <a:t>BillingCountry</a:t>
+            </a:r>
+            <a:r>
+              <a:rPr lang="en-US" dirty="0" smtClean="0"/>
+              <a:t> IS NOT NULL AND </a:t>
+            </a:r>
+            <a:r>
+              <a:rPr lang="en-US" dirty="0" err="1" smtClean="0"/>
+              <a:t>Customer.CustomerId</a:t>
+            </a:r>
+            <a:r>
+              <a:rPr lang="en-US" dirty="0" smtClean="0"/>
+              <a:t> = </a:t>
+            </a:r>
+            <a:r>
+              <a:rPr lang="en-US" dirty="0" err="1" smtClean="0"/>
+              <a:t>Invoice.CustomerId</a:t>
+            </a:r>
+            <a:r>
+              <a:rPr lang="en-US" dirty="0" smtClean="0"/>
+              <a:t>)</a:t>
+            </a:r>
+          </a:p>
+          <a:p>
+            <a:pPr lvl="0" rtl="0">
+              <a:spcBef>
+                <a:spcPts val="0"/>
+              </a:spcBef>
+              <a:buNone/>
+            </a:pPr>
+            <a:r>
+              <a:rPr lang="en-US" dirty="0" smtClean="0"/>
+              <a:t>GROUP BY </a:t>
+            </a:r>
+            <a:r>
+              <a:rPr lang="en-US" dirty="0" err="1" smtClean="0"/>
+              <a:t>BillingCountry</a:t>
+            </a:r>
+            <a:r>
+              <a:rPr lang="en-US" dirty="0" smtClean="0"/>
+              <a:t>	</a:t>
+            </a:r>
+          </a:p>
+          <a:p>
+            <a:pPr lvl="0" rtl="0">
+              <a:spcBef>
+                <a:spcPts val="0"/>
+              </a:spcBef>
+              <a:buNone/>
+            </a:pPr>
+            <a:r>
+              <a:rPr lang="en-US" dirty="0" smtClean="0"/>
+              <a:t>ORDER BY </a:t>
+            </a:r>
+            <a:r>
+              <a:rPr lang="en-US" dirty="0" err="1" smtClean="0"/>
+              <a:t>AverageSpent</a:t>
+            </a:r>
+            <a:r>
+              <a:rPr lang="en-US" dirty="0" smtClean="0"/>
+              <a:t>;</a:t>
+            </a:r>
           </a:p>
         </p:txBody>
       </p:sp>
@@ -1018,14 +6627,389 @@
               </a:spcBef>
               <a:buNone/>
             </a:pPr>
-            <a:endParaRPr/>
+            <a:r>
+              <a:rPr lang="en-US" dirty="0" smtClean="0"/>
+              <a:t>SELECT</a:t>
+            </a:r>
+          </a:p>
+          <a:p>
+            <a:pPr lvl="0" rtl="0">
+              <a:spcBef>
+                <a:spcPts val="0"/>
+              </a:spcBef>
+              <a:buNone/>
+            </a:pPr>
+            <a:r>
+              <a:rPr lang="en-US" dirty="0" smtClean="0"/>
+              <a:t>	</a:t>
+            </a:r>
+            <a:r>
+              <a:rPr lang="en-US" dirty="0" err="1" smtClean="0"/>
+              <a:t>Invoice.BillingCountry</a:t>
+            </a:r>
+            <a:r>
+              <a:rPr lang="en-US" dirty="0" smtClean="0"/>
+              <a:t> AS Country,</a:t>
+            </a:r>
+          </a:p>
+          <a:p>
+            <a:pPr lvl="0" rtl="0">
+              <a:spcBef>
+                <a:spcPts val="0"/>
+              </a:spcBef>
+              <a:buNone/>
+            </a:pPr>
+            <a:r>
+              <a:rPr lang="en-US" dirty="0" smtClean="0"/>
+              <a:t>	SUM(CASE WHEN </a:t>
+            </a:r>
+            <a:r>
+              <a:rPr lang="en-US" dirty="0" err="1" smtClean="0"/>
+              <a:t>MediaType.MediaTypeId</a:t>
+            </a:r>
+            <a:r>
+              <a:rPr lang="en-US" dirty="0" smtClean="0"/>
+              <a:t> = '1' THEN 1 ELSE 0 END) AS 'MPEG audio file',</a:t>
+            </a:r>
+          </a:p>
+          <a:p>
+            <a:pPr lvl="0" rtl="0">
+              <a:spcBef>
+                <a:spcPts val="0"/>
+              </a:spcBef>
+              <a:buNone/>
+            </a:pPr>
+            <a:r>
+              <a:rPr lang="en-US" dirty="0" smtClean="0"/>
+              <a:t>	SUM(CASE WHEN </a:t>
+            </a:r>
+            <a:r>
+              <a:rPr lang="en-US" dirty="0" err="1" smtClean="0"/>
+              <a:t>MediaType.MediaTypeId</a:t>
+            </a:r>
+            <a:r>
+              <a:rPr lang="en-US" dirty="0" smtClean="0"/>
+              <a:t> = '2' THEN 1 ELSE 0 END) AS 'Protected AAC audio file',</a:t>
+            </a:r>
+          </a:p>
+          <a:p>
+            <a:pPr lvl="0" rtl="0">
+              <a:spcBef>
+                <a:spcPts val="0"/>
+              </a:spcBef>
+              <a:buNone/>
+            </a:pPr>
+            <a:r>
+              <a:rPr lang="en-US" dirty="0" smtClean="0"/>
+              <a:t>	SUM(CASE WHEN </a:t>
+            </a:r>
+            <a:r>
+              <a:rPr lang="en-US" dirty="0" err="1" smtClean="0"/>
+              <a:t>MediaType.MediaTypeId</a:t>
+            </a:r>
+            <a:r>
+              <a:rPr lang="en-US" dirty="0" smtClean="0"/>
+              <a:t> = '3' THEN 1 ELSE 0 END) AS 'Protected MPEG-4 video file',</a:t>
+            </a:r>
+          </a:p>
+          <a:p>
+            <a:pPr lvl="0" rtl="0">
+              <a:spcBef>
+                <a:spcPts val="0"/>
+              </a:spcBef>
+              <a:buNone/>
+            </a:pPr>
+            <a:r>
+              <a:rPr lang="en-US" dirty="0" smtClean="0"/>
+              <a:t>	SUM(CASE WHEN </a:t>
+            </a:r>
+            <a:r>
+              <a:rPr lang="en-US" dirty="0" err="1" smtClean="0"/>
+              <a:t>MediaType.MediaTypeId</a:t>
+            </a:r>
+            <a:r>
+              <a:rPr lang="en-US" dirty="0" smtClean="0"/>
+              <a:t> = '4' THEN 1 ELSE 0 END) AS 'Purchased AAC audio file',</a:t>
+            </a:r>
+          </a:p>
+          <a:p>
+            <a:pPr lvl="0" rtl="0">
+              <a:spcBef>
+                <a:spcPts val="0"/>
+              </a:spcBef>
+              <a:buNone/>
+            </a:pPr>
+            <a:r>
+              <a:rPr lang="en-US" dirty="0" smtClean="0"/>
+              <a:t>	SUM(CASE WHEN </a:t>
+            </a:r>
+            <a:r>
+              <a:rPr lang="en-US" dirty="0" err="1" smtClean="0"/>
+              <a:t>MediaType.MediaTypeId</a:t>
+            </a:r>
+            <a:r>
+              <a:rPr lang="en-US" dirty="0" smtClean="0"/>
+              <a:t> = '5' THEN 1 ELSE 0 END) AS 'AAC audio file',</a:t>
+            </a:r>
+          </a:p>
+          <a:p>
+            <a:pPr lvl="0" rtl="0">
+              <a:spcBef>
+                <a:spcPts val="0"/>
+              </a:spcBef>
+              <a:buNone/>
+            </a:pPr>
+            <a:r>
+              <a:rPr lang="en-US" dirty="0" smtClean="0"/>
+              <a:t>	COUNT(Country) AS 'Total'</a:t>
+            </a:r>
+          </a:p>
+          <a:p>
+            <a:pPr lvl="0" rtl="0">
+              <a:spcBef>
+                <a:spcPts val="0"/>
+              </a:spcBef>
+              <a:buNone/>
+            </a:pPr>
+            <a:endParaRPr lang="en-US" dirty="0" smtClean="0"/>
+          </a:p>
+          <a:p>
+            <a:pPr lvl="0" rtl="0">
+              <a:spcBef>
+                <a:spcPts val="0"/>
+              </a:spcBef>
+              <a:buNone/>
+            </a:pPr>
+            <a:r>
+              <a:rPr lang="en-US" dirty="0" smtClean="0"/>
+              <a:t>FROM </a:t>
+            </a:r>
+            <a:r>
+              <a:rPr lang="en-US" dirty="0" err="1" smtClean="0"/>
+              <a:t>InvoiceLine</a:t>
+            </a:r>
+            <a:endParaRPr lang="en-US" dirty="0" smtClean="0"/>
+          </a:p>
+          <a:p>
+            <a:pPr lvl="0" rtl="0">
+              <a:spcBef>
+                <a:spcPts val="0"/>
+              </a:spcBef>
+              <a:buNone/>
+            </a:pPr>
+            <a:r>
+              <a:rPr lang="en-US" dirty="0" smtClean="0"/>
+              <a:t>INNER JOIN Track</a:t>
+            </a:r>
+          </a:p>
+          <a:p>
+            <a:pPr lvl="0" rtl="0">
+              <a:spcBef>
+                <a:spcPts val="0"/>
+              </a:spcBef>
+              <a:buNone/>
+            </a:pPr>
+            <a:r>
+              <a:rPr lang="en-US" dirty="0" smtClean="0"/>
+              <a:t>	ON </a:t>
+            </a:r>
+            <a:r>
+              <a:rPr lang="en-US" dirty="0" err="1" smtClean="0"/>
+              <a:t>InvoiceLine.TrackId</a:t>
+            </a:r>
+            <a:r>
+              <a:rPr lang="en-US" dirty="0" smtClean="0"/>
+              <a:t> = </a:t>
+            </a:r>
+            <a:r>
+              <a:rPr lang="en-US" dirty="0" err="1" smtClean="0"/>
+              <a:t>Track.TrackId</a:t>
+            </a:r>
+            <a:endParaRPr lang="en-US" dirty="0" smtClean="0"/>
+          </a:p>
+          <a:p>
+            <a:pPr lvl="0" rtl="0">
+              <a:spcBef>
+                <a:spcPts val="0"/>
+              </a:spcBef>
+              <a:buNone/>
+            </a:pPr>
+            <a:r>
+              <a:rPr lang="en-US" dirty="0" smtClean="0"/>
+              <a:t>INNER JOIN </a:t>
+            </a:r>
+            <a:r>
+              <a:rPr lang="en-US" dirty="0" err="1" smtClean="0"/>
+              <a:t>MediaType</a:t>
+            </a:r>
+            <a:endParaRPr lang="en-US" dirty="0" smtClean="0"/>
+          </a:p>
+          <a:p>
+            <a:pPr lvl="0" rtl="0">
+              <a:spcBef>
+                <a:spcPts val="0"/>
+              </a:spcBef>
+              <a:buNone/>
+            </a:pPr>
+            <a:r>
+              <a:rPr lang="en-US" dirty="0" smtClean="0"/>
+              <a:t>	ON </a:t>
+            </a:r>
+            <a:r>
+              <a:rPr lang="en-US" dirty="0" err="1" smtClean="0"/>
+              <a:t>Track.MediaTypeId</a:t>
+            </a:r>
+            <a:r>
+              <a:rPr lang="en-US" dirty="0" smtClean="0"/>
+              <a:t> = </a:t>
+            </a:r>
+            <a:r>
+              <a:rPr lang="en-US" dirty="0" err="1" smtClean="0"/>
+              <a:t>MediaType.MediaTypeId</a:t>
+            </a:r>
+            <a:endParaRPr lang="en-US" dirty="0" smtClean="0"/>
+          </a:p>
+          <a:p>
+            <a:pPr lvl="0" rtl="0">
+              <a:spcBef>
+                <a:spcPts val="0"/>
+              </a:spcBef>
+              <a:buNone/>
+            </a:pPr>
+            <a:r>
+              <a:rPr lang="en-US" dirty="0" smtClean="0"/>
+              <a:t>INNER JOIN Genre</a:t>
+            </a:r>
+          </a:p>
+          <a:p>
+            <a:pPr lvl="0" rtl="0">
+              <a:spcBef>
+                <a:spcPts val="0"/>
+              </a:spcBef>
+              <a:buNone/>
+            </a:pPr>
+            <a:r>
+              <a:rPr lang="en-US" dirty="0" smtClean="0"/>
+              <a:t>	ON </a:t>
+            </a:r>
+            <a:r>
+              <a:rPr lang="en-US" dirty="0" err="1" smtClean="0"/>
+              <a:t>Track.GenreId</a:t>
+            </a:r>
+            <a:r>
+              <a:rPr lang="en-US" dirty="0" smtClean="0"/>
+              <a:t> = </a:t>
+            </a:r>
+            <a:r>
+              <a:rPr lang="en-US" dirty="0" err="1" smtClean="0"/>
+              <a:t>Genre.GenreId</a:t>
+            </a:r>
+            <a:endParaRPr lang="en-US" dirty="0" smtClean="0"/>
+          </a:p>
+          <a:p>
+            <a:pPr lvl="0" rtl="0">
+              <a:spcBef>
+                <a:spcPts val="0"/>
+              </a:spcBef>
+              <a:buNone/>
+            </a:pPr>
+            <a:r>
+              <a:rPr lang="en-US" dirty="0" smtClean="0"/>
+              <a:t>INNER JOIN Invoice</a:t>
+            </a:r>
+          </a:p>
+          <a:p>
+            <a:pPr lvl="0" rtl="0">
+              <a:spcBef>
+                <a:spcPts val="0"/>
+              </a:spcBef>
+              <a:buNone/>
+            </a:pPr>
+            <a:r>
+              <a:rPr lang="en-US" dirty="0" smtClean="0"/>
+              <a:t>	ON </a:t>
+            </a:r>
+            <a:r>
+              <a:rPr lang="en-US" dirty="0" err="1" smtClean="0"/>
+              <a:t>Invoice.InvoiceId</a:t>
+            </a:r>
+            <a:r>
+              <a:rPr lang="en-US" dirty="0" smtClean="0"/>
+              <a:t> = </a:t>
+            </a:r>
+            <a:r>
+              <a:rPr lang="en-US" dirty="0" err="1" smtClean="0"/>
+              <a:t>InvoiceLine.InvoiceId</a:t>
+            </a:r>
+            <a:endParaRPr lang="en-US" dirty="0" smtClean="0"/>
+          </a:p>
+          <a:p>
+            <a:pPr lvl="0" rtl="0">
+              <a:spcBef>
+                <a:spcPts val="0"/>
+              </a:spcBef>
+              <a:buNone/>
+            </a:pPr>
+            <a:r>
+              <a:rPr lang="en-US" dirty="0" smtClean="0"/>
+              <a:t>INNER JOIN Customer</a:t>
+            </a:r>
+          </a:p>
+          <a:p>
+            <a:pPr lvl="0" rtl="0">
+              <a:spcBef>
+                <a:spcPts val="0"/>
+              </a:spcBef>
+              <a:buNone/>
+            </a:pPr>
+            <a:r>
+              <a:rPr lang="en-US" dirty="0" smtClean="0"/>
+              <a:t>	ON </a:t>
+            </a:r>
+            <a:r>
+              <a:rPr lang="en-US" dirty="0" err="1" smtClean="0"/>
+              <a:t>Invoice.CustomerId</a:t>
+            </a:r>
+            <a:r>
+              <a:rPr lang="en-US" dirty="0" smtClean="0"/>
+              <a:t> = </a:t>
+            </a:r>
+            <a:r>
+              <a:rPr lang="en-US" dirty="0" err="1" smtClean="0"/>
+              <a:t>Customer.CustomerId</a:t>
+            </a:r>
+            <a:endParaRPr lang="en-US" dirty="0" smtClean="0"/>
+          </a:p>
+          <a:p>
+            <a:pPr lvl="0" rtl="0">
+              <a:spcBef>
+                <a:spcPts val="0"/>
+              </a:spcBef>
+              <a:buNone/>
+            </a:pPr>
+            <a:r>
+              <a:rPr lang="en-US" dirty="0" smtClean="0"/>
+              <a:t>GROUP BY Country ORDER BY "Total" DESC</a:t>
+            </a:r>
+          </a:p>
+          <a:p>
+            <a:pPr lvl="0" rtl="0">
+              <a:spcBef>
+                <a:spcPts val="0"/>
+              </a:spcBef>
+              <a:buNone/>
+            </a:pPr>
+            <a:r>
+              <a:rPr lang="en-US" dirty="0" smtClean="0"/>
+              <a:t>LIMIT 5;</a:t>
+            </a:r>
           </a:p>
         </p:txBody>
       </p:sp>
     </p:spTree>
     <p:extLst>
       <p:ext uri="{BB962C8B-B14F-4D97-AF65-F5344CB8AC3E}">
-        <p14:creationId xmlns:p14="http://schemas.microsoft.com/office/powerpoint/2010/main" val="2332976544"/>
+        <p14:creationId xmlns:p14="http://schemas.microsoft.com/office/powerpoint/2010/main" val="482408510"/>
       </p:ext>
     </p:extLst>
   </p:cSld>
@@ -4392,8 +10376,8 @@
         </p:blipFill>
         <p:spPr bwMode="auto">
           <a:xfrm>
-            <a:off x="2670174" y="1024391"/>
-            <a:ext cx="4736885" cy="3823834"/>
+            <a:off x="1902729" y="795375"/>
+            <a:ext cx="5020585" cy="4052850"/>
           </a:xfrm>
           <a:prstGeom prst="rect">
             <a:avLst/>
@@ -4418,7 +10402,7 @@
         </p:nvSpPr>
         <p:spPr>
           <a:xfrm>
-            <a:off x="3875851" y="344931"/>
+            <a:off x="3108408" y="279617"/>
             <a:ext cx="2325529" cy="400110"/>
           </a:xfrm>
           <a:prstGeom prst="rect">
@@ -4444,185 +10428,17 @@
   <p:clrMapOvr>
     <a:masterClrMapping/>
   </p:clrMapOvr>
+  <p:timing>
+    <p:tnLst>
+      <p:par>
+        <p:cTn id="1" dur="indefinite" restart="never" nodeType="tmRoot"/>
+      </p:par>
+    </p:tnLst>
+  </p:timing>
 </p:sld>
 </file>
 
 <file path=ppt/slides/slide2.xml><?xml version="1.0" encoding="utf-8"?>
-<p:sld xmlns:a="http://schemas.openxmlformats.org/drawingml/2006/main" xmlns:r="http://schemas.openxmlformats.org/officeDocument/2006/relationships" xmlns:p="http://schemas.openxmlformats.org/presentationml/2006/main">
-  <p:cSld>
-    <p:spTree>
-      <p:nvGrpSpPr>
-        <p:cNvPr id="1" name="Shape 58"/>
-        <p:cNvGrpSpPr/>
-        <p:nvPr/>
-      </p:nvGrpSpPr>
-      <p:grpSpPr>
-        <a:xfrm>
-          <a:off x="0" y="0"/>
-          <a:ext cx="0" cy="0"/>
-          <a:chOff x="0" y="0"/>
-          <a:chExt cx="0" cy="0"/>
-        </a:xfrm>
-      </p:grpSpPr>
-      <p:sp>
-        <p:nvSpPr>
-          <p:cNvPr id="59" name="Shape 59"/>
-          <p:cNvSpPr txBox="1">
-            <a:spLocks noGrp="1"/>
-          </p:cNvSpPr>
-          <p:nvPr>
-            <p:ph type="body" idx="1"/>
-          </p:nvPr>
-        </p:nvSpPr>
-        <p:spPr>
-          <a:xfrm>
-            <a:off x="5158200" y="1418450"/>
-            <a:ext cx="3591300" cy="3072600"/>
-          </a:xfrm>
-          <a:prstGeom prst="rect">
-            <a:avLst/>
-          </a:prstGeom>
-          <a:solidFill>
-            <a:srgbClr val="EFEFEF"/>
-          </a:solidFill>
-          <a:ln w="9525" cap="flat" cmpd="sng">
-            <a:solidFill>
-              <a:srgbClr val="999999"/>
-            </a:solidFill>
-            <a:prstDash val="solid"/>
-            <a:round/>
-            <a:headEnd type="none" w="med" len="med"/>
-            <a:tailEnd type="none" w="med" len="med"/>
-          </a:ln>
-        </p:spPr>
-        <p:txBody>
-          <a:bodyPr wrap="square" lIns="91425" tIns="91425" rIns="91425" bIns="91425" anchor="t" anchorCtr="0">
-            <a:noAutofit/>
-          </a:bodyPr>
-          <a:lstStyle/>
-          <a:p>
-            <a:pPr lvl="0" rtl="0">
-              <a:spcBef>
-                <a:spcPts val="0"/>
-              </a:spcBef>
-              <a:buNone/>
-            </a:pPr>
-            <a:r>
-              <a:rPr lang="en">
-                <a:latin typeface="Open Sans"/>
-                <a:ea typeface="Open Sans"/>
-                <a:cs typeface="Open Sans"/>
-                <a:sym typeface="Open Sans"/>
-              </a:rPr>
-              <a:t>&lt;description&gt;</a:t>
-            </a:r>
-          </a:p>
-        </p:txBody>
-      </p:sp>
-      <p:sp>
-        <p:nvSpPr>
-          <p:cNvPr id="60" name="Shape 60"/>
-          <p:cNvSpPr/>
-          <p:nvPr/>
-        </p:nvSpPr>
-        <p:spPr>
-          <a:xfrm>
-            <a:off x="354300" y="1418450"/>
-            <a:ext cx="4550700" cy="3072600"/>
-          </a:xfrm>
-          <a:prstGeom prst="rect">
-            <a:avLst/>
-          </a:prstGeom>
-          <a:solidFill>
-            <a:schemeClr val="lt2"/>
-          </a:solidFill>
-          <a:ln w="9525" cap="flat" cmpd="sng">
-            <a:solidFill>
-              <a:schemeClr val="dk2"/>
-            </a:solidFill>
-            <a:prstDash val="solid"/>
-            <a:round/>
-            <a:headEnd type="none" w="med" len="med"/>
-            <a:tailEnd type="none" w="med" len="med"/>
-          </a:ln>
-        </p:spPr>
-        <p:txBody>
-          <a:bodyPr wrap="square" lIns="91425" tIns="91425" rIns="91425" bIns="91425" anchor="ctr" anchorCtr="0">
-            <a:noAutofit/>
-          </a:bodyPr>
-          <a:lstStyle/>
-          <a:p>
-            <a:pPr lvl="0" algn="ctr" rtl="0">
-              <a:spcBef>
-                <a:spcPts val="0"/>
-              </a:spcBef>
-              <a:buNone/>
-            </a:pPr>
-            <a:r>
-              <a:rPr lang="en"/>
-              <a:t>&lt;visualization&gt;</a:t>
-            </a:r>
-          </a:p>
-        </p:txBody>
-      </p:sp>
-      <p:sp>
-        <p:nvSpPr>
-          <p:cNvPr id="61" name="Shape 61"/>
-          <p:cNvSpPr txBox="1">
-            <a:spLocks noGrp="1"/>
-          </p:cNvSpPr>
-          <p:nvPr>
-            <p:ph type="title"/>
-          </p:nvPr>
-        </p:nvSpPr>
-        <p:spPr>
-          <a:xfrm>
-            <a:off x="0" y="0"/>
-            <a:ext cx="9144000" cy="795600"/>
-          </a:xfrm>
-          <a:prstGeom prst="rect">
-            <a:avLst/>
-          </a:prstGeom>
-          <a:solidFill>
-            <a:srgbClr val="073763"/>
-          </a:solidFill>
-        </p:spPr>
-        <p:txBody>
-          <a:bodyPr wrap="square" lIns="91425" tIns="91425" rIns="91425" bIns="91425" anchor="ctr" anchorCtr="0">
-            <a:noAutofit/>
-          </a:bodyPr>
-          <a:lstStyle/>
-          <a:p>
-            <a:pPr lvl="0" rtl="0">
-              <a:spcBef>
-                <a:spcPts val="0"/>
-              </a:spcBef>
-              <a:buNone/>
-            </a:pPr>
-            <a:r>
-              <a:rPr lang="en">
-                <a:solidFill>
-                  <a:srgbClr val="FFFFFF"/>
-                </a:solidFill>
-                <a:latin typeface="Open Sans"/>
-                <a:ea typeface="Open Sans"/>
-                <a:cs typeface="Open Sans"/>
-                <a:sym typeface="Open Sans"/>
-              </a:rPr>
-              <a:t>  &lt;title&gt;</a:t>
-            </a:r>
-          </a:p>
-        </p:txBody>
-      </p:sp>
-    </p:spTree>
-  </p:cSld>
-  <p:clrMapOvr>
-    <a:masterClrMapping/>
-  </p:clrMapOvr>
-</p:sld>
-</file>
-
-<file path=ppt/slides/slide3.xml><?xml version="1.0" encoding="utf-8"?>
 <p:sld xmlns:a="http://schemas.openxmlformats.org/drawingml/2006/main" xmlns:r="http://schemas.openxmlformats.org/officeDocument/2006/relationships" xmlns:p="http://schemas.openxmlformats.org/presentationml/2006/main">
   <p:cSld>
     <p:spTree>
@@ -4676,20 +10492,35 @@
           </a:bodyPr>
           <a:lstStyle/>
           <a:p>
-            <a:pPr lvl="0" rtl="0">
-              <a:spcBef>
-                <a:spcPts val="0"/>
-              </a:spcBef>
+            <a:pPr lvl="0">
               <a:buNone/>
             </a:pPr>
             <a:r>
-              <a:rPr lang="en">
+              <a:rPr lang="en-US" dirty="0">
                 <a:latin typeface="Open Sans"/>
                 <a:ea typeface="Open Sans"/>
                 <a:cs typeface="Open Sans"/>
                 <a:sym typeface="Open Sans"/>
               </a:rPr>
-              <a:t>&lt;description&gt;</a:t>
+              <a:t>The table shows the TOP 5 </a:t>
+            </a:r>
+            <a:r>
+              <a:rPr lang="en-US" dirty="0" smtClean="0">
+                <a:latin typeface="Open Sans"/>
+                <a:ea typeface="Open Sans"/>
+                <a:cs typeface="Open Sans"/>
+                <a:sym typeface="Open Sans"/>
+              </a:rPr>
+              <a:t>highest order volume country of </a:t>
+            </a:r>
+            <a:r>
+              <a:rPr lang="en-US" dirty="0">
+                <a:latin typeface="Open Sans"/>
+                <a:ea typeface="Open Sans"/>
+                <a:cs typeface="Open Sans"/>
+                <a:sym typeface="Open Sans"/>
+              </a:rPr>
+              <a:t>total invoice and money for each country spent on the album. Comparing to others country, the customer from the USA  has spent more than 2 to 3 times larger than any country. </a:t>
             </a:r>
           </a:p>
         </p:txBody>
@@ -4697,6 +10528,275 @@
       <p:sp>
         <p:nvSpPr>
           <p:cNvPr id="67" name="Shape 67"/>
+          <p:cNvSpPr/>
+          <p:nvPr/>
+        </p:nvSpPr>
+        <p:spPr>
+          <a:xfrm>
+            <a:off x="382875" y="1418450"/>
+            <a:ext cx="4550700" cy="3072600"/>
+          </a:xfrm>
+          <a:prstGeom prst="rect">
+            <a:avLst/>
+          </a:prstGeom>
+          <a:solidFill>
+            <a:schemeClr val="lt2"/>
+          </a:solidFill>
+          <a:ln w="9525" cap="flat" cmpd="sng">
+            <a:solidFill>
+              <a:schemeClr val="dk2"/>
+            </a:solidFill>
+            <a:prstDash val="solid"/>
+            <a:round/>
+            <a:headEnd type="none" w="med" len="med"/>
+            <a:tailEnd type="none" w="med" len="med"/>
+          </a:ln>
+        </p:spPr>
+        <p:txBody>
+          <a:bodyPr wrap="square" lIns="91425" tIns="91425" rIns="91425" bIns="91425" anchor="ctr" anchorCtr="0">
+            <a:noAutofit/>
+          </a:bodyPr>
+          <a:lstStyle/>
+          <a:p>
+            <a:pPr lvl="0" algn="ctr" rtl="0">
+              <a:spcBef>
+                <a:spcPts val="0"/>
+              </a:spcBef>
+              <a:buNone/>
+            </a:pPr>
+            <a:endParaRPr lang="en" dirty="0"/>
+          </a:p>
+        </p:txBody>
+      </p:sp>
+      <p:sp>
+        <p:nvSpPr>
+          <p:cNvPr id="68" name="Shape 68"/>
+          <p:cNvSpPr txBox="1">
+            <a:spLocks noGrp="1"/>
+          </p:cNvSpPr>
+          <p:nvPr>
+            <p:ph type="title"/>
+          </p:nvPr>
+        </p:nvSpPr>
+        <p:spPr>
+          <a:xfrm>
+            <a:off x="0" y="0"/>
+            <a:ext cx="9144000" cy="795600"/>
+          </a:xfrm>
+          <a:prstGeom prst="rect">
+            <a:avLst/>
+          </a:prstGeom>
+          <a:solidFill>
+            <a:srgbClr val="073763"/>
+          </a:solidFill>
+        </p:spPr>
+        <p:txBody>
+          <a:bodyPr wrap="square" lIns="91425" tIns="91425" rIns="91425" bIns="91425" anchor="ctr" anchorCtr="0">
+            <a:noAutofit/>
+          </a:bodyPr>
+          <a:lstStyle/>
+          <a:p>
+            <a:pPr lvl="0" rtl="0">
+              <a:spcBef>
+                <a:spcPts val="0"/>
+              </a:spcBef>
+              <a:buNone/>
+            </a:pPr>
+            <a:r>
+              <a:rPr lang="en" dirty="0" smtClean="0">
+                <a:solidFill>
+                  <a:srgbClr val="FFFFFF"/>
+                </a:solidFill>
+                <a:latin typeface="Open Sans"/>
+                <a:ea typeface="Open Sans"/>
+                <a:cs typeface="Open Sans"/>
+                <a:sym typeface="Open Sans"/>
+              </a:rPr>
+              <a:t>Total Order Volume from each country </a:t>
+            </a:r>
+            <a:endParaRPr lang="en" dirty="0">
+              <a:solidFill>
+                <a:srgbClr val="FFFFFF"/>
+              </a:solidFill>
+              <a:latin typeface="Open Sans"/>
+              <a:ea typeface="Open Sans"/>
+              <a:cs typeface="Open Sans"/>
+              <a:sym typeface="Open Sans"/>
+            </a:endParaRPr>
+          </a:p>
+        </p:txBody>
+      </p:sp>
+      <p:graphicFrame>
+        <p:nvGraphicFramePr>
+          <p:cNvPr id="8" name="Chart 7"/>
+          <p:cNvGraphicFramePr>
+            <a:graphicFrameLocks/>
+          </p:cNvGraphicFramePr>
+          <p:nvPr>
+            <p:extLst>
+              <p:ext uri="{D42A27DB-BD31-4B8C-83A1-F6EECF244321}">
+                <p14:modId xmlns:p14="http://schemas.microsoft.com/office/powerpoint/2010/main" val="3702893410"/>
+              </p:ext>
+            </p:extLst>
+          </p:nvPr>
+        </p:nvGraphicFramePr>
+        <p:xfrm>
+          <a:off x="382875" y="1418450"/>
+          <a:ext cx="4572000" cy="3043250"/>
+        </p:xfrm>
+        <a:graphic>
+          <a:graphicData uri="http://schemas.openxmlformats.org/drawingml/2006/chart">
+            <c:chart xmlns:c="http://schemas.openxmlformats.org/drawingml/2006/chart" xmlns:r="http://schemas.openxmlformats.org/officeDocument/2006/relationships" r:id="rId3"/>
+          </a:graphicData>
+        </a:graphic>
+      </p:graphicFrame>
+      <p:sp>
+        <p:nvSpPr>
+          <p:cNvPr id="3" name="Rectangle 2"/>
+          <p:cNvSpPr/>
+          <p:nvPr/>
+        </p:nvSpPr>
+        <p:spPr>
+          <a:xfrm>
+            <a:off x="5158200" y="3259944"/>
+            <a:ext cx="3591300" cy="1231106"/>
+          </a:xfrm>
+          <a:prstGeom prst="rect">
+            <a:avLst/>
+          </a:prstGeom>
+        </p:spPr>
+        <p:txBody>
+          <a:bodyPr wrap="square">
+            <a:spAutoFit/>
+          </a:bodyPr>
+          <a:lstStyle/>
+          <a:p>
+            <a:r>
+              <a:rPr lang="en-US" sz="1800" b="1" dirty="0">
+                <a:latin typeface="Arial" panose="020B0604020202020204" pitchFamily="34" charset="0"/>
+              </a:rPr>
+              <a:t>SQL Query</a:t>
+            </a:r>
+            <a:endParaRPr lang="en-US" dirty="0"/>
+          </a:p>
+          <a:p>
+            <a:r>
+              <a:rPr lang="en-US" dirty="0"/>
+              <a:t/>
+            </a:r>
+            <a:br>
+              <a:rPr lang="en-US" dirty="0"/>
+            </a:br>
+            <a:r>
+              <a:rPr lang="en-US" dirty="0">
+                <a:solidFill>
+                  <a:srgbClr val="595959"/>
+                </a:solidFill>
+                <a:latin typeface="Open Sans"/>
+              </a:rPr>
+              <a:t>Please see slide notes</a:t>
+            </a:r>
+            <a:endParaRPr lang="en-US" dirty="0"/>
+          </a:p>
+          <a:p>
+            <a:r>
+              <a:rPr lang="en-US" dirty="0"/>
+              <a:t/>
+            </a:r>
+            <a:br>
+              <a:rPr lang="en-US" dirty="0"/>
+            </a:br>
+            <a:endParaRPr lang="en-US" dirty="0"/>
+          </a:p>
+        </p:txBody>
+      </p:sp>
+    </p:spTree>
+  </p:cSld>
+  <p:clrMapOvr>
+    <a:masterClrMapping/>
+  </p:clrMapOvr>
+  <p:timing>
+    <p:tnLst>
+      <p:par>
+        <p:cTn id="1" dur="indefinite" restart="never" nodeType="tmRoot"/>
+      </p:par>
+    </p:tnLst>
+  </p:timing>
+</p:sld>
+</file>
+
+<file path=ppt/slides/slide3.xml><?xml version="1.0" encoding="utf-8"?>
+<p:sld xmlns:a="http://schemas.openxmlformats.org/drawingml/2006/main" xmlns:r="http://schemas.openxmlformats.org/officeDocument/2006/relationships" xmlns:p="http://schemas.openxmlformats.org/presentationml/2006/main">
+  <p:cSld>
+    <p:spTree>
+      <p:nvGrpSpPr>
+        <p:cNvPr id="1" name="Shape 79"/>
+        <p:cNvGrpSpPr/>
+        <p:nvPr/>
+      </p:nvGrpSpPr>
+      <p:grpSpPr>
+        <a:xfrm>
+          <a:off x="0" y="0"/>
+          <a:ext cx="0" cy="0"/>
+          <a:chOff x="0" y="0"/>
+          <a:chExt cx="0" cy="0"/>
+        </a:xfrm>
+      </p:grpSpPr>
+      <p:sp>
+        <p:nvSpPr>
+          <p:cNvPr id="80" name="Shape 80"/>
+          <p:cNvSpPr txBox="1">
+            <a:spLocks noGrp="1"/>
+          </p:cNvSpPr>
+          <p:nvPr>
+            <p:ph type="body" idx="1"/>
+          </p:nvPr>
+        </p:nvSpPr>
+        <p:spPr>
+          <a:xfrm>
+            <a:off x="5158200" y="1418450"/>
+            <a:ext cx="3591300" cy="3072600"/>
+          </a:xfrm>
+          <a:prstGeom prst="rect">
+            <a:avLst/>
+          </a:prstGeom>
+          <a:solidFill>
+            <a:srgbClr val="EFEFEF"/>
+          </a:solidFill>
+          <a:ln w="9525" cap="flat" cmpd="sng">
+            <a:solidFill>
+              <a:srgbClr val="999999"/>
+            </a:solidFill>
+            <a:prstDash val="solid"/>
+            <a:round/>
+            <a:headEnd type="none" w="med" len="med"/>
+            <a:tailEnd type="none" w="med" len="med"/>
+          </a:ln>
+        </p:spPr>
+        <p:txBody>
+          <a:bodyPr wrap="square" lIns="91425" tIns="91425" rIns="91425" bIns="91425" anchor="t" anchorCtr="0">
+            <a:noAutofit/>
+          </a:bodyPr>
+          <a:lstStyle/>
+          <a:p>
+            <a:pPr lvl="0">
+              <a:buNone/>
+            </a:pPr>
+            <a:r>
+              <a:rPr lang="en-US" dirty="0">
+                <a:latin typeface="Open Sans"/>
+                <a:ea typeface="Open Sans"/>
+                <a:cs typeface="Open Sans"/>
+                <a:sym typeface="Open Sans"/>
+              </a:rPr>
+              <a:t>The chart shows the comparison ratio of TOP 5 countries for all the Genre. The result shows USA is the only country that likes comedy track in this TOP 5 countries.</a:t>
+            </a:r>
+          </a:p>
+        </p:txBody>
+      </p:sp>
+      <p:sp>
+        <p:nvSpPr>
+          <p:cNvPr id="81" name="Shape 81"/>
           <p:cNvSpPr/>
           <p:nvPr/>
         </p:nvSpPr>
@@ -4733,16 +10833,13 @@
               </a:spcBef>
               <a:buNone/>
             </a:pPr>
-            <a:r>
-              <a:rPr lang="en"/>
-              <a:t>&lt;visualization&gt;</a:t>
-            </a:r>
+            <a:endParaRPr lang="en" dirty="0"/>
           </a:p>
         </p:txBody>
       </p:sp>
       <p:sp>
         <p:nvSpPr>
-          <p:cNvPr id="68" name="Shape 68"/>
+          <p:cNvPr id="82" name="Shape 82"/>
           <p:cNvSpPr txBox="1">
             <a:spLocks noGrp="1"/>
           </p:cNvSpPr>
@@ -4775,7 +10872,7 @@
               <a:buNone/>
             </a:pPr>
             <a:r>
-              <a:rPr lang="en">
+              <a:rPr lang="en" dirty="0" smtClean="0">
                 <a:solidFill>
                   <a:srgbClr val="FFFFFF"/>
                 </a:solidFill>
@@ -4784,8 +10881,101 @@
                 <a:cs typeface="Open Sans"/>
                 <a:sym typeface="Open Sans"/>
               </a:rPr>
-              <a:t>  &lt;title&gt;</a:t>
-            </a:r>
+              <a:t>Comparison of Order Volume by Genre</a:t>
+            </a:r>
+            <a:endParaRPr lang="en" dirty="0">
+              <a:solidFill>
+                <a:srgbClr val="FFFFFF"/>
+              </a:solidFill>
+              <a:latin typeface="Open Sans"/>
+              <a:ea typeface="Open Sans"/>
+              <a:cs typeface="Open Sans"/>
+              <a:sym typeface="Open Sans"/>
+            </a:endParaRPr>
+          </a:p>
+        </p:txBody>
+      </p:sp>
+      <p:graphicFrame>
+        <p:nvGraphicFramePr>
+          <p:cNvPr id="5" name="Chart 4"/>
+          <p:cNvGraphicFramePr>
+            <a:graphicFrameLocks/>
+          </p:cNvGraphicFramePr>
+          <p:nvPr>
+            <p:extLst>
+              <p:ext uri="{D42A27DB-BD31-4B8C-83A1-F6EECF244321}">
+                <p14:modId xmlns:p14="http://schemas.microsoft.com/office/powerpoint/2010/main" val="82287231"/>
+              </p:ext>
+            </p:extLst>
+          </p:nvPr>
+        </p:nvGraphicFramePr>
+        <p:xfrm>
+          <a:off x="354300" y="1418450"/>
+          <a:ext cx="4550700" cy="3072600"/>
+        </p:xfrm>
+        <a:graphic>
+          <a:graphicData uri="http://schemas.openxmlformats.org/drawingml/2006/chart">
+            <c:chart xmlns:c="http://schemas.openxmlformats.org/drawingml/2006/chart" xmlns:r="http://schemas.openxmlformats.org/officeDocument/2006/relationships" r:id="rId3"/>
+          </a:graphicData>
+        </a:graphic>
+      </p:graphicFrame>
+      <p:sp>
+        <p:nvSpPr>
+          <p:cNvPr id="6" name="Rectangle 5"/>
+          <p:cNvSpPr/>
+          <p:nvPr/>
+        </p:nvSpPr>
+        <p:spPr>
+          <a:xfrm>
+            <a:off x="5158200" y="3259944"/>
+            <a:ext cx="3591300" cy="1231106"/>
+          </a:xfrm>
+          <a:prstGeom prst="rect">
+            <a:avLst/>
+          </a:prstGeom>
+        </p:spPr>
+        <p:txBody>
+          <a:bodyPr wrap="square">
+            <a:spAutoFit/>
+          </a:bodyPr>
+          <a:lstStyle/>
+          <a:p>
+            <a:r>
+              <a:rPr lang="en-US" sz="1800" b="1" dirty="0">
+                <a:latin typeface="Arial" panose="020B0604020202020204" pitchFamily="34" charset="0"/>
+              </a:rPr>
+              <a:t>SQL Query</a:t>
+            </a:r>
+            <a:endParaRPr lang="en-US" dirty="0"/>
+          </a:p>
+          <a:p>
+            <a:r>
+              <a:rPr lang="en-US" dirty="0"/>
+              <a:t/>
+            </a:r>
+            <a:br>
+              <a:rPr lang="en-US" dirty="0"/>
+            </a:br>
+            <a:r>
+              <a:rPr lang="en-US" dirty="0">
+                <a:solidFill>
+                  <a:srgbClr val="595959"/>
+                </a:solidFill>
+                <a:latin typeface="Open Sans"/>
+              </a:rPr>
+              <a:t>Please see slide notes</a:t>
+            </a:r>
+            <a:endParaRPr lang="en-US" dirty="0"/>
+          </a:p>
+          <a:p>
+            <a:r>
+              <a:rPr lang="en-US" dirty="0"/>
+              <a:t/>
+            </a:r>
+            <a:br>
+              <a:rPr lang="en-US" dirty="0"/>
+            </a:br>
+            <a:endParaRPr lang="en-US" dirty="0"/>
           </a:p>
         </p:txBody>
       </p:sp>
@@ -4794,6 +10984,13 @@
   <p:clrMapOvr>
     <a:masterClrMapping/>
   </p:clrMapOvr>
+  <p:timing>
+    <p:tnLst>
+      <p:par>
+        <p:cTn id="1" dur="indefinite" restart="never" nodeType="tmRoot"/>
+      </p:par>
+    </p:tnLst>
+  </p:timing>
 </p:sld>
 </file>
 
@@ -4851,20 +11048,17 @@
           </a:bodyPr>
           <a:lstStyle/>
           <a:p>
-            <a:pPr lvl="0" rtl="0">
-              <a:spcBef>
-                <a:spcPts val="0"/>
-              </a:spcBef>
+            <a:pPr lvl="0">
               <a:buNone/>
             </a:pPr>
             <a:r>
-              <a:rPr lang="en">
+              <a:rPr lang="en-US" dirty="0">
                 <a:latin typeface="Open Sans"/>
                 <a:ea typeface="Open Sans"/>
                 <a:cs typeface="Open Sans"/>
                 <a:sym typeface="Open Sans"/>
               </a:rPr>
-              <a:t>&lt;description&gt;</a:t>
+              <a:t>In this chart, it shows the highest and average spent from a country of each customer. The average of this all countries are very similar and the highest spent of the country is the Czech Republic.</a:t>
             </a:r>
           </a:p>
         </p:txBody>
@@ -4908,10 +11102,7 @@
               </a:spcBef>
               <a:buNone/>
             </a:pPr>
-            <a:r>
-              <a:rPr lang="en"/>
-              <a:t>&lt;visualization&gt;</a:t>
-            </a:r>
+            <a:endParaRPr lang="en" dirty="0"/>
           </a:p>
         </p:txBody>
       </p:sp>
@@ -4943,14 +11134,9 @@
           </a:bodyPr>
           <a:lstStyle/>
           <a:p>
-            <a:pPr lvl="0" rtl="0">
-              <a:spcBef>
-                <a:spcPts val="0"/>
-              </a:spcBef>
-              <a:buNone/>
-            </a:pPr>
-            <a:r>
-              <a:rPr lang="en">
+            <a:pPr lvl="0"/>
+            <a:r>
+              <a:rPr lang="en-US" dirty="0">
                 <a:solidFill>
                   <a:srgbClr val="FFFFFF"/>
                 </a:solidFill>
@@ -4959,8 +11145,101 @@
                 <a:cs typeface="Open Sans"/>
                 <a:sym typeface="Open Sans"/>
               </a:rPr>
-              <a:t>  &lt;title&gt;</a:t>
-            </a:r>
+              <a:t>Highest and Average Spent From A Country</a:t>
+            </a:r>
+            <a:endParaRPr lang="en" dirty="0">
+              <a:solidFill>
+                <a:srgbClr val="FFFFFF"/>
+              </a:solidFill>
+              <a:latin typeface="Open Sans"/>
+              <a:ea typeface="Open Sans"/>
+              <a:cs typeface="Open Sans"/>
+              <a:sym typeface="Open Sans"/>
+            </a:endParaRPr>
+          </a:p>
+        </p:txBody>
+      </p:sp>
+      <p:graphicFrame>
+        <p:nvGraphicFramePr>
+          <p:cNvPr id="6" name="Chart 5"/>
+          <p:cNvGraphicFramePr>
+            <a:graphicFrameLocks/>
+          </p:cNvGraphicFramePr>
+          <p:nvPr>
+            <p:extLst>
+              <p:ext uri="{D42A27DB-BD31-4B8C-83A1-F6EECF244321}">
+                <p14:modId xmlns:p14="http://schemas.microsoft.com/office/powerpoint/2010/main" val="2612224011"/>
+              </p:ext>
+            </p:extLst>
+          </p:nvPr>
+        </p:nvGraphicFramePr>
+        <p:xfrm>
+          <a:off x="354300" y="1418450"/>
+          <a:ext cx="4572000" cy="3072600"/>
+        </p:xfrm>
+        <a:graphic>
+          <a:graphicData uri="http://schemas.openxmlformats.org/drawingml/2006/chart">
+            <c:chart xmlns:c="http://schemas.openxmlformats.org/drawingml/2006/chart" xmlns:r="http://schemas.openxmlformats.org/officeDocument/2006/relationships" r:id="rId3"/>
+          </a:graphicData>
+        </a:graphic>
+      </p:graphicFrame>
+      <p:sp>
+        <p:nvSpPr>
+          <p:cNvPr id="7" name="Rectangle 6"/>
+          <p:cNvSpPr/>
+          <p:nvPr/>
+        </p:nvSpPr>
+        <p:spPr>
+          <a:xfrm>
+            <a:off x="5158200" y="3259944"/>
+            <a:ext cx="3591300" cy="1231106"/>
+          </a:xfrm>
+          <a:prstGeom prst="rect">
+            <a:avLst/>
+          </a:prstGeom>
+        </p:spPr>
+        <p:txBody>
+          <a:bodyPr wrap="square">
+            <a:spAutoFit/>
+          </a:bodyPr>
+          <a:lstStyle/>
+          <a:p>
+            <a:r>
+              <a:rPr lang="en-US" sz="1800" b="1" dirty="0">
+                <a:latin typeface="Arial" panose="020B0604020202020204" pitchFamily="34" charset="0"/>
+              </a:rPr>
+              <a:t>SQL Query</a:t>
+            </a:r>
+            <a:endParaRPr lang="en-US" dirty="0"/>
+          </a:p>
+          <a:p>
+            <a:r>
+              <a:rPr lang="en-US" dirty="0"/>
+              <a:t/>
+            </a:r>
+            <a:br>
+              <a:rPr lang="en-US" dirty="0"/>
+            </a:br>
+            <a:r>
+              <a:rPr lang="en-US" dirty="0">
+                <a:solidFill>
+                  <a:srgbClr val="595959"/>
+                </a:solidFill>
+                <a:latin typeface="Open Sans"/>
+              </a:rPr>
+              <a:t>Please see slide notes</a:t>
+            </a:r>
+            <a:endParaRPr lang="en-US" dirty="0"/>
+          </a:p>
+          <a:p>
+            <a:r>
+              <a:rPr lang="en-US" dirty="0"/>
+              <a:t/>
+            </a:r>
+            <a:br>
+              <a:rPr lang="en-US" dirty="0"/>
+            </a:br>
+            <a:endParaRPr lang="en-US" dirty="0"/>
           </a:p>
         </p:txBody>
       </p:sp>
@@ -4969,6 +11248,13 @@
   <p:clrMapOvr>
     <a:masterClrMapping/>
   </p:clrMapOvr>
+  <p:timing>
+    <p:tnLst>
+      <p:par>
+        <p:cTn id="1" dur="indefinite" restart="never" nodeType="tmRoot"/>
+      </p:par>
+    </p:tnLst>
+  </p:timing>
 </p:sld>
 </file>
 
@@ -5026,20 +11312,17 @@
           </a:bodyPr>
           <a:lstStyle/>
           <a:p>
-            <a:pPr lvl="0" rtl="0">
-              <a:spcBef>
-                <a:spcPts val="0"/>
-              </a:spcBef>
+            <a:pPr lvl="0">
               <a:buNone/>
             </a:pPr>
             <a:r>
-              <a:rPr lang="en">
+              <a:rPr lang="en-US" dirty="0">
                 <a:latin typeface="Open Sans"/>
                 <a:ea typeface="Open Sans"/>
                 <a:cs typeface="Open Sans"/>
                 <a:sym typeface="Open Sans"/>
               </a:rPr>
-              <a:t>&lt;description&gt;</a:t>
+              <a:t>The chart shows the comparison ratio of TOP 5 countries for all the Media Types. The result shows that customer from this TOP 5 countries is only France has accepted the Purchased AAC audio file.</a:t>
             </a:r>
           </a:p>
         </p:txBody>
@@ -5083,10 +11366,7 @@
               </a:spcBef>
               <a:buNone/>
             </a:pPr>
-            <a:r>
-              <a:rPr lang="en"/>
-              <a:t>&lt;visualization&gt;</a:t>
-            </a:r>
+            <a:endParaRPr lang="en" dirty="0"/>
           </a:p>
         </p:txBody>
       </p:sp>
@@ -5118,14 +11398,9 @@
           </a:bodyPr>
           <a:lstStyle/>
           <a:p>
-            <a:pPr lvl="0" rtl="0">
-              <a:spcBef>
-                <a:spcPts val="0"/>
-              </a:spcBef>
-              <a:buNone/>
-            </a:pPr>
-            <a:r>
-              <a:rPr lang="en">
+            <a:pPr lvl="0"/>
+            <a:r>
+              <a:rPr lang="en" dirty="0">
                 <a:solidFill>
                   <a:srgbClr val="FFFFFF"/>
                 </a:solidFill>
@@ -5134,16 +11409,133 @@
                 <a:cs typeface="Open Sans"/>
                 <a:sym typeface="Open Sans"/>
               </a:rPr>
-              <a:t>  &lt;title&gt;</a:t>
-            </a:r>
+              <a:t>Comparison of Order Volume by </a:t>
+            </a:r>
+            <a:r>
+              <a:rPr lang="en" dirty="0" smtClean="0">
+                <a:solidFill>
+                  <a:srgbClr val="FFFFFF"/>
+                </a:solidFill>
+                <a:latin typeface="Open Sans"/>
+                <a:ea typeface="Open Sans"/>
+                <a:cs typeface="Open Sans"/>
+                <a:sym typeface="Open Sans"/>
+              </a:rPr>
+              <a:t>Media Types</a:t>
+            </a:r>
+            <a:endParaRPr lang="en" dirty="0">
+              <a:solidFill>
+                <a:srgbClr val="FFFFFF"/>
+              </a:solidFill>
+              <a:latin typeface="Open Sans"/>
+              <a:ea typeface="Open Sans"/>
+              <a:cs typeface="Open Sans"/>
+              <a:sym typeface="Open Sans"/>
+            </a:endParaRPr>
+          </a:p>
+        </p:txBody>
+      </p:sp>
+      <p:graphicFrame>
+        <p:nvGraphicFramePr>
+          <p:cNvPr id="7" name="Chart 6"/>
+          <p:cNvGraphicFramePr>
+            <a:graphicFrameLocks/>
+          </p:cNvGraphicFramePr>
+          <p:nvPr>
+            <p:extLst>
+              <p:ext uri="{D42A27DB-BD31-4B8C-83A1-F6EECF244321}">
+                <p14:modId xmlns:p14="http://schemas.microsoft.com/office/powerpoint/2010/main" val="1895124174"/>
+              </p:ext>
+            </p:extLst>
+          </p:nvPr>
+        </p:nvGraphicFramePr>
+        <p:xfrm>
+          <a:off x="333000" y="1418450"/>
+          <a:ext cx="4572000" cy="3072600"/>
+        </p:xfrm>
+        <a:graphic>
+          <a:graphicData uri="http://schemas.openxmlformats.org/drawingml/2006/chart">
+            <c:chart xmlns:c="http://schemas.openxmlformats.org/drawingml/2006/chart" xmlns:r="http://schemas.openxmlformats.org/officeDocument/2006/relationships" r:id="rId3"/>
+          </a:graphicData>
+        </a:graphic>
+      </p:graphicFrame>
+      <p:sp>
+        <p:nvSpPr>
+          <p:cNvPr id="6" name="Rectangle 5"/>
+          <p:cNvSpPr/>
+          <p:nvPr/>
+        </p:nvSpPr>
+        <p:spPr>
+          <a:xfrm>
+            <a:off x="5158200" y="3259944"/>
+            <a:ext cx="3591300" cy="1231106"/>
+          </a:xfrm>
+          <a:prstGeom prst="rect">
+            <a:avLst/>
+          </a:prstGeom>
+        </p:spPr>
+        <p:txBody>
+          <a:bodyPr wrap="square">
+            <a:spAutoFit/>
+          </a:bodyPr>
+          <a:lstStyle/>
+          <a:p>
+            <a:r>
+              <a:rPr lang="en-US" sz="1800" b="1" dirty="0">
+                <a:latin typeface="Arial" panose="020B0604020202020204" pitchFamily="34" charset="0"/>
+              </a:rPr>
+              <a:t>SQL Query</a:t>
+            </a:r>
+            <a:endParaRPr lang="en-US" dirty="0"/>
+          </a:p>
+          <a:p>
+            <a:r>
+              <a:rPr lang="en-US" dirty="0"/>
+              <a:t/>
+            </a:r>
+            <a:br>
+              <a:rPr lang="en-US" dirty="0"/>
+            </a:br>
+            <a:r>
+              <a:rPr lang="en-US" dirty="0">
+                <a:solidFill>
+                  <a:srgbClr val="595959"/>
+                </a:solidFill>
+                <a:latin typeface="Open Sans"/>
+              </a:rPr>
+              <a:t>Please see slide notes</a:t>
+            </a:r>
+            <a:endParaRPr lang="en-US" dirty="0"/>
+          </a:p>
+          <a:p>
+            <a:r>
+              <a:rPr lang="en-US" dirty="0"/>
+              <a:t/>
+            </a:r>
+            <a:br>
+              <a:rPr lang="en-US" dirty="0"/>
+            </a:br>
+            <a:endParaRPr lang="en-US" dirty="0"/>
           </a:p>
         </p:txBody>
       </p:sp>
     </p:spTree>
+    <p:extLst>
+      <p:ext uri="{BB962C8B-B14F-4D97-AF65-F5344CB8AC3E}">
+        <p14:creationId xmlns:p14="http://schemas.microsoft.com/office/powerpoint/2010/main" val="1391289189"/>
+      </p:ext>
+    </p:extLst>
   </p:cSld>
   <p:clrMapOvr>
     <a:masterClrMapping/>
   </p:clrMapOvr>
+  <p:timing>
+    <p:tnLst>
+      <p:par>
+        <p:cTn id="1" dur="indefinite" restart="never" nodeType="tmRoot"/>
+      </p:par>
+    </p:tnLst>
+  </p:timing>
 </p:sld>
 </file>
 

--- a/SQL Project.pptx
+++ b/SQL Project.pptx
@@ -247,7 +247,7 @@
           <a:lstStyle/>
           <a:p>
             <a:pPr>
-              <a:defRPr sz="1862" b="0" i="0" u="none" strike="noStrike" kern="1200" spc="0" baseline="0">
+              <a:defRPr sz="1400" b="0" i="0" u="none" strike="noStrike" kern="1200" spc="0" baseline="0">
                 <a:solidFill>
                   <a:schemeClr val="tx1">
                     <a:lumMod val="65000"/>
@@ -260,9 +260,12 @@
               </a:defRPr>
             </a:pPr>
             <a:r>
-              <a:rPr lang="en-US"/>
-              <a:t>Total order volume from each country</a:t>
-            </a:r>
+              <a:rPr lang="en-US" sz="1400" b="0" i="0" u="none" strike="noStrike" baseline="0" dirty="0" smtClean="0">
+                <a:effectLst/>
+              </a:rPr>
+              <a:t>Total Order Volume from each country </a:t>
+            </a:r>
+            <a:endParaRPr lang="en-US" dirty="0"/>
           </a:p>
         </c:rich>
       </c:tx>
@@ -280,7 +283,7 @@
         <a:lstStyle/>
         <a:p>
           <a:pPr>
-            <a:defRPr sz="1862" b="0" i="0" u="none" strike="noStrike" kern="1200" spc="0" baseline="0">
+            <a:defRPr sz="1400" b="0" i="0" u="none" strike="noStrike" kern="1200" spc="0" baseline="0">
               <a:solidFill>
                 <a:schemeClr val="tx1">
                   <a:lumMod val="65000"/>
@@ -298,7 +301,17 @@
     </c:title>
     <c:autoTitleDeleted val="0"/>
     <c:plotArea>
-      <c:layout/>
+      <c:layout>
+        <c:manualLayout>
+          <c:layoutTarget val="inner"/>
+          <c:xMode val="edge"/>
+          <c:yMode val="edge"/>
+          <c:x val="0.15068110236220472"/>
+          <c:y val="0.1423862310768709"/>
+          <c:w val="0.76457589676290461"/>
+          <c:h val="0.70737750516518716"/>
+        </c:manualLayout>
+      </c:layout>
       <c:barChart>
         <c:barDir val="bar"/>
         <c:grouping val="clustered"/>
@@ -308,11 +321,11 @@
           <c:order val="0"/>
           <c:tx>
             <c:strRef>
-              <c:f>'Total Order Volume from each co'!$C$1</c:f>
+              <c:f>'Total Order Volume from each co'!$B$1</c:f>
               <c:strCache>
                 <c:ptCount val="1"/>
                 <c:pt idx="0">
-                  <c:v>TotalSales</c:v>
+                  <c:v>Total Sales</c:v>
                 </c:pt>
               </c:strCache>
             </c:strRef>
@@ -328,50 +341,31 @@
           </c:spPr>
           <c:invertIfNegative val="0"/>
           <c:cat>
-            <c:multiLvlStrRef>
-              <c:f>'Total Order Volume from each co'!$A$2:$B$6</c:f>
-              <c:multiLvlStrCache>
+            <c:strRef>
+              <c:f>'Total Order Volume from each co'!$A$2:$A$6</c:f>
+              <c:strCache>
                 <c:ptCount val="5"/>
-                <c:lvl>
-                  <c:pt idx="0">
-                    <c:v>USA</c:v>
-                  </c:pt>
-                  <c:pt idx="1">
-                    <c:v>Canada</c:v>
-                  </c:pt>
-                  <c:pt idx="2">
-                    <c:v>France</c:v>
-                  </c:pt>
-                  <c:pt idx="3">
-                    <c:v>Brazil</c:v>
-                  </c:pt>
-                  <c:pt idx="4">
-                    <c:v>Germany</c:v>
-                  </c:pt>
-                </c:lvl>
-                <c:lvl>
-                  <c:pt idx="0">
-                    <c:v>91</c:v>
-                  </c:pt>
-                  <c:pt idx="1">
-                    <c:v>56</c:v>
-                  </c:pt>
-                  <c:pt idx="2">
-                    <c:v>35</c:v>
-                  </c:pt>
-                  <c:pt idx="3">
-                    <c:v>35</c:v>
-                  </c:pt>
-                  <c:pt idx="4">
-                    <c:v>28</c:v>
-                  </c:pt>
-                </c:lvl>
-              </c:multiLvlStrCache>
-            </c:multiLvlStrRef>
+                <c:pt idx="0">
+                  <c:v>USA</c:v>
+                </c:pt>
+                <c:pt idx="1">
+                  <c:v>Canada</c:v>
+                </c:pt>
+                <c:pt idx="2">
+                  <c:v>France</c:v>
+                </c:pt>
+                <c:pt idx="3">
+                  <c:v>Brazil</c:v>
+                </c:pt>
+                <c:pt idx="4">
+                  <c:v>Germany</c:v>
+                </c:pt>
+              </c:strCache>
+            </c:strRef>
           </c:cat>
           <c:val>
             <c:numRef>
-              <c:f>'Total Order Volume from each co'!$C$2:$C$6</c:f>
+              <c:f>'Total Order Volume from each co'!$B$2:$B$6</c:f>
               <c:numCache>
                 <c:formatCode>General</c:formatCode>
                 <c:ptCount val="5"/>
@@ -403,11 +397,11 @@
           <c:showBubbleSize val="0"/>
         </c:dLbls>
         <c:gapWidth val="182"/>
-        <c:axId val="-446294368"/>
-        <c:axId val="-446293280"/>
+        <c:axId val="-1949181456"/>
+        <c:axId val="-1949184720"/>
       </c:barChart>
       <c:catAx>
-        <c:axId val="-446294368"/>
+        <c:axId val="-1949181456"/>
         <c:scaling>
           <c:orientation val="minMax"/>
         </c:scaling>
@@ -435,7 +429,7 @@
           <a:lstStyle/>
           <a:p>
             <a:pPr>
-              <a:defRPr sz="1197" b="0" i="0" u="none" strike="noStrike" kern="1200" baseline="0">
+              <a:defRPr sz="900" b="0" i="0" u="none" strike="noStrike" kern="1200" baseline="0">
                 <a:solidFill>
                   <a:schemeClr val="tx1">
                     <a:lumMod val="65000"/>
@@ -450,7 +444,7 @@
             <a:endParaRPr lang="en-US"/>
           </a:p>
         </c:txPr>
-        <c:crossAx val="-446293280"/>
+        <c:crossAx val="-1949184720"/>
         <c:crosses val="autoZero"/>
         <c:auto val="1"/>
         <c:lblAlgn val="ctr"/>
@@ -458,7 +452,7 @@
         <c:noMultiLvlLbl val="0"/>
       </c:catAx>
       <c:valAx>
-        <c:axId val="-446293280"/>
+        <c:axId val="-1949184720"/>
         <c:scaling>
           <c:orientation val="minMax"/>
         </c:scaling>
@@ -494,7 +488,7 @@
           <a:lstStyle/>
           <a:p>
             <a:pPr>
-              <a:defRPr sz="1197" b="0" i="0" u="none" strike="noStrike" kern="1200" baseline="0">
+              <a:defRPr sz="900" b="0" i="0" u="none" strike="noStrike" kern="1200" baseline="0">
                 <a:solidFill>
                   <a:schemeClr val="tx1">
                     <a:lumMod val="65000"/>
@@ -509,7 +503,7 @@
             <a:endParaRPr lang="en-US"/>
           </a:p>
         </c:txPr>
-        <c:crossAx val="-446294368"/>
+        <c:crossAx val="-1949181456"/>
         <c:crosses val="autoZero"/>
         <c:crossBetween val="between"/>
       </c:valAx>
@@ -591,7 +585,6 @@
           </a:p>
         </c:rich>
       </c:tx>
-      <c:layout/>
       <c:overlay val="0"/>
       <c:spPr>
         <a:noFill/>
@@ -1622,12 +1615,12 @@
         </c:dLbls>
         <c:gapWidth val="150"/>
         <c:shape val="box"/>
-        <c:axId val="-446290560"/>
-        <c:axId val="-446290016"/>
+        <c:axId val="-2039049536"/>
+        <c:axId val="-2039048448"/>
         <c:axId val="0"/>
       </c:bar3DChart>
       <c:catAx>
-        <c:axId val="-446290560"/>
+        <c:axId val="-2039049536"/>
         <c:scaling>
           <c:orientation val="minMax"/>
         </c:scaling>
@@ -1664,7 +1657,7 @@
             <a:endParaRPr lang="en-US"/>
           </a:p>
         </c:txPr>
-        <c:crossAx val="-446290016"/>
+        <c:crossAx val="-2039048448"/>
         <c:crosses val="autoZero"/>
         <c:auto val="1"/>
         <c:lblAlgn val="ctr"/>
@@ -1672,7 +1665,7 @@
         <c:noMultiLvlLbl val="0"/>
       </c:catAx>
       <c:valAx>
-        <c:axId val="-446290016"/>
+        <c:axId val="-2039048448"/>
         <c:scaling>
           <c:orientation val="minMax"/>
         </c:scaling>
@@ -1723,7 +1716,7 @@
             <a:endParaRPr lang="en-US"/>
           </a:p>
         </c:txPr>
-        <c:crossAx val="-446290560"/>
+        <c:crossAx val="-2039049536"/>
         <c:crosses val="autoZero"/>
         <c:crossBetween val="between"/>
       </c:valAx>
@@ -1737,7 +1730,6 @@
     </c:plotArea>
     <c:legend>
       <c:legendPos val="b"/>
-      <c:layout/>
       <c:overlay val="0"/>
       <c:spPr>
         <a:noFill/>
@@ -1837,7 +1829,6 @@
           </a:p>
         </c:rich>
       </c:tx>
-      <c:layout/>
       <c:overlay val="0"/>
       <c:spPr>
         <a:noFill/>
@@ -1869,7 +1860,17 @@
     </c:title>
     <c:autoTitleDeleted val="0"/>
     <c:plotArea>
-      <c:layout/>
+      <c:layout>
+        <c:manualLayout>
+          <c:layoutTarget val="inner"/>
+          <c:xMode val="edge"/>
+          <c:yMode val="edge"/>
+          <c:x val="0.12291688538932634"/>
+          <c:y val="0.16574562259975265"/>
+          <c:w val="0.80208311461067372"/>
+          <c:h val="0.49716266354227689"/>
+        </c:manualLayout>
+      </c:layout>
       <c:barChart>
         <c:barDir val="col"/>
         <c:grouping val="clustered"/>
@@ -2088,11 +2089,11 @@
         </c:dLbls>
         <c:gapWidth val="219"/>
         <c:overlap val="-27"/>
-        <c:axId val="-446099088"/>
-        <c:axId val="-446094736"/>
+        <c:axId val="-2039047904"/>
+        <c:axId val="-2039046816"/>
       </c:barChart>
       <c:catAx>
-        <c:axId val="-446099088"/>
+        <c:axId val="-2039047904"/>
         <c:scaling>
           <c:orientation val="minMax"/>
         </c:scaling>
@@ -2135,7 +2136,7 @@
             <a:endParaRPr lang="en-US"/>
           </a:p>
         </c:txPr>
-        <c:crossAx val="-446094736"/>
+        <c:crossAx val="-2039046816"/>
         <c:crosses val="autoZero"/>
         <c:auto val="1"/>
         <c:lblAlgn val="ctr"/>
@@ -2143,7 +2144,7 @@
         <c:noMultiLvlLbl val="0"/>
       </c:catAx>
       <c:valAx>
-        <c:axId val="-446094736"/>
+        <c:axId val="-2039046816"/>
         <c:scaling>
           <c:orientation val="minMax"/>
         </c:scaling>
@@ -2194,7 +2195,7 @@
             <a:endParaRPr lang="en-US"/>
           </a:p>
         </c:txPr>
-        <c:crossAx val="-446099088"/>
+        <c:crossAx val="-2039047904"/>
         <c:crosses val="autoZero"/>
         <c:crossBetween val="between"/>
       </c:valAx>
@@ -2208,7 +2209,6 @@
     </c:plotArea>
     <c:legend>
       <c:legendPos val="b"/>
-      <c:layout/>
       <c:overlay val="0"/>
       <c:spPr>
         <a:noFill/>
@@ -2308,7 +2308,6 @@
           </a:p>
         </c:rich>
       </c:tx>
-      <c:layout/>
       <c:overlay val="0"/>
       <c:spPr>
         <a:noFill/>
@@ -2793,12 +2792,12 @@
         </c:dLbls>
         <c:gapWidth val="150"/>
         <c:shape val="box"/>
-        <c:axId val="-446090384"/>
-        <c:axId val="-446087664"/>
+        <c:axId val="-12561504"/>
+        <c:axId val="-2035707600"/>
         <c:axId val="0"/>
       </c:bar3DChart>
       <c:catAx>
-        <c:axId val="-446090384"/>
+        <c:axId val="-12561504"/>
         <c:scaling>
           <c:orientation val="minMax"/>
         </c:scaling>
@@ -2835,7 +2834,7 @@
             <a:endParaRPr lang="en-US"/>
           </a:p>
         </c:txPr>
-        <c:crossAx val="-446087664"/>
+        <c:crossAx val="-2035707600"/>
         <c:crosses val="autoZero"/>
         <c:auto val="1"/>
         <c:lblAlgn val="ctr"/>
@@ -2843,7 +2842,7 @@
         <c:noMultiLvlLbl val="0"/>
       </c:catAx>
       <c:valAx>
-        <c:axId val="-446087664"/>
+        <c:axId val="-2035707600"/>
         <c:scaling>
           <c:orientation val="minMax"/>
         </c:scaling>
@@ -2894,7 +2893,7 @@
             <a:endParaRPr lang="en-US"/>
           </a:p>
         </c:txPr>
-        <c:crossAx val="-446090384"/>
+        <c:crossAx val="-12561504"/>
         <c:crosses val="autoZero"/>
         <c:crossBetween val="between"/>
       </c:valAx>
@@ -2908,7 +2907,6 @@
     </c:plotArea>
     <c:legend>
       <c:legendPos val="b"/>
-      <c:layout/>
       <c:overlay val="0"/>
       <c:spPr>
         <a:noFill/>
@@ -3134,7 +3132,7 @@
         <a:lumOff val="35000"/>
       </a:schemeClr>
     </cs:fontRef>
-    <cs:defRPr sz="1330" kern="1200"/>
+    <cs:defRPr sz="1000" kern="1200"/>
   </cs:axisTitle>
   <cs:categoryAxis>
     <cs:lnRef idx="0"/>
@@ -3157,7 +3155,7 @@
         <a:round/>
       </a:ln>
     </cs:spPr>
-    <cs:defRPr sz="1197" kern="1200"/>
+    <cs:defRPr sz="900" kern="1200"/>
   </cs:categoryAxis>
   <cs:chartArea mods="allowNoFillOverride allowNoLineOverride">
     <cs:lnRef idx="0"/>
@@ -3180,7 +3178,7 @@
         <a:round/>
       </a:ln>
     </cs:spPr>
-    <cs:defRPr sz="1330" kern="1200"/>
+    <cs:defRPr sz="1000" kern="1200"/>
   </cs:chartArea>
   <cs:dataLabel>
     <cs:lnRef idx="0"/>
@@ -3192,7 +3190,7 @@
         <a:lumOff val="25000"/>
       </a:schemeClr>
     </cs:fontRef>
-    <cs:defRPr sz="1197" kern="1200"/>
+    <cs:defRPr sz="900" kern="1200"/>
   </cs:dataLabel>
   <cs:dataLabelCallout>
     <cs:lnRef idx="0"/>
@@ -3217,7 +3215,7 @@
         </a:solidFill>
       </a:ln>
     </cs:spPr>
-    <cs:defRPr sz="1197" kern="1200"/>
+    <cs:defRPr sz="900" kern="1200"/>
     <cs:bodyPr rot="0" spcFirstLastPara="1" vertOverflow="clip" horzOverflow="clip" vert="horz" wrap="square" lIns="36576" tIns="18288" rIns="36576" bIns="18288" anchor="ctr" anchorCtr="1">
       <a:spAutoFit/>
     </cs:bodyPr>
@@ -3320,7 +3318,7 @@
         <a:round/>
       </a:ln>
     </cs:spPr>
-    <cs:defRPr sz="1197" kern="1200"/>
+    <cs:defRPr sz="900" kern="1200"/>
   </cs:dataTable>
   <cs:downBar>
     <cs:lnRef idx="0"/>
@@ -3485,7 +3483,7 @@
         <a:lumOff val="35000"/>
       </a:schemeClr>
     </cs:fontRef>
-    <cs:defRPr sz="1197" kern="1200"/>
+    <cs:defRPr sz="900" kern="1200"/>
   </cs:legend>
   <cs:plotArea mods="allowNoFillOverride allowNoLineOverride">
     <cs:lnRef idx="0"/>
@@ -3513,7 +3511,7 @@
         <a:lumOff val="35000"/>
       </a:schemeClr>
     </cs:fontRef>
-    <cs:defRPr sz="1197" kern="1200"/>
+    <cs:defRPr sz="900" kern="1200"/>
   </cs:seriesAxis>
   <cs:seriesLine>
     <cs:lnRef idx="0"/>
@@ -3544,7 +3542,7 @@
         <a:lumOff val="35000"/>
       </a:schemeClr>
     </cs:fontRef>
-    <cs:defRPr sz="1862" b="0" kern="1200" spc="0" baseline="0"/>
+    <cs:defRPr sz="1400" b="0" kern="1200" spc="0" baseline="0"/>
   </cs:title>
   <cs:trendline>
     <cs:lnRef idx="0">
@@ -3574,7 +3572,7 @@
         <a:lumOff val="35000"/>
       </a:schemeClr>
     </cs:fontRef>
-    <cs:defRPr sz="1197" kern="1200"/>
+    <cs:defRPr sz="900" kern="1200"/>
   </cs:trendlineLabel>
   <cs:upBar>
     <cs:lnRef idx="0"/>
@@ -3608,7 +3606,7 @@
         <a:lumOff val="35000"/>
       </a:schemeClr>
     </cs:fontRef>
-    <cs:defRPr sz="1197" kern="1200"/>
+    <cs:defRPr sz="900" kern="1200"/>
   </cs:valueAxis>
   <cs:wall>
     <cs:lnRef idx="0"/>
@@ -5611,7 +5609,7 @@
             </a:pPr>
             <a:r>
               <a:rPr lang="en-US" dirty="0" smtClean="0"/>
-              <a:t>  COUNT(</a:t>
+              <a:t>  </a:t>
             </a:r>
             <a:r>
               <a:rPr lang="en-US" dirty="0" err="1" smtClean="0"/>
@@ -5619,7 +5617,7 @@
             </a:r>
             <a:r>
               <a:rPr lang="en-US" dirty="0" smtClean="0"/>
-              <a:t>) AS Purchase,</a:t>
+              <a:t> AS Country,</a:t>
             </a:r>
           </a:p>
           <a:p>
@@ -5631,15 +5629,51 @@
             </a:pPr>
             <a:r>
               <a:rPr lang="en-US" dirty="0" smtClean="0"/>
-              <a:t>  </a:t>
+              <a:t>  Total(</a:t>
             </a:r>
             <a:r>
               <a:rPr lang="en-US" dirty="0" err="1" smtClean="0"/>
-              <a:t>Customer.Country</a:t>
+              <a:t>Invoice.Total</a:t>
             </a:r>
             <a:r>
               <a:rPr lang="en-US" dirty="0" smtClean="0"/>
-              <a:t> AS </a:t>
+              <a:t>) AS "Total Sales"</a:t>
+            </a:r>
+          </a:p>
+          <a:p>
+            <a:pPr lvl="0" rtl="0">
+              <a:spcBef>
+                <a:spcPts val="0"/>
+              </a:spcBef>
+              <a:buNone/>
+            </a:pPr>
+            <a:r>
+              <a:rPr lang="en-US" dirty="0" smtClean="0"/>
+              <a:t>FROM Invoice</a:t>
+            </a:r>
+          </a:p>
+          <a:p>
+            <a:pPr lvl="0" rtl="0">
+              <a:spcBef>
+                <a:spcPts val="0"/>
+              </a:spcBef>
+              <a:buNone/>
+            </a:pPr>
+            <a:r>
+              <a:rPr lang="en-US" dirty="0" smtClean="0"/>
+              <a:t>INNER JOIN Customer</a:t>
+            </a:r>
+          </a:p>
+          <a:p>
+            <a:pPr lvl="0" rtl="0">
+              <a:spcBef>
+                <a:spcPts val="0"/>
+              </a:spcBef>
+              <a:buNone/>
+            </a:pPr>
+            <a:r>
+              <a:rPr lang="en-US" dirty="0" smtClean="0"/>
+              <a:t>  ON (</a:t>
             </a:r>
             <a:r>
               <a:rPr lang="en-US" dirty="0" err="1" smtClean="0"/>
@@ -5647,7 +5681,23 @@
             </a:r>
             <a:r>
               <a:rPr lang="en-US" dirty="0" smtClean="0"/>
-              <a:t>,</a:t>
+              <a:t> IS NOT NULL AND </a:t>
+            </a:r>
+            <a:r>
+              <a:rPr lang="en-US" dirty="0" err="1" smtClean="0"/>
+              <a:t>Customer.CustomerId</a:t>
+            </a:r>
+            <a:r>
+              <a:rPr lang="en-US" dirty="0" smtClean="0"/>
+              <a:t> = </a:t>
+            </a:r>
+            <a:r>
+              <a:rPr lang="en-US" dirty="0" err="1" smtClean="0"/>
+              <a:t>Invoice.CustomerId</a:t>
+            </a:r>
+            <a:r>
+              <a:rPr lang="en-US" dirty="0" smtClean="0"/>
+              <a:t>)</a:t>
             </a:r>
           </a:p>
           <a:p>
@@ -5659,21 +5709,8 @@
             </a:pPr>
             <a:r>
               <a:rPr lang="en-US" dirty="0" smtClean="0"/>
-              <a:t>  Total(</a:t>
-            </a:r>
-            <a:r>
-              <a:rPr lang="en-US" dirty="0" err="1" smtClean="0"/>
-              <a:t>Invoice.Total</a:t>
-            </a:r>
-            <a:r>
-              <a:rPr lang="en-US" dirty="0" smtClean="0"/>
-              <a:t>) AS </a:t>
-            </a:r>
-            <a:r>
-              <a:rPr lang="en-US" dirty="0" err="1" smtClean="0"/>
-              <a:t>TotalSales</a:t>
-            </a:r>
-            <a:endParaRPr lang="en-US" dirty="0" smtClean="0"/>
+              <a:t>GROUP BY Country</a:t>
+            </a:r>
           </a:p>
           <a:p>
             <a:pPr lvl="0" rtl="0">
@@ -5684,7 +5721,7 @@
             </a:pPr>
             <a:r>
               <a:rPr lang="en-US" dirty="0" smtClean="0"/>
-              <a:t>FROM Invoice</a:t>
+              <a:t>ORDER BY "Total Sales" DESC</a:t>
             </a:r>
           </a:p>
           <a:p>
@@ -5696,93 +5733,9 @@
             </a:pPr>
             <a:r>
               <a:rPr lang="en-US" dirty="0" smtClean="0"/>
-              <a:t>INNER JOIN Customer</a:t>
-            </a:r>
-          </a:p>
-          <a:p>
-            <a:pPr lvl="0" rtl="0">
-              <a:spcBef>
-                <a:spcPts val="0"/>
-              </a:spcBef>
-              <a:buNone/>
-            </a:pPr>
-            <a:r>
-              <a:rPr lang="en-US" dirty="0" smtClean="0"/>
-              <a:t>  ON (</a:t>
-            </a:r>
-            <a:r>
-              <a:rPr lang="en-US" dirty="0" err="1" smtClean="0"/>
-              <a:t>BillingCountry</a:t>
-            </a:r>
-            <a:r>
-              <a:rPr lang="en-US" dirty="0" smtClean="0"/>
-              <a:t> IS NOT NULL AND </a:t>
-            </a:r>
-            <a:r>
-              <a:rPr lang="en-US" dirty="0" err="1" smtClean="0"/>
-              <a:t>Customer.CustomerId</a:t>
-            </a:r>
-            <a:r>
-              <a:rPr lang="en-US" dirty="0" smtClean="0"/>
-              <a:t> = </a:t>
-            </a:r>
-            <a:r>
-              <a:rPr lang="en-US" dirty="0" err="1" smtClean="0"/>
-              <a:t>Invoice.CustomerId</a:t>
-            </a:r>
-            <a:r>
-              <a:rPr lang="en-US" dirty="0" smtClean="0"/>
-              <a:t>)</a:t>
-            </a:r>
-          </a:p>
-          <a:p>
-            <a:pPr lvl="0" rtl="0">
-              <a:spcBef>
-                <a:spcPts val="0"/>
-              </a:spcBef>
-              <a:buNone/>
-            </a:pPr>
-            <a:r>
-              <a:rPr lang="en-US" dirty="0" smtClean="0"/>
-              <a:t>GROUP BY </a:t>
-            </a:r>
-            <a:r>
-              <a:rPr lang="en-US" dirty="0" err="1" smtClean="0"/>
-              <a:t>Customer.Country</a:t>
+              <a:t>LIMIT 5;</a:t>
             </a:r>
             <a:endParaRPr lang="en-US" dirty="0" smtClean="0"/>
-          </a:p>
-          <a:p>
-            <a:pPr lvl="0" rtl="0">
-              <a:spcBef>
-                <a:spcPts val="0"/>
-              </a:spcBef>
-              <a:buNone/>
-            </a:pPr>
-            <a:r>
-              <a:rPr lang="en-US" dirty="0" smtClean="0"/>
-              <a:t>ORDER BY </a:t>
-            </a:r>
-            <a:r>
-              <a:rPr lang="en-US" dirty="0" err="1" smtClean="0"/>
-              <a:t>TotalSales</a:t>
-            </a:r>
-            <a:r>
-              <a:rPr lang="en-US" dirty="0" smtClean="0"/>
-              <a:t> DESC</a:t>
-            </a:r>
-          </a:p>
-          <a:p>
-            <a:pPr lvl="0" rtl="0">
-              <a:spcBef>
-                <a:spcPts val="0"/>
-              </a:spcBef>
-              <a:buNone/>
-            </a:pPr>
-            <a:r>
-              <a:rPr lang="en-US" dirty="0" smtClean="0"/>
-              <a:t>LIMIT 5;</a:t>
-            </a:r>
           </a:p>
         </p:txBody>
       </p:sp>
@@ -10626,30 +10579,6 @@
           </a:p>
         </p:txBody>
       </p:sp>
-      <p:graphicFrame>
-        <p:nvGraphicFramePr>
-          <p:cNvPr id="8" name="Chart 7"/>
-          <p:cNvGraphicFramePr>
-            <a:graphicFrameLocks/>
-          </p:cNvGraphicFramePr>
-          <p:nvPr>
-            <p:extLst>
-              <p:ext uri="{D42A27DB-BD31-4B8C-83A1-F6EECF244321}">
-                <p14:modId xmlns:p14="http://schemas.microsoft.com/office/powerpoint/2010/main" val="3702893410"/>
-              </p:ext>
-            </p:extLst>
-          </p:nvPr>
-        </p:nvGraphicFramePr>
-        <p:xfrm>
-          <a:off x="382875" y="1418450"/>
-          <a:ext cx="4572000" cy="3043250"/>
-        </p:xfrm>
-        <a:graphic>
-          <a:graphicData uri="http://schemas.openxmlformats.org/drawingml/2006/chart">
-            <c:chart xmlns:c="http://schemas.openxmlformats.org/drawingml/2006/chart" xmlns:r="http://schemas.openxmlformats.org/officeDocument/2006/relationships" r:id="rId3"/>
-          </a:graphicData>
-        </a:graphic>
-      </p:graphicFrame>
       <p:sp>
         <p:nvSpPr>
           <p:cNvPr id="3" name="Rectangle 2"/>
@@ -10707,6 +10636,88 @@
               <a:rPr lang="en-US" dirty="0"/>
             </a:br>
             <a:endParaRPr lang="en-US" dirty="0"/>
+          </a:p>
+        </p:txBody>
+      </p:sp>
+      <p:graphicFrame>
+        <p:nvGraphicFramePr>
+          <p:cNvPr id="8" name="Chart 7"/>
+          <p:cNvGraphicFramePr>
+            <a:graphicFrameLocks/>
+          </p:cNvGraphicFramePr>
+          <p:nvPr>
+            <p:extLst>
+              <p:ext uri="{D42A27DB-BD31-4B8C-83A1-F6EECF244321}">
+                <p14:modId xmlns:p14="http://schemas.microsoft.com/office/powerpoint/2010/main" val="3656702822"/>
+              </p:ext>
+            </p:extLst>
+          </p:nvPr>
+        </p:nvGraphicFramePr>
+        <p:xfrm>
+          <a:off x="372225" y="1433992"/>
+          <a:ext cx="4572000" cy="3041516"/>
+        </p:xfrm>
+        <a:graphic>
+          <a:graphicData uri="http://schemas.openxmlformats.org/drawingml/2006/chart">
+            <c:chart xmlns:c="http://schemas.openxmlformats.org/drawingml/2006/chart" xmlns:r="http://schemas.openxmlformats.org/officeDocument/2006/relationships" r:id="rId3"/>
+          </a:graphicData>
+        </a:graphic>
+      </p:graphicFrame>
+      <p:sp>
+        <p:nvSpPr>
+          <p:cNvPr id="2" name="Rectangle 1"/>
+          <p:cNvSpPr/>
+          <p:nvPr/>
+        </p:nvSpPr>
+        <p:spPr>
+          <a:xfrm>
+            <a:off x="2515733" y="4229287"/>
+            <a:ext cx="503664" cy="246221"/>
+          </a:xfrm>
+          <a:prstGeom prst="rect">
+            <a:avLst/>
+          </a:prstGeom>
+        </p:spPr>
+        <p:txBody>
+          <a:bodyPr wrap="none">
+            <a:spAutoFit/>
+          </a:bodyPr>
+          <a:lstStyle/>
+          <a:p>
+            <a:pPr algn="ctr">
+              <a:defRPr sz="1400" b="0" i="0" u="none" strike="noStrike" kern="1200" spc="0" baseline="0">
+                <a:solidFill>
+                  <a:srgbClr val="000000">
+                    <a:lumMod val="65000"/>
+                    <a:lumOff val="35000"/>
+                  </a:srgbClr>
+                </a:solidFill>
+                <a:latin typeface="+mn-lt"/>
+                <a:ea typeface="+mn-ea"/>
+                <a:cs typeface="+mn-cs"/>
+              </a:defRPr>
+            </a:pPr>
+            <a:r>
+              <a:rPr lang="en-US" sz="1000" kern="1200" dirty="0" smtClean="0">
+                <a:solidFill>
+                  <a:srgbClr val="000000">
+                    <a:lumMod val="65000"/>
+                    <a:lumOff val="35000"/>
+                  </a:srgbClr>
+                </a:solidFill>
+                <a:latin typeface="+mn-lt"/>
+              </a:rPr>
+              <a:t>Sales</a:t>
+            </a:r>
+            <a:endParaRPr lang="en-US" sz="1000" kern="1200" dirty="0">
+              <a:solidFill>
+                <a:srgbClr val="000000">
+                  <a:lumMod val="65000"/>
+                  <a:lumOff val="35000"/>
+                </a:srgbClr>
+              </a:solidFill>
+              <a:latin typeface="+mn-lt"/>
+            </a:endParaRPr>
           </a:p>
         </p:txBody>
       </p:sp>
@@ -11168,7 +11179,7 @@
           <p:nvPr>
             <p:extLst>
               <p:ext uri="{D42A27DB-BD31-4B8C-83A1-F6EECF244321}">
-                <p14:modId xmlns:p14="http://schemas.microsoft.com/office/powerpoint/2010/main" val="2612224011"/>
+                <p14:modId xmlns:p14="http://schemas.microsoft.com/office/powerpoint/2010/main" val="863400175"/>
               </p:ext>
             </p:extLst>
           </p:nvPr>
@@ -11240,6 +11251,34 @@
               <a:rPr lang="en-US" dirty="0"/>
             </a:br>
             <a:endParaRPr lang="en-US" dirty="0"/>
+          </a:p>
+        </p:txBody>
+      </p:sp>
+      <p:sp>
+        <p:nvSpPr>
+          <p:cNvPr id="2" name="Rectangle 1"/>
+          <p:cNvSpPr/>
+          <p:nvPr/>
+        </p:nvSpPr>
+        <p:spPr>
+          <a:xfrm rot="16200000">
+            <a:off x="35514" y="2606384"/>
+            <a:ext cx="982961" cy="215444"/>
+          </a:xfrm>
+          <a:prstGeom prst="rect">
+            <a:avLst/>
+          </a:prstGeom>
+        </p:spPr>
+        <p:txBody>
+          <a:bodyPr wrap="none">
+            <a:spAutoFit/>
+          </a:bodyPr>
+          <a:lstStyle/>
+          <a:p>
+            <a:r>
+              <a:rPr lang="en-US" sz="800" dirty="0"/>
+              <a:t>numbers of spent</a:t>
+            </a:r>
           </a:p>
         </p:txBody>
       </p:sp>
